--- a/VBA.pptx
+++ b/VBA.pptx
@@ -3499,7 +3499,7 @@
           <a:bodyPr/>
           <a:lstStyle/>
           <a:p>
-            <a:endParaRPr lang="en-US"/>
+            <a:endParaRPr lang="en-US" dirty="0"/>
           </a:p>
         </p:txBody>
       </p:sp>

--- a/VBA.pptx
+++ b/VBA.pptx
@@ -6,7 +6,18 @@
   </p:sldMasterIdLst>
   <p:sldIdLst>
     <p:sldId id="256" r:id="rId2"/>
-    <p:sldId id="257" r:id="rId3"/>
+    <p:sldId id="263" r:id="rId3"/>
+    <p:sldId id="257" r:id="rId4"/>
+    <p:sldId id="258" r:id="rId5"/>
+    <p:sldId id="259" r:id="rId6"/>
+    <p:sldId id="262" r:id="rId7"/>
+    <p:sldId id="260" r:id="rId8"/>
+    <p:sldId id="261" r:id="rId9"/>
+    <p:sldId id="268" r:id="rId10"/>
+    <p:sldId id="266" r:id="rId11"/>
+    <p:sldId id="267" r:id="rId12"/>
+    <p:sldId id="264" r:id="rId13"/>
+    <p:sldId id="265" r:id="rId14"/>
   </p:sldIdLst>
   <p:sldSz cx="12192000" cy="6858000"/>
   <p:notesSz cx="6858000" cy="9144000"/>
@@ -105,6 +116,11 @@
       </a:defRPr>
     </a:lvl9pPr>
   </p:defaultTextStyle>
+  <p:extLst>
+    <p:ext uri="{EFAFB233-063F-42B5-8137-9DF3F51BA10A}">
+      <p15:sldGuideLst xmlns:p15="http://schemas.microsoft.com/office/powerpoint/2012/main"/>
+    </p:ext>
+  </p:extLst>
 </p:presentation>
 </file>
 
@@ -255,7 +271,7 @@
           <a:p>
             <a:fld id="{AB29DDB7-BA40-4CA0-A4F9-2204F0D18ADB}" type="datetimeFigureOut">
               <a:rPr lang="en-US" smtClean="0"/>
-              <a:t>12/16/2021</a:t>
+              <a:t>12/21/2021</a:t>
             </a:fld>
             <a:endParaRPr lang="en-US"/>
           </a:p>
@@ -453,7 +469,7 @@
           <a:p>
             <a:fld id="{AB29DDB7-BA40-4CA0-A4F9-2204F0D18ADB}" type="datetimeFigureOut">
               <a:rPr lang="en-US" smtClean="0"/>
-              <a:t>12/16/2021</a:t>
+              <a:t>12/21/2021</a:t>
             </a:fld>
             <a:endParaRPr lang="en-US"/>
           </a:p>
@@ -661,7 +677,7 @@
           <a:p>
             <a:fld id="{AB29DDB7-BA40-4CA0-A4F9-2204F0D18ADB}" type="datetimeFigureOut">
               <a:rPr lang="en-US" smtClean="0"/>
-              <a:t>12/16/2021</a:t>
+              <a:t>12/21/2021</a:t>
             </a:fld>
             <a:endParaRPr lang="en-US"/>
           </a:p>
@@ -859,7 +875,7 @@
           <a:p>
             <a:fld id="{AB29DDB7-BA40-4CA0-A4F9-2204F0D18ADB}" type="datetimeFigureOut">
               <a:rPr lang="en-US" smtClean="0"/>
-              <a:t>12/16/2021</a:t>
+              <a:t>12/21/2021</a:t>
             </a:fld>
             <a:endParaRPr lang="en-US"/>
           </a:p>
@@ -1134,7 +1150,7 @@
           <a:p>
             <a:fld id="{AB29DDB7-BA40-4CA0-A4F9-2204F0D18ADB}" type="datetimeFigureOut">
               <a:rPr lang="en-US" smtClean="0"/>
-              <a:t>12/16/2021</a:t>
+              <a:t>12/21/2021</a:t>
             </a:fld>
             <a:endParaRPr lang="en-US"/>
           </a:p>
@@ -1399,7 +1415,7 @@
           <a:p>
             <a:fld id="{AB29DDB7-BA40-4CA0-A4F9-2204F0D18ADB}" type="datetimeFigureOut">
               <a:rPr lang="en-US" smtClean="0"/>
-              <a:t>12/16/2021</a:t>
+              <a:t>12/21/2021</a:t>
             </a:fld>
             <a:endParaRPr lang="en-US"/>
           </a:p>
@@ -1811,7 +1827,7 @@
           <a:p>
             <a:fld id="{AB29DDB7-BA40-4CA0-A4F9-2204F0D18ADB}" type="datetimeFigureOut">
               <a:rPr lang="en-US" smtClean="0"/>
-              <a:t>12/16/2021</a:t>
+              <a:t>12/21/2021</a:t>
             </a:fld>
             <a:endParaRPr lang="en-US"/>
           </a:p>
@@ -1952,7 +1968,7 @@
           <a:p>
             <a:fld id="{AB29DDB7-BA40-4CA0-A4F9-2204F0D18ADB}" type="datetimeFigureOut">
               <a:rPr lang="en-US" smtClean="0"/>
-              <a:t>12/16/2021</a:t>
+              <a:t>12/21/2021</a:t>
             </a:fld>
             <a:endParaRPr lang="en-US"/>
           </a:p>
@@ -2065,7 +2081,7 @@
           <a:p>
             <a:fld id="{AB29DDB7-BA40-4CA0-A4F9-2204F0D18ADB}" type="datetimeFigureOut">
               <a:rPr lang="en-US" smtClean="0"/>
-              <a:t>12/16/2021</a:t>
+              <a:t>12/21/2021</a:t>
             </a:fld>
             <a:endParaRPr lang="en-US"/>
           </a:p>
@@ -2376,7 +2392,7 @@
           <a:p>
             <a:fld id="{AB29DDB7-BA40-4CA0-A4F9-2204F0D18ADB}" type="datetimeFigureOut">
               <a:rPr lang="en-US" smtClean="0"/>
-              <a:t>12/16/2021</a:t>
+              <a:t>12/21/2021</a:t>
             </a:fld>
             <a:endParaRPr lang="en-US"/>
           </a:p>
@@ -2664,7 +2680,7 @@
           <a:p>
             <a:fld id="{AB29DDB7-BA40-4CA0-A4F9-2204F0D18ADB}" type="datetimeFigureOut">
               <a:rPr lang="en-US" smtClean="0"/>
-              <a:t>12/16/2021</a:t>
+              <a:t>12/21/2021</a:t>
             </a:fld>
             <a:endParaRPr lang="en-US"/>
           </a:p>
@@ -2905,7 +2921,7 @@
           <a:p>
             <a:fld id="{AB29DDB7-BA40-4CA0-A4F9-2204F0D18ADB}" type="datetimeFigureOut">
               <a:rPr lang="en-US" smtClean="0"/>
-              <a:t>12/16/2021</a:t>
+              <a:t>12/21/2021</a:t>
             </a:fld>
             <a:endParaRPr lang="en-US"/>
           </a:p>
@@ -3436,6 +3452,689 @@
 </p:sld>
 </file>
 
+<file path=ppt/slides/slide10.xml><?xml version="1.0" encoding="utf-8"?>
+<p:sld xmlns:a="http://schemas.openxmlformats.org/drawingml/2006/main" xmlns:r="http://schemas.openxmlformats.org/officeDocument/2006/relationships" xmlns:p="http://schemas.openxmlformats.org/presentationml/2006/main">
+  <p:cSld>
+    <p:spTree>
+      <p:nvGrpSpPr>
+        <p:cNvPr id="1" name=""/>
+        <p:cNvGrpSpPr/>
+        <p:nvPr/>
+      </p:nvGrpSpPr>
+      <p:grpSpPr>
+        <a:xfrm>
+          <a:off x="0" y="0"/>
+          <a:ext cx="0" cy="0"/>
+          <a:chOff x="0" y="0"/>
+          <a:chExt cx="0" cy="0"/>
+        </a:xfrm>
+      </p:grpSpPr>
+      <p:sp>
+        <p:nvSpPr>
+          <p:cNvPr id="2" name="Title 1">
+            <a:extLst>
+              <a:ext uri="{FF2B5EF4-FFF2-40B4-BE49-F238E27FC236}">
+                <a16:creationId xmlns:a16="http://schemas.microsoft.com/office/drawing/2014/main" id="{5612866B-E588-44A7-8E96-01D7188801BC}"/>
+              </a:ext>
+            </a:extLst>
+          </p:cNvPr>
+          <p:cNvSpPr>
+            <a:spLocks noGrp="1"/>
+          </p:cNvSpPr>
+          <p:nvPr>
+            <p:ph type="title"/>
+          </p:nvPr>
+        </p:nvSpPr>
+        <p:spPr>
+          <a:xfrm>
+            <a:off x="838199" y="365125"/>
+            <a:ext cx="10828663" cy="1353506"/>
+          </a:xfrm>
+        </p:spPr>
+        <p:txBody>
+          <a:bodyPr/>
+          <a:lstStyle/>
+          <a:p>
+            <a:r>
+              <a:rPr lang="en-US" dirty="0"/>
+              <a:t>Convert a user-defined function to excel add-in</a:t>
+            </a:r>
+          </a:p>
+        </p:txBody>
+      </p:sp>
+      <p:sp>
+        <p:nvSpPr>
+          <p:cNvPr id="3" name="Content Placeholder 2">
+            <a:extLst>
+              <a:ext uri="{FF2B5EF4-FFF2-40B4-BE49-F238E27FC236}">
+                <a16:creationId xmlns:a16="http://schemas.microsoft.com/office/drawing/2014/main" id="{80439FBD-89AE-43A3-8EBF-A4C67D53F722}"/>
+              </a:ext>
+            </a:extLst>
+          </p:cNvPr>
+          <p:cNvSpPr>
+            <a:spLocks noGrp="1"/>
+          </p:cNvSpPr>
+          <p:nvPr>
+            <p:ph idx="1"/>
+          </p:nvPr>
+        </p:nvSpPr>
+        <p:spPr/>
+        <p:txBody>
+          <a:bodyPr/>
+          <a:lstStyle/>
+          <a:p>
+            <a:r>
+              <a:rPr lang="en-US" dirty="0"/>
+              <a:t>Save the self defined function to .</a:t>
+            </a:r>
+            <a:r>
+              <a:rPr lang="en-US" dirty="0" err="1"/>
+              <a:t>xlam</a:t>
+            </a:r>
+            <a:r>
+              <a:rPr lang="en-US" dirty="0"/>
+              <a:t> file format </a:t>
+            </a:r>
+          </a:p>
+          <a:p>
+            <a:endParaRPr lang="en-US" dirty="0"/>
+          </a:p>
+        </p:txBody>
+      </p:sp>
+      <p:pic>
+        <p:nvPicPr>
+          <p:cNvPr id="5" name="Picture 4">
+            <a:extLst>
+              <a:ext uri="{FF2B5EF4-FFF2-40B4-BE49-F238E27FC236}">
+                <a16:creationId xmlns:a16="http://schemas.microsoft.com/office/drawing/2014/main" id="{6EBBD775-42F4-4095-8C4C-B27968EA97D4}"/>
+              </a:ext>
+            </a:extLst>
+          </p:cNvPr>
+          <p:cNvPicPr>
+            <a:picLocks noChangeAspect="1"/>
+          </p:cNvPicPr>
+          <p:nvPr/>
+        </p:nvPicPr>
+        <p:blipFill>
+          <a:blip r:embed="rId2"/>
+          <a:stretch>
+            <a:fillRect/>
+          </a:stretch>
+        </p:blipFill>
+        <p:spPr>
+          <a:xfrm>
+            <a:off x="1013552" y="2794573"/>
+            <a:ext cx="9316598" cy="3382390"/>
+          </a:xfrm>
+          <a:prstGeom prst="rect">
+            <a:avLst/>
+          </a:prstGeom>
+        </p:spPr>
+      </p:pic>
+    </p:spTree>
+    <p:extLst>
+      <p:ext uri="{BB962C8B-B14F-4D97-AF65-F5344CB8AC3E}">
+        <p14:creationId xmlns:p14="http://schemas.microsoft.com/office/powerpoint/2010/main" val="2634307519"/>
+      </p:ext>
+    </p:extLst>
+  </p:cSld>
+  <p:clrMapOvr>
+    <a:masterClrMapping/>
+  </p:clrMapOvr>
+</p:sld>
+</file>
+
+<file path=ppt/slides/slide11.xml><?xml version="1.0" encoding="utf-8"?>
+<p:sld xmlns:a="http://schemas.openxmlformats.org/drawingml/2006/main" xmlns:r="http://schemas.openxmlformats.org/officeDocument/2006/relationships" xmlns:p="http://schemas.openxmlformats.org/presentationml/2006/main">
+  <p:cSld>
+    <p:spTree>
+      <p:nvGrpSpPr>
+        <p:cNvPr id="1" name=""/>
+        <p:cNvGrpSpPr/>
+        <p:nvPr/>
+      </p:nvGrpSpPr>
+      <p:grpSpPr>
+        <a:xfrm>
+          <a:off x="0" y="0"/>
+          <a:ext cx="0" cy="0"/>
+          <a:chOff x="0" y="0"/>
+          <a:chExt cx="0" cy="0"/>
+        </a:xfrm>
+      </p:grpSpPr>
+      <p:sp>
+        <p:nvSpPr>
+          <p:cNvPr id="2" name="Title 1">
+            <a:extLst>
+              <a:ext uri="{FF2B5EF4-FFF2-40B4-BE49-F238E27FC236}">
+                <a16:creationId xmlns:a16="http://schemas.microsoft.com/office/drawing/2014/main" id="{F6C2627D-94BC-42E2-BF05-FE4ECB44F75E}"/>
+              </a:ext>
+            </a:extLst>
+          </p:cNvPr>
+          <p:cNvSpPr>
+            <a:spLocks noGrp="1"/>
+          </p:cNvSpPr>
+          <p:nvPr>
+            <p:ph type="title"/>
+          </p:nvPr>
+        </p:nvSpPr>
+        <p:spPr>
+          <a:xfrm>
+            <a:off x="838200" y="365125"/>
+            <a:ext cx="10515600" cy="626393"/>
+          </a:xfrm>
+        </p:spPr>
+        <p:txBody>
+          <a:bodyPr>
+            <a:normAutofit fontScale="90000"/>
+          </a:bodyPr>
+          <a:lstStyle/>
+          <a:p>
+            <a:r>
+              <a:rPr lang="en-US" dirty="0"/>
+              <a:t>Continue..</a:t>
+            </a:r>
+          </a:p>
+        </p:txBody>
+      </p:sp>
+      <p:sp>
+        <p:nvSpPr>
+          <p:cNvPr id="3" name="Content Placeholder 2">
+            <a:extLst>
+              <a:ext uri="{FF2B5EF4-FFF2-40B4-BE49-F238E27FC236}">
+                <a16:creationId xmlns:a16="http://schemas.microsoft.com/office/drawing/2014/main" id="{E61338EF-7FDE-4F9A-B04D-E8445E177722}"/>
+              </a:ext>
+            </a:extLst>
+          </p:cNvPr>
+          <p:cNvSpPr>
+            <a:spLocks noGrp="1"/>
+          </p:cNvSpPr>
+          <p:nvPr>
+            <p:ph idx="1"/>
+          </p:nvPr>
+        </p:nvSpPr>
+        <p:spPr>
+          <a:xfrm>
+            <a:off x="594911" y="991518"/>
+            <a:ext cx="10758889" cy="5185445"/>
+          </a:xfrm>
+        </p:spPr>
+        <p:txBody>
+          <a:bodyPr/>
+          <a:lstStyle/>
+          <a:p>
+            <a:r>
+              <a:rPr lang="en-US" dirty="0"/>
+              <a:t>If a new workbook wants to use the function, click “file”-&gt; “options”-&gt; “Add-ins” and lick “go” at the bottom and “browse” and find the “</a:t>
+            </a:r>
+            <a:r>
+              <a:rPr lang="en-US" dirty="0" err="1"/>
+              <a:t>xlam</a:t>
+            </a:r>
+            <a:r>
+              <a:rPr lang="en-US" dirty="0"/>
+              <a:t>” file we saved earlier on </a:t>
+            </a:r>
+          </a:p>
+          <a:p>
+            <a:endParaRPr lang="en-US" dirty="0"/>
+          </a:p>
+        </p:txBody>
+      </p:sp>
+      <p:pic>
+        <p:nvPicPr>
+          <p:cNvPr id="5" name="Picture 4">
+            <a:extLst>
+              <a:ext uri="{FF2B5EF4-FFF2-40B4-BE49-F238E27FC236}">
+                <a16:creationId xmlns:a16="http://schemas.microsoft.com/office/drawing/2014/main" id="{98F1755D-142D-4453-AF81-FDDE81184A39}"/>
+              </a:ext>
+            </a:extLst>
+          </p:cNvPr>
+          <p:cNvPicPr>
+            <a:picLocks noChangeAspect="1"/>
+          </p:cNvPicPr>
+          <p:nvPr/>
+        </p:nvPicPr>
+        <p:blipFill>
+          <a:blip r:embed="rId2"/>
+          <a:stretch>
+            <a:fillRect/>
+          </a:stretch>
+        </p:blipFill>
+        <p:spPr>
+          <a:xfrm>
+            <a:off x="4438809" y="1990239"/>
+            <a:ext cx="5931735" cy="4502636"/>
+          </a:xfrm>
+          <a:prstGeom prst="rect">
+            <a:avLst/>
+          </a:prstGeom>
+        </p:spPr>
+      </p:pic>
+    </p:spTree>
+    <p:extLst>
+      <p:ext uri="{BB962C8B-B14F-4D97-AF65-F5344CB8AC3E}">
+        <p14:creationId xmlns:p14="http://schemas.microsoft.com/office/powerpoint/2010/main" val="2502053178"/>
+      </p:ext>
+    </p:extLst>
+  </p:cSld>
+  <p:clrMapOvr>
+    <a:masterClrMapping/>
+  </p:clrMapOvr>
+</p:sld>
+</file>
+
+<file path=ppt/slides/slide12.xml><?xml version="1.0" encoding="utf-8"?>
+<p:sld xmlns:a="http://schemas.openxmlformats.org/drawingml/2006/main" xmlns:r="http://schemas.openxmlformats.org/officeDocument/2006/relationships" xmlns:p="http://schemas.openxmlformats.org/presentationml/2006/main">
+  <p:cSld>
+    <p:spTree>
+      <p:nvGrpSpPr>
+        <p:cNvPr id="1" name=""/>
+        <p:cNvGrpSpPr/>
+        <p:nvPr/>
+      </p:nvGrpSpPr>
+      <p:grpSpPr>
+        <a:xfrm>
+          <a:off x="0" y="0"/>
+          <a:ext cx="0" cy="0"/>
+          <a:chOff x="0" y="0"/>
+          <a:chExt cx="0" cy="0"/>
+        </a:xfrm>
+      </p:grpSpPr>
+      <p:sp>
+        <p:nvSpPr>
+          <p:cNvPr id="2" name="Title 1">
+            <a:extLst>
+              <a:ext uri="{FF2B5EF4-FFF2-40B4-BE49-F238E27FC236}">
+                <a16:creationId xmlns:a16="http://schemas.microsoft.com/office/drawing/2014/main" id="{A575B06D-D93C-4DB4-B99E-CCF2092D73D6}"/>
+              </a:ext>
+            </a:extLst>
+          </p:cNvPr>
+          <p:cNvSpPr>
+            <a:spLocks noGrp="1"/>
+          </p:cNvSpPr>
+          <p:nvPr>
+            <p:ph type="title"/>
+          </p:nvPr>
+        </p:nvSpPr>
+        <p:spPr/>
+        <p:txBody>
+          <a:bodyPr/>
+          <a:lstStyle/>
+          <a:p>
+            <a:r>
+              <a:rPr lang="en-US" dirty="0"/>
+              <a:t>Variable scope </a:t>
+            </a:r>
+          </a:p>
+        </p:txBody>
+      </p:sp>
+      <p:pic>
+        <p:nvPicPr>
+          <p:cNvPr id="5" name="Content Placeholder 4">
+            <a:extLst>
+              <a:ext uri="{FF2B5EF4-FFF2-40B4-BE49-F238E27FC236}">
+                <a16:creationId xmlns:a16="http://schemas.microsoft.com/office/drawing/2014/main" id="{0AE0E20E-D833-4342-B2F4-953012FD7283}"/>
+              </a:ext>
+            </a:extLst>
+          </p:cNvPr>
+          <p:cNvPicPr>
+            <a:picLocks noGrp="1" noChangeAspect="1"/>
+          </p:cNvPicPr>
+          <p:nvPr>
+            <p:ph idx="1"/>
+          </p:nvPr>
+        </p:nvPicPr>
+        <p:blipFill>
+          <a:blip r:embed="rId2"/>
+          <a:stretch>
+            <a:fillRect/>
+          </a:stretch>
+        </p:blipFill>
+        <p:spPr>
+          <a:xfrm>
+            <a:off x="3509935" y="2008853"/>
+            <a:ext cx="5120720" cy="3583421"/>
+          </a:xfrm>
+        </p:spPr>
+      </p:pic>
+      <p:cxnSp>
+        <p:nvCxnSpPr>
+          <p:cNvPr id="7" name="Straight Arrow Connector 6">
+            <a:extLst>
+              <a:ext uri="{FF2B5EF4-FFF2-40B4-BE49-F238E27FC236}">
+                <a16:creationId xmlns:a16="http://schemas.microsoft.com/office/drawing/2014/main" id="{4F28ACF9-139A-4254-A8F4-CB9EDCDB3E77}"/>
+              </a:ext>
+            </a:extLst>
+          </p:cNvPr>
+          <p:cNvCxnSpPr>
+            <a:cxnSpLocks/>
+          </p:cNvCxnSpPr>
+          <p:nvPr/>
+        </p:nvCxnSpPr>
+        <p:spPr>
+          <a:xfrm flipH="1">
+            <a:off x="3128790" y="3200399"/>
+            <a:ext cx="1035587" cy="101245"/>
+          </a:xfrm>
+          <a:prstGeom prst="straightConnector1">
+            <a:avLst/>
+          </a:prstGeom>
+          <a:ln>
+            <a:tailEnd type="triangle"/>
+          </a:ln>
+        </p:spPr>
+        <p:style>
+          <a:lnRef idx="1">
+            <a:schemeClr val="accent1"/>
+          </a:lnRef>
+          <a:fillRef idx="0">
+            <a:schemeClr val="accent1"/>
+          </a:fillRef>
+          <a:effectRef idx="0">
+            <a:schemeClr val="accent1"/>
+          </a:effectRef>
+          <a:fontRef idx="minor">
+            <a:schemeClr val="tx1"/>
+          </a:fontRef>
+        </p:style>
+      </p:cxnSp>
+      <p:sp>
+        <p:nvSpPr>
+          <p:cNvPr id="8" name="TextBox 7">
+            <a:extLst>
+              <a:ext uri="{FF2B5EF4-FFF2-40B4-BE49-F238E27FC236}">
+                <a16:creationId xmlns:a16="http://schemas.microsoft.com/office/drawing/2014/main" id="{49EE23A1-68E1-401A-8D94-41A948C73FF0}"/>
+              </a:ext>
+            </a:extLst>
+          </p:cNvPr>
+          <p:cNvSpPr txBox="1"/>
+          <p:nvPr/>
+        </p:nvSpPr>
+        <p:spPr>
+          <a:xfrm>
+            <a:off x="197143" y="2886116"/>
+            <a:ext cx="3227943" cy="1200329"/>
+          </a:xfrm>
+          <a:prstGeom prst="rect">
+            <a:avLst/>
+          </a:prstGeom>
+          <a:noFill/>
+        </p:spPr>
+        <p:txBody>
+          <a:bodyPr wrap="square" rtlCol="0">
+            <a:spAutoFit/>
+          </a:bodyPr>
+          <a:lstStyle/>
+          <a:p>
+            <a:r>
+              <a:rPr lang="en-US" dirty="0"/>
+              <a:t>If we declare variable here, the variable k is available for both “sub one” and “Funky” functions. </a:t>
+            </a:r>
+            <a:r>
+              <a:rPr lang="en-US" dirty="0">
+                <a:solidFill>
+                  <a:srgbClr val="FF0000"/>
+                </a:solidFill>
+              </a:rPr>
+              <a:t>Modular level</a:t>
+            </a:r>
+          </a:p>
+        </p:txBody>
+      </p:sp>
+      <p:cxnSp>
+        <p:nvCxnSpPr>
+          <p:cNvPr id="10" name="Straight Arrow Connector 9">
+            <a:extLst>
+              <a:ext uri="{FF2B5EF4-FFF2-40B4-BE49-F238E27FC236}">
+                <a16:creationId xmlns:a16="http://schemas.microsoft.com/office/drawing/2014/main" id="{2D92AAFE-4B2A-4C61-A844-42B786254E86}"/>
+              </a:ext>
+            </a:extLst>
+          </p:cNvPr>
+          <p:cNvCxnSpPr/>
+          <p:nvPr/>
+        </p:nvCxnSpPr>
+        <p:spPr>
+          <a:xfrm flipV="1">
+            <a:off x="7359267" y="2787267"/>
+            <a:ext cx="1156772" cy="374574"/>
+          </a:xfrm>
+          <a:prstGeom prst="straightConnector1">
+            <a:avLst/>
+          </a:prstGeom>
+          <a:ln>
+            <a:tailEnd type="triangle"/>
+          </a:ln>
+        </p:spPr>
+        <p:style>
+          <a:lnRef idx="1">
+            <a:schemeClr val="accent1"/>
+          </a:lnRef>
+          <a:fillRef idx="0">
+            <a:schemeClr val="accent1"/>
+          </a:fillRef>
+          <a:effectRef idx="0">
+            <a:schemeClr val="accent1"/>
+          </a:effectRef>
+          <a:fontRef idx="minor">
+            <a:schemeClr val="tx1"/>
+          </a:fontRef>
+        </p:style>
+      </p:cxnSp>
+      <p:sp>
+        <p:nvSpPr>
+          <p:cNvPr id="11" name="TextBox 10">
+            <a:extLst>
+              <a:ext uri="{FF2B5EF4-FFF2-40B4-BE49-F238E27FC236}">
+                <a16:creationId xmlns:a16="http://schemas.microsoft.com/office/drawing/2014/main" id="{27040C23-1198-448A-AEED-0E478665CD7E}"/>
+              </a:ext>
+            </a:extLst>
+          </p:cNvPr>
+          <p:cNvSpPr txBox="1"/>
+          <p:nvPr/>
+        </p:nvSpPr>
+        <p:spPr>
+          <a:xfrm>
+            <a:off x="8635103" y="2600235"/>
+            <a:ext cx="2423711" cy="1200329"/>
+          </a:xfrm>
+          <a:prstGeom prst="rect">
+            <a:avLst/>
+          </a:prstGeom>
+          <a:noFill/>
+        </p:spPr>
+        <p:txBody>
+          <a:bodyPr wrap="square" rtlCol="0">
+            <a:spAutoFit/>
+          </a:bodyPr>
+          <a:lstStyle/>
+          <a:p>
+            <a:r>
+              <a:rPr lang="en-US" dirty="0"/>
+              <a:t>If we declare variable R here, it available for both modules. </a:t>
+            </a:r>
+            <a:r>
+              <a:rPr lang="en-US" dirty="0">
+                <a:solidFill>
+                  <a:srgbClr val="FF0000"/>
+                </a:solidFill>
+              </a:rPr>
+              <a:t>Workbook level </a:t>
+            </a:r>
+          </a:p>
+        </p:txBody>
+      </p:sp>
+      <p:cxnSp>
+        <p:nvCxnSpPr>
+          <p:cNvPr id="12" name="Straight Arrow Connector 11">
+            <a:extLst>
+              <a:ext uri="{FF2B5EF4-FFF2-40B4-BE49-F238E27FC236}">
+                <a16:creationId xmlns:a16="http://schemas.microsoft.com/office/drawing/2014/main" id="{4DDD2960-797C-46BB-B23C-1D8FCB68D09A}"/>
+              </a:ext>
+            </a:extLst>
+          </p:cNvPr>
+          <p:cNvCxnSpPr>
+            <a:cxnSpLocks/>
+          </p:cNvCxnSpPr>
+          <p:nvPr/>
+        </p:nvCxnSpPr>
+        <p:spPr>
+          <a:xfrm flipH="1">
+            <a:off x="2842352" y="4632994"/>
+            <a:ext cx="1000413" cy="412731"/>
+          </a:xfrm>
+          <a:prstGeom prst="straightConnector1">
+            <a:avLst/>
+          </a:prstGeom>
+          <a:ln>
+            <a:tailEnd type="triangle"/>
+          </a:ln>
+        </p:spPr>
+        <p:style>
+          <a:lnRef idx="1">
+            <a:schemeClr val="accent1"/>
+          </a:lnRef>
+          <a:fillRef idx="0">
+            <a:schemeClr val="accent1"/>
+          </a:fillRef>
+          <a:effectRef idx="0">
+            <a:schemeClr val="accent1"/>
+          </a:effectRef>
+          <a:fontRef idx="minor">
+            <a:schemeClr val="tx1"/>
+          </a:fontRef>
+        </p:style>
+      </p:cxnSp>
+      <p:sp>
+        <p:nvSpPr>
+          <p:cNvPr id="14" name="TextBox 13">
+            <a:extLst>
+              <a:ext uri="{FF2B5EF4-FFF2-40B4-BE49-F238E27FC236}">
+                <a16:creationId xmlns:a16="http://schemas.microsoft.com/office/drawing/2014/main" id="{5801F61B-AEB1-4456-9198-8886B2EBADA2}"/>
+              </a:ext>
+            </a:extLst>
+          </p:cNvPr>
+          <p:cNvSpPr txBox="1"/>
+          <p:nvPr/>
+        </p:nvSpPr>
+        <p:spPr>
+          <a:xfrm>
+            <a:off x="705079" y="4668944"/>
+            <a:ext cx="2423711" cy="923330"/>
+          </a:xfrm>
+          <a:prstGeom prst="rect">
+            <a:avLst/>
+          </a:prstGeom>
+          <a:noFill/>
+        </p:spPr>
+        <p:txBody>
+          <a:bodyPr wrap="square" rtlCol="0">
+            <a:spAutoFit/>
+          </a:bodyPr>
+          <a:lstStyle/>
+          <a:p>
+            <a:r>
+              <a:rPr lang="en-US" dirty="0"/>
+              <a:t>Variable y is only available for “Funky” function</a:t>
+            </a:r>
+          </a:p>
+        </p:txBody>
+      </p:sp>
+    </p:spTree>
+    <p:extLst>
+      <p:ext uri="{BB962C8B-B14F-4D97-AF65-F5344CB8AC3E}">
+        <p14:creationId xmlns:p14="http://schemas.microsoft.com/office/powerpoint/2010/main" val="431656084"/>
+      </p:ext>
+    </p:extLst>
+  </p:cSld>
+  <p:clrMapOvr>
+    <a:masterClrMapping/>
+  </p:clrMapOvr>
+</p:sld>
+</file>
+
+<file path=ppt/slides/slide13.xml><?xml version="1.0" encoding="utf-8"?>
+<p:sld xmlns:a="http://schemas.openxmlformats.org/drawingml/2006/main" xmlns:r="http://schemas.openxmlformats.org/officeDocument/2006/relationships" xmlns:p="http://schemas.openxmlformats.org/presentationml/2006/main">
+  <p:cSld>
+    <p:spTree>
+      <p:nvGrpSpPr>
+        <p:cNvPr id="1" name=""/>
+        <p:cNvGrpSpPr/>
+        <p:nvPr/>
+      </p:nvGrpSpPr>
+      <p:grpSpPr>
+        <a:xfrm>
+          <a:off x="0" y="0"/>
+          <a:ext cx="0" cy="0"/>
+          <a:chOff x="0" y="0"/>
+          <a:chExt cx="0" cy="0"/>
+        </a:xfrm>
+      </p:grpSpPr>
+      <p:sp>
+        <p:nvSpPr>
+          <p:cNvPr id="2" name="Title 1">
+            <a:extLst>
+              <a:ext uri="{FF2B5EF4-FFF2-40B4-BE49-F238E27FC236}">
+                <a16:creationId xmlns:a16="http://schemas.microsoft.com/office/drawing/2014/main" id="{0DAA686E-129E-4DF6-9ACD-41595225FE85}"/>
+              </a:ext>
+            </a:extLst>
+          </p:cNvPr>
+          <p:cNvSpPr>
+            <a:spLocks noGrp="1"/>
+          </p:cNvSpPr>
+          <p:nvPr>
+            <p:ph type="title"/>
+          </p:nvPr>
+        </p:nvSpPr>
+        <p:spPr/>
+        <p:txBody>
+          <a:bodyPr/>
+          <a:lstStyle/>
+          <a:p>
+            <a:r>
+              <a:rPr lang="en-US" dirty="0"/>
+              <a:t>Customized user function</a:t>
+            </a:r>
+          </a:p>
+        </p:txBody>
+      </p:sp>
+      <p:sp>
+        <p:nvSpPr>
+          <p:cNvPr id="3" name="Content Placeholder 2">
+            <a:extLst>
+              <a:ext uri="{FF2B5EF4-FFF2-40B4-BE49-F238E27FC236}">
+                <a16:creationId xmlns:a16="http://schemas.microsoft.com/office/drawing/2014/main" id="{66067D77-5766-4954-95F1-B22D68BE8F31}"/>
+              </a:ext>
+            </a:extLst>
+          </p:cNvPr>
+          <p:cNvSpPr>
+            <a:spLocks noGrp="1"/>
+          </p:cNvSpPr>
+          <p:nvPr>
+            <p:ph idx="1"/>
+          </p:nvPr>
+        </p:nvSpPr>
+        <p:spPr/>
+        <p:txBody>
+          <a:bodyPr/>
+          <a:lstStyle/>
+          <a:p>
+            <a:endParaRPr lang="en-US"/>
+          </a:p>
+        </p:txBody>
+      </p:sp>
+    </p:spTree>
+    <p:extLst>
+      <p:ext uri="{BB962C8B-B14F-4D97-AF65-F5344CB8AC3E}">
+        <p14:creationId xmlns:p14="http://schemas.microsoft.com/office/powerpoint/2010/main" val="369540833"/>
+      </p:ext>
+    </p:extLst>
+  </p:cSld>
+  <p:clrMapOvr>
+    <a:masterClrMapping/>
+  </p:clrMapOvr>
+</p:sld>
+</file>
+
 <file path=ppt/slides/slide2.xml><?xml version="1.0" encoding="utf-8"?>
 <p:sld xmlns:a="http://schemas.openxmlformats.org/drawingml/2006/main" xmlns:r="http://schemas.openxmlformats.org/officeDocument/2006/relationships" xmlns:p="http://schemas.openxmlformats.org/presentationml/2006/main">
   <p:cSld>
@@ -3458,6 +4157,93 @@
           <p:cNvPr id="2" name="Title 1">
             <a:extLst>
               <a:ext uri="{FF2B5EF4-FFF2-40B4-BE49-F238E27FC236}">
+                <a16:creationId xmlns:a16="http://schemas.microsoft.com/office/drawing/2014/main" id="{CE313FC7-6871-4E9F-B76F-B7273B714194}"/>
+              </a:ext>
+            </a:extLst>
+          </p:cNvPr>
+          <p:cNvSpPr>
+            <a:spLocks noGrp="1"/>
+          </p:cNvSpPr>
+          <p:nvPr>
+            <p:ph type="title"/>
+          </p:nvPr>
+        </p:nvSpPr>
+        <p:spPr/>
+        <p:txBody>
+          <a:bodyPr/>
+          <a:lstStyle/>
+          <a:p>
+            <a:r>
+              <a:rPr lang="en-US" dirty="0"/>
+              <a:t>VBA file format </a:t>
+            </a:r>
+          </a:p>
+        </p:txBody>
+      </p:sp>
+      <p:pic>
+        <p:nvPicPr>
+          <p:cNvPr id="5" name="Content Placeholder 4">
+            <a:extLst>
+              <a:ext uri="{FF2B5EF4-FFF2-40B4-BE49-F238E27FC236}">
+                <a16:creationId xmlns:a16="http://schemas.microsoft.com/office/drawing/2014/main" id="{90490D8E-C61A-42AC-8B63-87B65121FF62}"/>
+              </a:ext>
+            </a:extLst>
+          </p:cNvPr>
+          <p:cNvPicPr>
+            <a:picLocks noGrp="1" noChangeAspect="1"/>
+          </p:cNvPicPr>
+          <p:nvPr>
+            <p:ph idx="1"/>
+          </p:nvPr>
+        </p:nvPicPr>
+        <p:blipFill>
+          <a:blip r:embed="rId2"/>
+          <a:stretch>
+            <a:fillRect/>
+          </a:stretch>
+        </p:blipFill>
+        <p:spPr>
+          <a:xfrm>
+            <a:off x="838200" y="1813597"/>
+            <a:ext cx="10515600" cy="2634729"/>
+          </a:xfrm>
+        </p:spPr>
+      </p:pic>
+    </p:spTree>
+    <p:extLst>
+      <p:ext uri="{BB962C8B-B14F-4D97-AF65-F5344CB8AC3E}">
+        <p14:creationId xmlns:p14="http://schemas.microsoft.com/office/powerpoint/2010/main" val="1504822188"/>
+      </p:ext>
+    </p:extLst>
+  </p:cSld>
+  <p:clrMapOvr>
+    <a:masterClrMapping/>
+  </p:clrMapOvr>
+</p:sld>
+</file>
+
+<file path=ppt/slides/slide3.xml><?xml version="1.0" encoding="utf-8"?>
+<p:sld xmlns:a="http://schemas.openxmlformats.org/drawingml/2006/main" xmlns:r="http://schemas.openxmlformats.org/officeDocument/2006/relationships" xmlns:p="http://schemas.openxmlformats.org/presentationml/2006/main">
+  <p:cSld>
+    <p:spTree>
+      <p:nvGrpSpPr>
+        <p:cNvPr id="1" name=""/>
+        <p:cNvGrpSpPr/>
+        <p:nvPr/>
+      </p:nvGrpSpPr>
+      <p:grpSpPr>
+        <a:xfrm>
+          <a:off x="0" y="0"/>
+          <a:ext cx="0" cy="0"/>
+          <a:chOff x="0" y="0"/>
+          <a:chExt cx="0" cy="0"/>
+        </a:xfrm>
+      </p:grpSpPr>
+      <p:sp>
+        <p:nvSpPr>
+          <p:cNvPr id="2" name="Title 1">
+            <a:extLst>
+              <a:ext uri="{FF2B5EF4-FFF2-40B4-BE49-F238E27FC236}">
                 <a16:creationId xmlns:a16="http://schemas.microsoft.com/office/drawing/2014/main" id="{3E6E93FA-74FD-4AE5-A04A-5D4E181B1F85}"/>
               </a:ext>
             </a:extLst>
@@ -3474,7 +4260,10 @@
           <a:bodyPr/>
           <a:lstStyle/>
           <a:p>
-            <a:endParaRPr lang="en-US"/>
+            <a:r>
+              <a:rPr lang="en-US" dirty="0"/>
+              <a:t>Absolute vs Relative Macro</a:t>
+            </a:r>
           </a:p>
         </p:txBody>
       </p:sp>
@@ -3499,14 +4288,1557 @@
           <a:bodyPr/>
           <a:lstStyle/>
           <a:p>
+            <a:r>
+              <a:rPr lang="en-US" dirty="0"/>
+              <a:t>Click here to enable</a:t>
+            </a:r>
+          </a:p>
+          <a:p>
             <a:endParaRPr lang="en-US" dirty="0"/>
           </a:p>
-        </p:txBody>
-      </p:sp>
+          <a:p>
+            <a:endParaRPr lang="en-US" dirty="0"/>
+          </a:p>
+          <a:p>
+            <a:endParaRPr lang="en-US" dirty="0"/>
+          </a:p>
+          <a:p>
+            <a:r>
+              <a:rPr lang="en-US" dirty="0"/>
+              <a:t>To review the code </a:t>
+            </a:r>
+          </a:p>
+        </p:txBody>
+      </p:sp>
+      <p:pic>
+        <p:nvPicPr>
+          <p:cNvPr id="5" name="Picture 4">
+            <a:extLst>
+              <a:ext uri="{FF2B5EF4-FFF2-40B4-BE49-F238E27FC236}">
+                <a16:creationId xmlns:a16="http://schemas.microsoft.com/office/drawing/2014/main" id="{A65AF2F4-0B12-481B-B099-2BB13E96BEA9}"/>
+              </a:ext>
+            </a:extLst>
+          </p:cNvPr>
+          <p:cNvPicPr>
+            <a:picLocks noChangeAspect="1"/>
+          </p:cNvPicPr>
+          <p:nvPr/>
+        </p:nvPicPr>
+        <p:blipFill>
+          <a:blip r:embed="rId2"/>
+          <a:stretch>
+            <a:fillRect/>
+          </a:stretch>
+        </p:blipFill>
+        <p:spPr>
+          <a:xfrm>
+            <a:off x="6577071" y="1565798"/>
+            <a:ext cx="5300318" cy="5115521"/>
+          </a:xfrm>
+          <a:prstGeom prst="rect">
+            <a:avLst/>
+          </a:prstGeom>
+        </p:spPr>
+      </p:pic>
+      <p:cxnSp>
+        <p:nvCxnSpPr>
+          <p:cNvPr id="7" name="Straight Arrow Connector 6">
+            <a:extLst>
+              <a:ext uri="{FF2B5EF4-FFF2-40B4-BE49-F238E27FC236}">
+                <a16:creationId xmlns:a16="http://schemas.microsoft.com/office/drawing/2014/main" id="{51A9B6BC-A4FE-40DE-8957-EDBE9B03EEC8}"/>
+              </a:ext>
+            </a:extLst>
+          </p:cNvPr>
+          <p:cNvCxnSpPr>
+            <a:cxnSpLocks/>
+          </p:cNvCxnSpPr>
+          <p:nvPr/>
+        </p:nvCxnSpPr>
+        <p:spPr>
+          <a:xfrm>
+            <a:off x="4043190" y="2148289"/>
+            <a:ext cx="3679634" cy="517793"/>
+          </a:xfrm>
+          <a:prstGeom prst="straightConnector1">
+            <a:avLst/>
+          </a:prstGeom>
+          <a:ln>
+            <a:tailEnd type="triangle"/>
+          </a:ln>
+        </p:spPr>
+        <p:style>
+          <a:lnRef idx="1">
+            <a:schemeClr val="accent1"/>
+          </a:lnRef>
+          <a:fillRef idx="0">
+            <a:schemeClr val="accent1"/>
+          </a:fillRef>
+          <a:effectRef idx="0">
+            <a:schemeClr val="accent1"/>
+          </a:effectRef>
+          <a:fontRef idx="minor">
+            <a:schemeClr val="tx1"/>
+          </a:fontRef>
+        </p:style>
+      </p:cxnSp>
+      <p:cxnSp>
+        <p:nvCxnSpPr>
+          <p:cNvPr id="9" name="Straight Arrow Connector 8">
+            <a:extLst>
+              <a:ext uri="{FF2B5EF4-FFF2-40B4-BE49-F238E27FC236}">
+                <a16:creationId xmlns:a16="http://schemas.microsoft.com/office/drawing/2014/main" id="{E3DCB8B9-6876-4BEB-8D03-E491980D5825}"/>
+              </a:ext>
+            </a:extLst>
+          </p:cNvPr>
+          <p:cNvCxnSpPr>
+            <a:cxnSpLocks/>
+          </p:cNvCxnSpPr>
+          <p:nvPr/>
+        </p:nvCxnSpPr>
+        <p:spPr>
+          <a:xfrm flipV="1">
+            <a:off x="3833870" y="2988746"/>
+            <a:ext cx="2886419" cy="1134812"/>
+          </a:xfrm>
+          <a:prstGeom prst="straightConnector1">
+            <a:avLst/>
+          </a:prstGeom>
+          <a:ln>
+            <a:tailEnd type="triangle"/>
+          </a:ln>
+        </p:spPr>
+        <p:style>
+          <a:lnRef idx="1">
+            <a:schemeClr val="accent1"/>
+          </a:lnRef>
+          <a:fillRef idx="0">
+            <a:schemeClr val="accent1"/>
+          </a:fillRef>
+          <a:effectRef idx="0">
+            <a:schemeClr val="accent1"/>
+          </a:effectRef>
+          <a:fontRef idx="minor">
+            <a:schemeClr val="tx1"/>
+          </a:fontRef>
+        </p:style>
+      </p:cxnSp>
     </p:spTree>
     <p:extLst>
       <p:ext uri="{BB962C8B-B14F-4D97-AF65-F5344CB8AC3E}">
         <p14:creationId xmlns:p14="http://schemas.microsoft.com/office/powerpoint/2010/main" val="3567318567"/>
+      </p:ext>
+    </p:extLst>
+  </p:cSld>
+  <p:clrMapOvr>
+    <a:masterClrMapping/>
+  </p:clrMapOvr>
+</p:sld>
+</file>
+
+<file path=ppt/slides/slide4.xml><?xml version="1.0" encoding="utf-8"?>
+<p:sld xmlns:a="http://schemas.openxmlformats.org/drawingml/2006/main" xmlns:r="http://schemas.openxmlformats.org/officeDocument/2006/relationships" xmlns:p="http://schemas.openxmlformats.org/presentationml/2006/main">
+  <p:cSld>
+    <p:spTree>
+      <p:nvGrpSpPr>
+        <p:cNvPr id="1" name=""/>
+        <p:cNvGrpSpPr/>
+        <p:nvPr/>
+      </p:nvGrpSpPr>
+      <p:grpSpPr>
+        <a:xfrm>
+          <a:off x="0" y="0"/>
+          <a:ext cx="0" cy="0"/>
+          <a:chOff x="0" y="0"/>
+          <a:chExt cx="0" cy="0"/>
+        </a:xfrm>
+      </p:grpSpPr>
+      <p:sp>
+        <p:nvSpPr>
+          <p:cNvPr id="2" name="Title 1">
+            <a:extLst>
+              <a:ext uri="{FF2B5EF4-FFF2-40B4-BE49-F238E27FC236}">
+                <a16:creationId xmlns:a16="http://schemas.microsoft.com/office/drawing/2014/main" id="{F8625C23-5F1C-45D5-B592-43D85580107D}"/>
+              </a:ext>
+            </a:extLst>
+          </p:cNvPr>
+          <p:cNvSpPr>
+            <a:spLocks noGrp="1"/>
+          </p:cNvSpPr>
+          <p:nvPr>
+            <p:ph type="title"/>
+          </p:nvPr>
+        </p:nvSpPr>
+        <p:spPr>
+          <a:xfrm>
+            <a:off x="838200" y="-35824"/>
+            <a:ext cx="10515600" cy="1325563"/>
+          </a:xfrm>
+        </p:spPr>
+        <p:txBody>
+          <a:bodyPr/>
+          <a:lstStyle/>
+          <a:p>
+            <a:r>
+              <a:rPr lang="en-US" dirty="0"/>
+              <a:t>Subroutines and Functions</a:t>
+            </a:r>
+          </a:p>
+        </p:txBody>
+      </p:sp>
+      <p:pic>
+        <p:nvPicPr>
+          <p:cNvPr id="5" name="Content Placeholder 4">
+            <a:extLst>
+              <a:ext uri="{FF2B5EF4-FFF2-40B4-BE49-F238E27FC236}">
+                <a16:creationId xmlns:a16="http://schemas.microsoft.com/office/drawing/2014/main" id="{761696E3-EB29-4EF5-A0F2-AE0E478D96C9}"/>
+              </a:ext>
+            </a:extLst>
+          </p:cNvPr>
+          <p:cNvPicPr>
+            <a:picLocks noGrp="1" noChangeAspect="1"/>
+          </p:cNvPicPr>
+          <p:nvPr>
+            <p:ph idx="1"/>
+          </p:nvPr>
+        </p:nvPicPr>
+        <p:blipFill>
+          <a:blip r:embed="rId2"/>
+          <a:stretch>
+            <a:fillRect/>
+          </a:stretch>
+        </p:blipFill>
+        <p:spPr>
+          <a:xfrm>
+            <a:off x="319905" y="2310177"/>
+            <a:ext cx="5463534" cy="4068589"/>
+          </a:xfrm>
+        </p:spPr>
+      </p:pic>
+      <p:sp>
+        <p:nvSpPr>
+          <p:cNvPr id="10" name="TextBox 9">
+            <a:extLst>
+              <a:ext uri="{FF2B5EF4-FFF2-40B4-BE49-F238E27FC236}">
+                <a16:creationId xmlns:a16="http://schemas.microsoft.com/office/drawing/2014/main" id="{ADDBD638-721F-4F67-87D2-0E9902DB3B38}"/>
+              </a:ext>
+            </a:extLst>
+          </p:cNvPr>
+          <p:cNvSpPr txBox="1"/>
+          <p:nvPr/>
+        </p:nvSpPr>
+        <p:spPr>
+          <a:xfrm>
+            <a:off x="573795" y="1488598"/>
+            <a:ext cx="2477877" cy="369332"/>
+          </a:xfrm>
+          <a:prstGeom prst="rect">
+            <a:avLst/>
+          </a:prstGeom>
+          <a:noFill/>
+        </p:spPr>
+        <p:txBody>
+          <a:bodyPr wrap="square" rtlCol="0">
+            <a:spAutoFit/>
+          </a:bodyPr>
+          <a:lstStyle/>
+          <a:p>
+            <a:r>
+              <a:rPr lang="en-US" dirty="0"/>
+              <a:t>Example of subroutines:</a:t>
+            </a:r>
+          </a:p>
+        </p:txBody>
+      </p:sp>
+      <p:cxnSp>
+        <p:nvCxnSpPr>
+          <p:cNvPr id="12" name="Straight Arrow Connector 11">
+            <a:extLst>
+              <a:ext uri="{FF2B5EF4-FFF2-40B4-BE49-F238E27FC236}">
+                <a16:creationId xmlns:a16="http://schemas.microsoft.com/office/drawing/2014/main" id="{216F4D97-B54D-41AD-B0D8-0B0D5AB216B2}"/>
+              </a:ext>
+            </a:extLst>
+          </p:cNvPr>
+          <p:cNvCxnSpPr>
+            <a:cxnSpLocks/>
+          </p:cNvCxnSpPr>
+          <p:nvPr/>
+        </p:nvCxnSpPr>
+        <p:spPr>
+          <a:xfrm flipV="1">
+            <a:off x="3933022" y="4395730"/>
+            <a:ext cx="3249976" cy="1112704"/>
+          </a:xfrm>
+          <a:prstGeom prst="straightConnector1">
+            <a:avLst/>
+          </a:prstGeom>
+          <a:ln>
+            <a:tailEnd type="triangle"/>
+          </a:ln>
+        </p:spPr>
+        <p:style>
+          <a:lnRef idx="1">
+            <a:schemeClr val="accent1"/>
+          </a:lnRef>
+          <a:fillRef idx="0">
+            <a:schemeClr val="accent1"/>
+          </a:fillRef>
+          <a:effectRef idx="0">
+            <a:schemeClr val="accent1"/>
+          </a:effectRef>
+          <a:fontRef idx="minor">
+            <a:schemeClr val="tx1"/>
+          </a:fontRef>
+        </p:style>
+      </p:cxnSp>
+      <p:sp>
+        <p:nvSpPr>
+          <p:cNvPr id="13" name="TextBox 12">
+            <a:extLst>
+              <a:ext uri="{FF2B5EF4-FFF2-40B4-BE49-F238E27FC236}">
+                <a16:creationId xmlns:a16="http://schemas.microsoft.com/office/drawing/2014/main" id="{5677ADF1-C04F-4783-9E8F-54BF98B2859E}"/>
+              </a:ext>
+            </a:extLst>
+          </p:cNvPr>
+          <p:cNvSpPr txBox="1"/>
+          <p:nvPr/>
+        </p:nvSpPr>
+        <p:spPr>
+          <a:xfrm>
+            <a:off x="7304182" y="4021157"/>
+            <a:ext cx="3723701" cy="646331"/>
+          </a:xfrm>
+          <a:prstGeom prst="rect">
+            <a:avLst/>
+          </a:prstGeom>
+          <a:noFill/>
+        </p:spPr>
+        <p:txBody>
+          <a:bodyPr wrap="square" rtlCol="0">
+            <a:spAutoFit/>
+          </a:bodyPr>
+          <a:lstStyle/>
+          <a:p>
+            <a:r>
+              <a:rPr lang="en-US" dirty="0"/>
+              <a:t>Most of the cases, user no need to provide any arguments </a:t>
+            </a:r>
+          </a:p>
+        </p:txBody>
+      </p:sp>
+    </p:spTree>
+    <p:extLst>
+      <p:ext uri="{BB962C8B-B14F-4D97-AF65-F5344CB8AC3E}">
+        <p14:creationId xmlns:p14="http://schemas.microsoft.com/office/powerpoint/2010/main" val="3719708989"/>
+      </p:ext>
+    </p:extLst>
+  </p:cSld>
+  <p:clrMapOvr>
+    <a:masterClrMapping/>
+  </p:clrMapOvr>
+</p:sld>
+</file>
+
+<file path=ppt/slides/slide5.xml><?xml version="1.0" encoding="utf-8"?>
+<p:sld xmlns:a="http://schemas.openxmlformats.org/drawingml/2006/main" xmlns:r="http://schemas.openxmlformats.org/officeDocument/2006/relationships" xmlns:p="http://schemas.openxmlformats.org/presentationml/2006/main">
+  <p:cSld>
+    <p:spTree>
+      <p:nvGrpSpPr>
+        <p:cNvPr id="1" name=""/>
+        <p:cNvGrpSpPr/>
+        <p:nvPr/>
+      </p:nvGrpSpPr>
+      <p:grpSpPr>
+        <a:xfrm>
+          <a:off x="0" y="0"/>
+          <a:ext cx="0" cy="0"/>
+          <a:chOff x="0" y="0"/>
+          <a:chExt cx="0" cy="0"/>
+        </a:xfrm>
+      </p:grpSpPr>
+      <p:sp>
+        <p:nvSpPr>
+          <p:cNvPr id="2" name="Title 1">
+            <a:extLst>
+              <a:ext uri="{FF2B5EF4-FFF2-40B4-BE49-F238E27FC236}">
+                <a16:creationId xmlns:a16="http://schemas.microsoft.com/office/drawing/2014/main" id="{4CFB870E-34EC-4CCE-B693-F3F53AF7671C}"/>
+              </a:ext>
+            </a:extLst>
+          </p:cNvPr>
+          <p:cNvSpPr>
+            <a:spLocks noGrp="1"/>
+          </p:cNvSpPr>
+          <p:nvPr>
+            <p:ph type="title"/>
+          </p:nvPr>
+        </p:nvSpPr>
+        <p:spPr>
+          <a:xfrm>
+            <a:off x="474643" y="157293"/>
+            <a:ext cx="10515600" cy="1325563"/>
+          </a:xfrm>
+        </p:spPr>
+        <p:txBody>
+          <a:bodyPr/>
+          <a:lstStyle/>
+          <a:p>
+            <a:r>
+              <a:rPr lang="en-US" dirty="0"/>
+              <a:t>Example of subroutine</a:t>
+            </a:r>
+          </a:p>
+        </p:txBody>
+      </p:sp>
+      <p:pic>
+        <p:nvPicPr>
+          <p:cNvPr id="5" name="Content Placeholder 4">
+            <a:extLst>
+              <a:ext uri="{FF2B5EF4-FFF2-40B4-BE49-F238E27FC236}">
+                <a16:creationId xmlns:a16="http://schemas.microsoft.com/office/drawing/2014/main" id="{F7F3BBBD-B1CF-41D2-B109-EF60BDC711A7}"/>
+              </a:ext>
+            </a:extLst>
+          </p:cNvPr>
+          <p:cNvPicPr>
+            <a:picLocks noGrp="1" noChangeAspect="1"/>
+          </p:cNvPicPr>
+          <p:nvPr>
+            <p:ph idx="1"/>
+          </p:nvPr>
+        </p:nvPicPr>
+        <p:blipFill>
+          <a:blip r:embed="rId2"/>
+          <a:stretch>
+            <a:fillRect/>
+          </a:stretch>
+        </p:blipFill>
+        <p:spPr>
+          <a:xfrm>
+            <a:off x="198304" y="1728898"/>
+            <a:ext cx="7076235" cy="3206660"/>
+          </a:xfrm>
+        </p:spPr>
+      </p:pic>
+      <p:pic>
+        <p:nvPicPr>
+          <p:cNvPr id="7" name="Picture 6">
+            <a:extLst>
+              <a:ext uri="{FF2B5EF4-FFF2-40B4-BE49-F238E27FC236}">
+                <a16:creationId xmlns:a16="http://schemas.microsoft.com/office/drawing/2014/main" id="{37F321EB-AB4C-4923-92A1-B87809562C91}"/>
+              </a:ext>
+            </a:extLst>
+          </p:cNvPr>
+          <p:cNvPicPr>
+            <a:picLocks noChangeAspect="1"/>
+          </p:cNvPicPr>
+          <p:nvPr/>
+        </p:nvPicPr>
+        <p:blipFill>
+          <a:blip r:embed="rId3"/>
+          <a:stretch>
+            <a:fillRect/>
+          </a:stretch>
+        </p:blipFill>
+        <p:spPr>
+          <a:xfrm>
+            <a:off x="8020280" y="2492025"/>
+            <a:ext cx="3973416" cy="1913801"/>
+          </a:xfrm>
+          <a:prstGeom prst="rect">
+            <a:avLst/>
+          </a:prstGeom>
+        </p:spPr>
+      </p:pic>
+      <p:cxnSp>
+        <p:nvCxnSpPr>
+          <p:cNvPr id="9" name="Straight Arrow Connector 8">
+            <a:extLst>
+              <a:ext uri="{FF2B5EF4-FFF2-40B4-BE49-F238E27FC236}">
+                <a16:creationId xmlns:a16="http://schemas.microsoft.com/office/drawing/2014/main" id="{41DDD9D6-8823-4A0F-A6FA-56912D9B1311}"/>
+              </a:ext>
+            </a:extLst>
+          </p:cNvPr>
+          <p:cNvCxnSpPr>
+            <a:cxnSpLocks/>
+          </p:cNvCxnSpPr>
+          <p:nvPr/>
+        </p:nvCxnSpPr>
+        <p:spPr>
+          <a:xfrm flipV="1">
+            <a:off x="6610120" y="3332228"/>
+            <a:ext cx="1233890" cy="96774"/>
+          </a:xfrm>
+          <a:prstGeom prst="straightConnector1">
+            <a:avLst/>
+          </a:prstGeom>
+          <a:ln>
+            <a:tailEnd type="triangle"/>
+          </a:ln>
+        </p:spPr>
+        <p:style>
+          <a:lnRef idx="1">
+            <a:schemeClr val="accent1"/>
+          </a:lnRef>
+          <a:fillRef idx="0">
+            <a:schemeClr val="accent1"/>
+          </a:fillRef>
+          <a:effectRef idx="0">
+            <a:schemeClr val="accent1"/>
+          </a:effectRef>
+          <a:fontRef idx="minor">
+            <a:schemeClr val="tx1"/>
+          </a:fontRef>
+        </p:style>
+      </p:cxnSp>
+      <p:cxnSp>
+        <p:nvCxnSpPr>
+          <p:cNvPr id="10" name="Straight Arrow Connector 9">
+            <a:extLst>
+              <a:ext uri="{FF2B5EF4-FFF2-40B4-BE49-F238E27FC236}">
+                <a16:creationId xmlns:a16="http://schemas.microsoft.com/office/drawing/2014/main" id="{85177B29-9555-41EA-9615-F08E6CFB9B8A}"/>
+              </a:ext>
+            </a:extLst>
+          </p:cNvPr>
+          <p:cNvCxnSpPr>
+            <a:cxnSpLocks/>
+          </p:cNvCxnSpPr>
+          <p:nvPr/>
+        </p:nvCxnSpPr>
+        <p:spPr>
+          <a:xfrm>
+            <a:off x="6345716" y="3928291"/>
+            <a:ext cx="1498294" cy="1007267"/>
+          </a:xfrm>
+          <a:prstGeom prst="straightConnector1">
+            <a:avLst/>
+          </a:prstGeom>
+          <a:ln>
+            <a:tailEnd type="triangle"/>
+          </a:ln>
+        </p:spPr>
+        <p:style>
+          <a:lnRef idx="1">
+            <a:schemeClr val="accent1"/>
+          </a:lnRef>
+          <a:fillRef idx="0">
+            <a:schemeClr val="accent1"/>
+          </a:fillRef>
+          <a:effectRef idx="0">
+            <a:schemeClr val="accent1"/>
+          </a:effectRef>
+          <a:fontRef idx="minor">
+            <a:schemeClr val="tx1"/>
+          </a:fontRef>
+        </p:style>
+      </p:cxnSp>
+      <p:pic>
+        <p:nvPicPr>
+          <p:cNvPr id="15" name="Picture 14">
+            <a:extLst>
+              <a:ext uri="{FF2B5EF4-FFF2-40B4-BE49-F238E27FC236}">
+                <a16:creationId xmlns:a16="http://schemas.microsoft.com/office/drawing/2014/main" id="{FD87AB18-7DE0-4E9D-8F67-8B5E9A7AC413}"/>
+              </a:ext>
+            </a:extLst>
+          </p:cNvPr>
+          <p:cNvPicPr>
+            <a:picLocks noChangeAspect="1"/>
+          </p:cNvPicPr>
+          <p:nvPr/>
+        </p:nvPicPr>
+        <p:blipFill>
+          <a:blip r:embed="rId4"/>
+          <a:stretch>
+            <a:fillRect/>
+          </a:stretch>
+        </p:blipFill>
+        <p:spPr>
+          <a:xfrm>
+            <a:off x="7855223" y="4777133"/>
+            <a:ext cx="1702582" cy="1953654"/>
+          </a:xfrm>
+          <a:prstGeom prst="rect">
+            <a:avLst/>
+          </a:prstGeom>
+        </p:spPr>
+      </p:pic>
+      <p:cxnSp>
+        <p:nvCxnSpPr>
+          <p:cNvPr id="20" name="Straight Arrow Connector 19">
+            <a:extLst>
+              <a:ext uri="{FF2B5EF4-FFF2-40B4-BE49-F238E27FC236}">
+                <a16:creationId xmlns:a16="http://schemas.microsoft.com/office/drawing/2014/main" id="{9CFF96EF-BA79-4791-B1FA-B61602E15B7B}"/>
+              </a:ext>
+            </a:extLst>
+          </p:cNvPr>
+          <p:cNvCxnSpPr>
+            <a:cxnSpLocks/>
+          </p:cNvCxnSpPr>
+          <p:nvPr/>
+        </p:nvCxnSpPr>
+        <p:spPr>
+          <a:xfrm flipV="1">
+            <a:off x="4979624" y="1885371"/>
+            <a:ext cx="2875599" cy="909248"/>
+          </a:xfrm>
+          <a:prstGeom prst="straightConnector1">
+            <a:avLst/>
+          </a:prstGeom>
+          <a:ln>
+            <a:tailEnd type="triangle"/>
+          </a:ln>
+        </p:spPr>
+        <p:style>
+          <a:lnRef idx="1">
+            <a:schemeClr val="accent1"/>
+          </a:lnRef>
+          <a:fillRef idx="0">
+            <a:schemeClr val="accent1"/>
+          </a:fillRef>
+          <a:effectRef idx="0">
+            <a:schemeClr val="accent1"/>
+          </a:effectRef>
+          <a:fontRef idx="minor">
+            <a:schemeClr val="tx1"/>
+          </a:fontRef>
+        </p:style>
+      </p:cxnSp>
+      <p:sp>
+        <p:nvSpPr>
+          <p:cNvPr id="24" name="TextBox 23">
+            <a:extLst>
+              <a:ext uri="{FF2B5EF4-FFF2-40B4-BE49-F238E27FC236}">
+                <a16:creationId xmlns:a16="http://schemas.microsoft.com/office/drawing/2014/main" id="{DDF5A267-F8D3-4C9F-8B0D-D5C48B15935E}"/>
+              </a:ext>
+            </a:extLst>
+          </p:cNvPr>
+          <p:cNvSpPr txBox="1"/>
+          <p:nvPr/>
+        </p:nvSpPr>
+        <p:spPr>
+          <a:xfrm>
+            <a:off x="8020280" y="1728898"/>
+            <a:ext cx="3051672" cy="369332"/>
+          </a:xfrm>
+          <a:prstGeom prst="rect">
+            <a:avLst/>
+          </a:prstGeom>
+          <a:noFill/>
+        </p:spPr>
+        <p:txBody>
+          <a:bodyPr wrap="square" rtlCol="0">
+            <a:spAutoFit/>
+          </a:bodyPr>
+          <a:lstStyle/>
+          <a:p>
+            <a:r>
+              <a:rPr lang="en-US" dirty="0"/>
+              <a:t>To capture any syntax error</a:t>
+            </a:r>
+          </a:p>
+        </p:txBody>
+      </p:sp>
+    </p:spTree>
+    <p:extLst>
+      <p:ext uri="{BB962C8B-B14F-4D97-AF65-F5344CB8AC3E}">
+        <p14:creationId xmlns:p14="http://schemas.microsoft.com/office/powerpoint/2010/main" val="1140444464"/>
+      </p:ext>
+    </p:extLst>
+  </p:cSld>
+  <p:clrMapOvr>
+    <a:masterClrMapping/>
+  </p:clrMapOvr>
+</p:sld>
+</file>
+
+<file path=ppt/slides/slide6.xml><?xml version="1.0" encoding="utf-8"?>
+<p:sld xmlns:a="http://schemas.openxmlformats.org/drawingml/2006/main" xmlns:r="http://schemas.openxmlformats.org/officeDocument/2006/relationships" xmlns:p="http://schemas.openxmlformats.org/presentationml/2006/main">
+  <p:cSld>
+    <p:spTree>
+      <p:nvGrpSpPr>
+        <p:cNvPr id="1" name=""/>
+        <p:cNvGrpSpPr/>
+        <p:nvPr/>
+      </p:nvGrpSpPr>
+      <p:grpSpPr>
+        <a:xfrm>
+          <a:off x="0" y="0"/>
+          <a:ext cx="0" cy="0"/>
+          <a:chOff x="0" y="0"/>
+          <a:chExt cx="0" cy="0"/>
+        </a:xfrm>
+      </p:grpSpPr>
+      <p:sp>
+        <p:nvSpPr>
+          <p:cNvPr id="2" name="Title 1">
+            <a:extLst>
+              <a:ext uri="{FF2B5EF4-FFF2-40B4-BE49-F238E27FC236}">
+                <a16:creationId xmlns:a16="http://schemas.microsoft.com/office/drawing/2014/main" id="{FA507BE4-A717-40BC-8709-E2691EDBFA42}"/>
+              </a:ext>
+            </a:extLst>
+          </p:cNvPr>
+          <p:cNvSpPr>
+            <a:spLocks noGrp="1"/>
+          </p:cNvSpPr>
+          <p:nvPr>
+            <p:ph type="title"/>
+          </p:nvPr>
+        </p:nvSpPr>
+        <p:spPr/>
+        <p:txBody>
+          <a:bodyPr/>
+          <a:lstStyle/>
+          <a:p>
+            <a:r>
+              <a:rPr lang="en-US" dirty="0"/>
+              <a:t>How to step each line output </a:t>
+            </a:r>
+          </a:p>
+        </p:txBody>
+      </p:sp>
+      <p:pic>
+        <p:nvPicPr>
+          <p:cNvPr id="5" name="Picture 4">
+            <a:extLst>
+              <a:ext uri="{FF2B5EF4-FFF2-40B4-BE49-F238E27FC236}">
+                <a16:creationId xmlns:a16="http://schemas.microsoft.com/office/drawing/2014/main" id="{746A927F-4ED4-4BDD-955A-6F8B3978E332}"/>
+              </a:ext>
+            </a:extLst>
+          </p:cNvPr>
+          <p:cNvPicPr>
+            <a:picLocks noChangeAspect="1"/>
+          </p:cNvPicPr>
+          <p:nvPr/>
+        </p:nvPicPr>
+        <p:blipFill>
+          <a:blip r:embed="rId2"/>
+          <a:stretch>
+            <a:fillRect/>
+          </a:stretch>
+        </p:blipFill>
+        <p:spPr>
+          <a:xfrm>
+            <a:off x="1630496" y="1798016"/>
+            <a:ext cx="9880007" cy="2770542"/>
+          </a:xfrm>
+          <a:prstGeom prst="rect">
+            <a:avLst/>
+          </a:prstGeom>
+        </p:spPr>
+      </p:pic>
+      <p:cxnSp>
+        <p:nvCxnSpPr>
+          <p:cNvPr id="10" name="Straight Arrow Connector 9">
+            <a:extLst>
+              <a:ext uri="{FF2B5EF4-FFF2-40B4-BE49-F238E27FC236}">
+                <a16:creationId xmlns:a16="http://schemas.microsoft.com/office/drawing/2014/main" id="{464DF9FA-92F5-417D-9DEE-0FF3B7C3D0A4}"/>
+              </a:ext>
+            </a:extLst>
+          </p:cNvPr>
+          <p:cNvCxnSpPr/>
+          <p:nvPr/>
+        </p:nvCxnSpPr>
+        <p:spPr>
+          <a:xfrm flipH="1">
+            <a:off x="1299990" y="2313542"/>
+            <a:ext cx="661012" cy="0"/>
+          </a:xfrm>
+          <a:prstGeom prst="straightConnector1">
+            <a:avLst/>
+          </a:prstGeom>
+          <a:ln>
+            <a:tailEnd type="triangle"/>
+          </a:ln>
+        </p:spPr>
+        <p:style>
+          <a:lnRef idx="1">
+            <a:schemeClr val="accent1"/>
+          </a:lnRef>
+          <a:fillRef idx="0">
+            <a:schemeClr val="accent1"/>
+          </a:fillRef>
+          <a:effectRef idx="0">
+            <a:schemeClr val="accent1"/>
+          </a:effectRef>
+          <a:fontRef idx="minor">
+            <a:schemeClr val="tx1"/>
+          </a:fontRef>
+        </p:style>
+      </p:cxnSp>
+      <p:sp>
+        <p:nvSpPr>
+          <p:cNvPr id="11" name="TextBox 10">
+            <a:extLst>
+              <a:ext uri="{FF2B5EF4-FFF2-40B4-BE49-F238E27FC236}">
+                <a16:creationId xmlns:a16="http://schemas.microsoft.com/office/drawing/2014/main" id="{42594CE1-643F-4AC8-905E-FD4171757EBD}"/>
+              </a:ext>
+            </a:extLst>
+          </p:cNvPr>
+          <p:cNvSpPr txBox="1"/>
+          <p:nvPr/>
+        </p:nvSpPr>
+        <p:spPr>
+          <a:xfrm>
+            <a:off x="144138" y="2128876"/>
+            <a:ext cx="1388124" cy="369332"/>
+          </a:xfrm>
+          <a:prstGeom prst="rect">
+            <a:avLst/>
+          </a:prstGeom>
+          <a:noFill/>
+        </p:spPr>
+        <p:txBody>
+          <a:bodyPr wrap="square" rtlCol="0">
+            <a:spAutoFit/>
+          </a:bodyPr>
+          <a:lstStyle/>
+          <a:p>
+            <a:r>
+              <a:rPr lang="en-US" dirty="0"/>
+              <a:t>Press “F8”</a:t>
+            </a:r>
+          </a:p>
+        </p:txBody>
+      </p:sp>
+    </p:spTree>
+    <p:extLst>
+      <p:ext uri="{BB962C8B-B14F-4D97-AF65-F5344CB8AC3E}">
+        <p14:creationId xmlns:p14="http://schemas.microsoft.com/office/powerpoint/2010/main" val="976117331"/>
+      </p:ext>
+    </p:extLst>
+  </p:cSld>
+  <p:clrMapOvr>
+    <a:masterClrMapping/>
+  </p:clrMapOvr>
+</p:sld>
+</file>
+
+<file path=ppt/slides/slide7.xml><?xml version="1.0" encoding="utf-8"?>
+<p:sld xmlns:a="http://schemas.openxmlformats.org/drawingml/2006/main" xmlns:r="http://schemas.openxmlformats.org/officeDocument/2006/relationships" xmlns:p="http://schemas.openxmlformats.org/presentationml/2006/main">
+  <p:cSld>
+    <p:spTree>
+      <p:nvGrpSpPr>
+        <p:cNvPr id="1" name=""/>
+        <p:cNvGrpSpPr/>
+        <p:nvPr/>
+      </p:nvGrpSpPr>
+      <p:grpSpPr>
+        <a:xfrm>
+          <a:off x="0" y="0"/>
+          <a:ext cx="0" cy="0"/>
+          <a:chOff x="0" y="0"/>
+          <a:chExt cx="0" cy="0"/>
+        </a:xfrm>
+      </p:grpSpPr>
+      <p:sp>
+        <p:nvSpPr>
+          <p:cNvPr id="2" name="Title 1">
+            <a:extLst>
+              <a:ext uri="{FF2B5EF4-FFF2-40B4-BE49-F238E27FC236}">
+                <a16:creationId xmlns:a16="http://schemas.microsoft.com/office/drawing/2014/main" id="{E2A27F44-9941-480D-807A-2E4FA1AE1E55}"/>
+              </a:ext>
+            </a:extLst>
+          </p:cNvPr>
+          <p:cNvSpPr>
+            <a:spLocks noGrp="1"/>
+          </p:cNvSpPr>
+          <p:nvPr>
+            <p:ph type="title"/>
+          </p:nvPr>
+        </p:nvSpPr>
+        <p:spPr/>
+        <p:txBody>
+          <a:bodyPr/>
+          <a:lstStyle/>
+          <a:p>
+            <a:r>
+              <a:rPr lang="en-US" dirty="0"/>
+              <a:t>Functions</a:t>
+            </a:r>
+          </a:p>
+        </p:txBody>
+      </p:sp>
+      <p:pic>
+        <p:nvPicPr>
+          <p:cNvPr id="5" name="Content Placeholder 4">
+            <a:extLst>
+              <a:ext uri="{FF2B5EF4-FFF2-40B4-BE49-F238E27FC236}">
+                <a16:creationId xmlns:a16="http://schemas.microsoft.com/office/drawing/2014/main" id="{A5B34300-75E7-4B44-886B-F78EAF133452}"/>
+              </a:ext>
+            </a:extLst>
+          </p:cNvPr>
+          <p:cNvPicPr>
+            <a:picLocks noGrp="1" noChangeAspect="1"/>
+          </p:cNvPicPr>
+          <p:nvPr>
+            <p:ph idx="1"/>
+          </p:nvPr>
+        </p:nvPicPr>
+        <p:blipFill>
+          <a:blip r:embed="rId2"/>
+          <a:stretch>
+            <a:fillRect/>
+          </a:stretch>
+        </p:blipFill>
+        <p:spPr>
+          <a:xfrm>
+            <a:off x="838200" y="2151894"/>
+            <a:ext cx="5486400" cy="3324225"/>
+          </a:xfrm>
+        </p:spPr>
+      </p:pic>
+      <p:cxnSp>
+        <p:nvCxnSpPr>
+          <p:cNvPr id="7" name="Straight Arrow Connector 6">
+            <a:extLst>
+              <a:ext uri="{FF2B5EF4-FFF2-40B4-BE49-F238E27FC236}">
+                <a16:creationId xmlns:a16="http://schemas.microsoft.com/office/drawing/2014/main" id="{494474E0-D9A1-4C9A-BABA-9C688701E906}"/>
+              </a:ext>
+            </a:extLst>
+          </p:cNvPr>
+          <p:cNvCxnSpPr/>
+          <p:nvPr/>
+        </p:nvCxnSpPr>
+        <p:spPr>
+          <a:xfrm flipV="1">
+            <a:off x="3966072" y="3922005"/>
+            <a:ext cx="3944039" cy="528809"/>
+          </a:xfrm>
+          <a:prstGeom prst="straightConnector1">
+            <a:avLst/>
+          </a:prstGeom>
+          <a:ln>
+            <a:tailEnd type="triangle"/>
+          </a:ln>
+        </p:spPr>
+        <p:style>
+          <a:lnRef idx="1">
+            <a:schemeClr val="accent1"/>
+          </a:lnRef>
+          <a:fillRef idx="0">
+            <a:schemeClr val="accent1"/>
+          </a:fillRef>
+          <a:effectRef idx="0">
+            <a:schemeClr val="accent1"/>
+          </a:effectRef>
+          <a:fontRef idx="minor">
+            <a:schemeClr val="tx1"/>
+          </a:fontRef>
+        </p:style>
+      </p:cxnSp>
+      <p:sp>
+        <p:nvSpPr>
+          <p:cNvPr id="8" name="TextBox 7">
+            <a:extLst>
+              <a:ext uri="{FF2B5EF4-FFF2-40B4-BE49-F238E27FC236}">
+                <a16:creationId xmlns:a16="http://schemas.microsoft.com/office/drawing/2014/main" id="{00D6498D-4941-406F-B25C-4C7C56B63FF4}"/>
+              </a:ext>
+            </a:extLst>
+          </p:cNvPr>
+          <p:cNvSpPr txBox="1"/>
+          <p:nvPr/>
+        </p:nvSpPr>
+        <p:spPr>
+          <a:xfrm>
+            <a:off x="7943161" y="3734718"/>
+            <a:ext cx="3844887" cy="369332"/>
+          </a:xfrm>
+          <a:prstGeom prst="rect">
+            <a:avLst/>
+          </a:prstGeom>
+          <a:noFill/>
+        </p:spPr>
+        <p:txBody>
+          <a:bodyPr wrap="square" rtlCol="0">
+            <a:spAutoFit/>
+          </a:bodyPr>
+          <a:lstStyle/>
+          <a:p>
+            <a:r>
+              <a:rPr lang="en-US" dirty="0"/>
+              <a:t>Most of functions have arguments</a:t>
+            </a:r>
+          </a:p>
+        </p:txBody>
+      </p:sp>
+    </p:spTree>
+    <p:extLst>
+      <p:ext uri="{BB962C8B-B14F-4D97-AF65-F5344CB8AC3E}">
+        <p14:creationId xmlns:p14="http://schemas.microsoft.com/office/powerpoint/2010/main" val="3203939096"/>
+      </p:ext>
+    </p:extLst>
+  </p:cSld>
+  <p:clrMapOvr>
+    <a:masterClrMapping/>
+  </p:clrMapOvr>
+</p:sld>
+</file>
+
+<file path=ppt/slides/slide8.xml><?xml version="1.0" encoding="utf-8"?>
+<p:sld xmlns:a="http://schemas.openxmlformats.org/drawingml/2006/main" xmlns:r="http://schemas.openxmlformats.org/officeDocument/2006/relationships" xmlns:p="http://schemas.openxmlformats.org/presentationml/2006/main">
+  <p:cSld>
+    <p:spTree>
+      <p:nvGrpSpPr>
+        <p:cNvPr id="1" name=""/>
+        <p:cNvGrpSpPr/>
+        <p:nvPr/>
+      </p:nvGrpSpPr>
+      <p:grpSpPr>
+        <a:xfrm>
+          <a:off x="0" y="0"/>
+          <a:ext cx="0" cy="0"/>
+          <a:chOff x="0" y="0"/>
+          <a:chExt cx="0" cy="0"/>
+        </a:xfrm>
+      </p:grpSpPr>
+      <p:sp>
+        <p:nvSpPr>
+          <p:cNvPr id="2" name="Title 1">
+            <a:extLst>
+              <a:ext uri="{FF2B5EF4-FFF2-40B4-BE49-F238E27FC236}">
+                <a16:creationId xmlns:a16="http://schemas.microsoft.com/office/drawing/2014/main" id="{2FE66FF6-1F2A-4ED3-A207-92393B0D677D}"/>
+              </a:ext>
+            </a:extLst>
+          </p:cNvPr>
+          <p:cNvSpPr>
+            <a:spLocks noGrp="1"/>
+          </p:cNvSpPr>
+          <p:nvPr>
+            <p:ph type="title"/>
+          </p:nvPr>
+        </p:nvSpPr>
+        <p:spPr/>
+        <p:txBody>
+          <a:bodyPr/>
+          <a:lstStyle/>
+          <a:p>
+            <a:r>
+              <a:rPr lang="en-US" dirty="0"/>
+              <a:t>Example of functions</a:t>
+            </a:r>
+          </a:p>
+        </p:txBody>
+      </p:sp>
+      <p:pic>
+        <p:nvPicPr>
+          <p:cNvPr id="5" name="Content Placeholder 4">
+            <a:extLst>
+              <a:ext uri="{FF2B5EF4-FFF2-40B4-BE49-F238E27FC236}">
+                <a16:creationId xmlns:a16="http://schemas.microsoft.com/office/drawing/2014/main" id="{65B50B0A-AC22-4D8A-8816-2665845CA544}"/>
+              </a:ext>
+            </a:extLst>
+          </p:cNvPr>
+          <p:cNvPicPr>
+            <a:picLocks noGrp="1" noChangeAspect="1"/>
+          </p:cNvPicPr>
+          <p:nvPr>
+            <p:ph idx="1"/>
+          </p:nvPr>
+        </p:nvPicPr>
+        <p:blipFill>
+          <a:blip r:embed="rId2"/>
+          <a:stretch>
+            <a:fillRect/>
+          </a:stretch>
+        </p:blipFill>
+        <p:spPr>
+          <a:xfrm>
+            <a:off x="342442" y="2291516"/>
+            <a:ext cx="7997327" cy="2031788"/>
+          </a:xfrm>
+        </p:spPr>
+      </p:pic>
+      <p:pic>
+        <p:nvPicPr>
+          <p:cNvPr id="7" name="Picture 6">
+            <a:extLst>
+              <a:ext uri="{FF2B5EF4-FFF2-40B4-BE49-F238E27FC236}">
+                <a16:creationId xmlns:a16="http://schemas.microsoft.com/office/drawing/2014/main" id="{0F41E5BC-5475-4466-9217-582EF11C37AB}"/>
+              </a:ext>
+            </a:extLst>
+          </p:cNvPr>
+          <p:cNvPicPr>
+            <a:picLocks noChangeAspect="1"/>
+          </p:cNvPicPr>
+          <p:nvPr/>
+        </p:nvPicPr>
+        <p:blipFill>
+          <a:blip r:embed="rId3"/>
+          <a:stretch>
+            <a:fillRect/>
+          </a:stretch>
+        </p:blipFill>
+        <p:spPr>
+          <a:xfrm>
+            <a:off x="8339769" y="4924132"/>
+            <a:ext cx="3190875" cy="1209675"/>
+          </a:xfrm>
+          <a:prstGeom prst="rect">
+            <a:avLst/>
+          </a:prstGeom>
+        </p:spPr>
+      </p:pic>
+      <p:cxnSp>
+        <p:nvCxnSpPr>
+          <p:cNvPr id="9" name="Straight Arrow Connector 8">
+            <a:extLst>
+              <a:ext uri="{FF2B5EF4-FFF2-40B4-BE49-F238E27FC236}">
+                <a16:creationId xmlns:a16="http://schemas.microsoft.com/office/drawing/2014/main" id="{56C63553-2E95-43DB-AC24-F76E00704674}"/>
+              </a:ext>
+            </a:extLst>
+          </p:cNvPr>
+          <p:cNvCxnSpPr/>
+          <p:nvPr/>
+        </p:nvCxnSpPr>
+        <p:spPr>
+          <a:xfrm>
+            <a:off x="6764357" y="2974554"/>
+            <a:ext cx="1575412" cy="2258458"/>
+          </a:xfrm>
+          <a:prstGeom prst="straightConnector1">
+            <a:avLst/>
+          </a:prstGeom>
+          <a:ln>
+            <a:tailEnd type="triangle"/>
+          </a:ln>
+        </p:spPr>
+        <p:style>
+          <a:lnRef idx="1">
+            <a:schemeClr val="accent1"/>
+          </a:lnRef>
+          <a:fillRef idx="0">
+            <a:schemeClr val="accent1"/>
+          </a:fillRef>
+          <a:effectRef idx="0">
+            <a:schemeClr val="accent1"/>
+          </a:effectRef>
+          <a:fontRef idx="minor">
+            <a:schemeClr val="tx1"/>
+          </a:fontRef>
+        </p:style>
+      </p:cxnSp>
+      <p:cxnSp>
+        <p:nvCxnSpPr>
+          <p:cNvPr id="10" name="Straight Arrow Connector 9">
+            <a:extLst>
+              <a:ext uri="{FF2B5EF4-FFF2-40B4-BE49-F238E27FC236}">
+                <a16:creationId xmlns:a16="http://schemas.microsoft.com/office/drawing/2014/main" id="{C123A49E-FCD4-4D4F-B36F-829284F99DCF}"/>
+              </a:ext>
+            </a:extLst>
+          </p:cNvPr>
+          <p:cNvCxnSpPr>
+            <a:cxnSpLocks/>
+          </p:cNvCxnSpPr>
+          <p:nvPr/>
+        </p:nvCxnSpPr>
+        <p:spPr>
+          <a:xfrm flipH="1">
+            <a:off x="2478795" y="3084723"/>
+            <a:ext cx="914400" cy="2049137"/>
+          </a:xfrm>
+          <a:prstGeom prst="straightConnector1">
+            <a:avLst/>
+          </a:prstGeom>
+          <a:ln>
+            <a:tailEnd type="triangle"/>
+          </a:ln>
+        </p:spPr>
+        <p:style>
+          <a:lnRef idx="1">
+            <a:schemeClr val="accent1"/>
+          </a:lnRef>
+          <a:fillRef idx="0">
+            <a:schemeClr val="accent1"/>
+          </a:fillRef>
+          <a:effectRef idx="0">
+            <a:schemeClr val="accent1"/>
+          </a:effectRef>
+          <a:fontRef idx="minor">
+            <a:schemeClr val="tx1"/>
+          </a:fontRef>
+        </p:style>
+      </p:cxnSp>
+      <p:sp>
+        <p:nvSpPr>
+          <p:cNvPr id="14" name="TextBox 13">
+            <a:extLst>
+              <a:ext uri="{FF2B5EF4-FFF2-40B4-BE49-F238E27FC236}">
+                <a16:creationId xmlns:a16="http://schemas.microsoft.com/office/drawing/2014/main" id="{15A87E19-BD69-47AB-B119-4F4E269171CD}"/>
+              </a:ext>
+            </a:extLst>
+          </p:cNvPr>
+          <p:cNvSpPr txBox="1"/>
+          <p:nvPr/>
+        </p:nvSpPr>
+        <p:spPr>
+          <a:xfrm>
+            <a:off x="1200839" y="5233012"/>
+            <a:ext cx="2192356" cy="923330"/>
+          </a:xfrm>
+          <a:prstGeom prst="rect">
+            <a:avLst/>
+          </a:prstGeom>
+          <a:noFill/>
+        </p:spPr>
+        <p:txBody>
+          <a:bodyPr wrap="square" rtlCol="0">
+            <a:spAutoFit/>
+          </a:bodyPr>
+          <a:lstStyle/>
+          <a:p>
+            <a:r>
+              <a:rPr lang="en-US" dirty="0"/>
+              <a:t>Must be the same name with Functions!</a:t>
+            </a:r>
+          </a:p>
+        </p:txBody>
+      </p:sp>
+      <p:cxnSp>
+        <p:nvCxnSpPr>
+          <p:cNvPr id="15" name="Straight Arrow Connector 14">
+            <a:extLst>
+              <a:ext uri="{FF2B5EF4-FFF2-40B4-BE49-F238E27FC236}">
+                <a16:creationId xmlns:a16="http://schemas.microsoft.com/office/drawing/2014/main" id="{1EE0FE89-E1F0-4C79-8F1E-A2994D5B4BF2}"/>
+              </a:ext>
+            </a:extLst>
+          </p:cNvPr>
+          <p:cNvCxnSpPr>
+            <a:cxnSpLocks/>
+          </p:cNvCxnSpPr>
+          <p:nvPr/>
+        </p:nvCxnSpPr>
+        <p:spPr>
+          <a:xfrm>
+            <a:off x="8130448" y="2875402"/>
+            <a:ext cx="1013552" cy="0"/>
+          </a:xfrm>
+          <a:prstGeom prst="straightConnector1">
+            <a:avLst/>
+          </a:prstGeom>
+          <a:ln>
+            <a:tailEnd type="triangle"/>
+          </a:ln>
+        </p:spPr>
+        <p:style>
+          <a:lnRef idx="1">
+            <a:schemeClr val="accent1"/>
+          </a:lnRef>
+          <a:fillRef idx="0">
+            <a:schemeClr val="accent1"/>
+          </a:fillRef>
+          <a:effectRef idx="0">
+            <a:schemeClr val="accent1"/>
+          </a:effectRef>
+          <a:fontRef idx="minor">
+            <a:schemeClr val="tx1"/>
+          </a:fontRef>
+        </p:style>
+      </p:cxnSp>
+      <p:sp>
+        <p:nvSpPr>
+          <p:cNvPr id="19" name="TextBox 18">
+            <a:extLst>
+              <a:ext uri="{FF2B5EF4-FFF2-40B4-BE49-F238E27FC236}">
+                <a16:creationId xmlns:a16="http://schemas.microsoft.com/office/drawing/2014/main" id="{B299DCBE-479D-46A5-9140-67BA64C2AF2F}"/>
+              </a:ext>
+            </a:extLst>
+          </p:cNvPr>
+          <p:cNvSpPr txBox="1"/>
+          <p:nvPr/>
+        </p:nvSpPr>
+        <p:spPr>
+          <a:xfrm>
+            <a:off x="9161444" y="2716936"/>
+            <a:ext cx="2688114" cy="369332"/>
+          </a:xfrm>
+          <a:prstGeom prst="rect">
+            <a:avLst/>
+          </a:prstGeom>
+          <a:noFill/>
+        </p:spPr>
+        <p:txBody>
+          <a:bodyPr wrap="square" rtlCol="0">
+            <a:spAutoFit/>
+          </a:bodyPr>
+          <a:lstStyle/>
+          <a:p>
+            <a:r>
+              <a:rPr lang="en-US" dirty="0"/>
+              <a:t>Function output is double </a:t>
+            </a:r>
+          </a:p>
+        </p:txBody>
+      </p:sp>
+    </p:spTree>
+    <p:extLst>
+      <p:ext uri="{BB962C8B-B14F-4D97-AF65-F5344CB8AC3E}">
+        <p14:creationId xmlns:p14="http://schemas.microsoft.com/office/powerpoint/2010/main" val="1050565748"/>
+      </p:ext>
+    </p:extLst>
+  </p:cSld>
+  <p:clrMapOvr>
+    <a:masterClrMapping/>
+  </p:clrMapOvr>
+</p:sld>
+</file>
+
+<file path=ppt/slides/slide9.xml><?xml version="1.0" encoding="utf-8"?>
+<p:sld xmlns:a="http://schemas.openxmlformats.org/drawingml/2006/main" xmlns:r="http://schemas.openxmlformats.org/officeDocument/2006/relationships" xmlns:p="http://schemas.openxmlformats.org/presentationml/2006/main">
+  <p:cSld>
+    <p:spTree>
+      <p:nvGrpSpPr>
+        <p:cNvPr id="1" name=""/>
+        <p:cNvGrpSpPr/>
+        <p:nvPr/>
+      </p:nvGrpSpPr>
+      <p:grpSpPr>
+        <a:xfrm>
+          <a:off x="0" y="0"/>
+          <a:ext cx="0" cy="0"/>
+          <a:chOff x="0" y="0"/>
+          <a:chExt cx="0" cy="0"/>
+        </a:xfrm>
+      </p:grpSpPr>
+      <p:sp>
+        <p:nvSpPr>
+          <p:cNvPr id="2" name="Title 1">
+            <a:extLst>
+              <a:ext uri="{FF2B5EF4-FFF2-40B4-BE49-F238E27FC236}">
+                <a16:creationId xmlns:a16="http://schemas.microsoft.com/office/drawing/2014/main" id="{631ED659-314C-4BD9-92DF-5C2D0B77CFA7}"/>
+              </a:ext>
+            </a:extLst>
+          </p:cNvPr>
+          <p:cNvSpPr>
+            <a:spLocks noGrp="1"/>
+          </p:cNvSpPr>
+          <p:nvPr>
+            <p:ph type="title"/>
+          </p:nvPr>
+        </p:nvSpPr>
+        <p:spPr/>
+        <p:txBody>
+          <a:bodyPr/>
+          <a:lstStyle/>
+          <a:p>
+            <a:r>
+              <a:rPr lang="en-US" dirty="0"/>
+              <a:t>Can borrow excel functions as well…</a:t>
+            </a:r>
+          </a:p>
+        </p:txBody>
+      </p:sp>
+      <p:pic>
+        <p:nvPicPr>
+          <p:cNvPr id="5" name="Content Placeholder 4">
+            <a:extLst>
+              <a:ext uri="{FF2B5EF4-FFF2-40B4-BE49-F238E27FC236}">
+                <a16:creationId xmlns:a16="http://schemas.microsoft.com/office/drawing/2014/main" id="{E378F835-08F3-4D0D-8B6D-20486E1492A2}"/>
+              </a:ext>
+            </a:extLst>
+          </p:cNvPr>
+          <p:cNvPicPr>
+            <a:picLocks noGrp="1" noChangeAspect="1"/>
+          </p:cNvPicPr>
+          <p:nvPr>
+            <p:ph idx="1"/>
+          </p:nvPr>
+        </p:nvPicPr>
+        <p:blipFill>
+          <a:blip r:embed="rId2"/>
+          <a:stretch>
+            <a:fillRect/>
+          </a:stretch>
+        </p:blipFill>
+        <p:spPr>
+          <a:xfrm>
+            <a:off x="838200" y="1539579"/>
+            <a:ext cx="7496175" cy="1123950"/>
+          </a:xfrm>
+        </p:spPr>
+      </p:pic>
+      <p:cxnSp>
+        <p:nvCxnSpPr>
+          <p:cNvPr id="7" name="Straight Arrow Connector 6">
+            <a:extLst>
+              <a:ext uri="{FF2B5EF4-FFF2-40B4-BE49-F238E27FC236}">
+                <a16:creationId xmlns:a16="http://schemas.microsoft.com/office/drawing/2014/main" id="{67F1AD3C-05EB-414C-B422-ED98DD12298D}"/>
+              </a:ext>
+            </a:extLst>
+          </p:cNvPr>
+          <p:cNvCxnSpPr>
+            <a:cxnSpLocks/>
+          </p:cNvCxnSpPr>
+          <p:nvPr/>
+        </p:nvCxnSpPr>
+        <p:spPr>
+          <a:xfrm>
+            <a:off x="3254593" y="2347573"/>
+            <a:ext cx="0" cy="746609"/>
+          </a:xfrm>
+          <a:prstGeom prst="straightConnector1">
+            <a:avLst/>
+          </a:prstGeom>
+          <a:ln>
+            <a:tailEnd type="triangle"/>
+          </a:ln>
+        </p:spPr>
+        <p:style>
+          <a:lnRef idx="1">
+            <a:schemeClr val="accent1"/>
+          </a:lnRef>
+          <a:fillRef idx="0">
+            <a:schemeClr val="accent1"/>
+          </a:fillRef>
+          <a:effectRef idx="0">
+            <a:schemeClr val="accent1"/>
+          </a:effectRef>
+          <a:fontRef idx="minor">
+            <a:schemeClr val="tx1"/>
+          </a:fontRef>
+        </p:style>
+      </p:cxnSp>
+      <p:sp>
+        <p:nvSpPr>
+          <p:cNvPr id="8" name="TextBox 7">
+            <a:extLst>
+              <a:ext uri="{FF2B5EF4-FFF2-40B4-BE49-F238E27FC236}">
+                <a16:creationId xmlns:a16="http://schemas.microsoft.com/office/drawing/2014/main" id="{97481E68-A095-4B23-8895-8B5D6A8E5B34}"/>
+              </a:ext>
+            </a:extLst>
+          </p:cNvPr>
+          <p:cNvSpPr txBox="1"/>
+          <p:nvPr/>
+        </p:nvSpPr>
+        <p:spPr>
+          <a:xfrm>
+            <a:off x="2225963" y="3112656"/>
+            <a:ext cx="2807855" cy="923330"/>
+          </a:xfrm>
+          <a:prstGeom prst="rect">
+            <a:avLst/>
+          </a:prstGeom>
+          <a:noFill/>
+        </p:spPr>
+        <p:txBody>
+          <a:bodyPr wrap="square" rtlCol="0">
+            <a:spAutoFit/>
+          </a:bodyPr>
+          <a:lstStyle/>
+          <a:p>
+            <a:r>
+              <a:rPr lang="en-US" dirty="0"/>
+              <a:t>Excel worksheet function find max over a range of number </a:t>
+            </a:r>
+          </a:p>
+        </p:txBody>
+      </p:sp>
+      <p:sp>
+        <p:nvSpPr>
+          <p:cNvPr id="9" name="TextBox 8">
+            <a:extLst>
+              <a:ext uri="{FF2B5EF4-FFF2-40B4-BE49-F238E27FC236}">
+                <a16:creationId xmlns:a16="http://schemas.microsoft.com/office/drawing/2014/main" id="{1E3FE9AA-8FBA-435F-81A0-A1F7D6D660AF}"/>
+              </a:ext>
+            </a:extLst>
+          </p:cNvPr>
+          <p:cNvSpPr txBox="1"/>
+          <p:nvPr/>
+        </p:nvSpPr>
+        <p:spPr>
+          <a:xfrm>
+            <a:off x="5754256" y="3204363"/>
+            <a:ext cx="2807855" cy="923330"/>
+          </a:xfrm>
+          <a:prstGeom prst="rect">
+            <a:avLst/>
+          </a:prstGeom>
+          <a:noFill/>
+        </p:spPr>
+        <p:txBody>
+          <a:bodyPr wrap="square" rtlCol="0">
+            <a:spAutoFit/>
+          </a:bodyPr>
+          <a:lstStyle/>
+          <a:p>
+            <a:r>
+              <a:rPr lang="en-US" dirty="0"/>
+              <a:t>Excel worksheet function find min over a range of number </a:t>
+            </a:r>
+          </a:p>
+        </p:txBody>
+      </p:sp>
+      <p:cxnSp>
+        <p:nvCxnSpPr>
+          <p:cNvPr id="10" name="Straight Arrow Connector 9">
+            <a:extLst>
+              <a:ext uri="{FF2B5EF4-FFF2-40B4-BE49-F238E27FC236}">
+                <a16:creationId xmlns:a16="http://schemas.microsoft.com/office/drawing/2014/main" id="{E0C890A4-3286-47DC-8433-01A54E425622}"/>
+              </a:ext>
+            </a:extLst>
+          </p:cNvPr>
+          <p:cNvCxnSpPr>
+            <a:cxnSpLocks/>
+          </p:cNvCxnSpPr>
+          <p:nvPr/>
+        </p:nvCxnSpPr>
+        <p:spPr>
+          <a:xfrm>
+            <a:off x="6898913" y="2391843"/>
+            <a:ext cx="0" cy="573030"/>
+          </a:xfrm>
+          <a:prstGeom prst="straightConnector1">
+            <a:avLst/>
+          </a:prstGeom>
+          <a:ln>
+            <a:tailEnd type="triangle"/>
+          </a:ln>
+        </p:spPr>
+        <p:style>
+          <a:lnRef idx="1">
+            <a:schemeClr val="accent1"/>
+          </a:lnRef>
+          <a:fillRef idx="0">
+            <a:schemeClr val="accent1"/>
+          </a:fillRef>
+          <a:effectRef idx="0">
+            <a:schemeClr val="accent1"/>
+          </a:effectRef>
+          <a:fontRef idx="minor">
+            <a:schemeClr val="tx1"/>
+          </a:fontRef>
+        </p:style>
+      </p:cxnSp>
+      <p:pic>
+        <p:nvPicPr>
+          <p:cNvPr id="17" name="Picture 16">
+            <a:extLst>
+              <a:ext uri="{FF2B5EF4-FFF2-40B4-BE49-F238E27FC236}">
+                <a16:creationId xmlns:a16="http://schemas.microsoft.com/office/drawing/2014/main" id="{812200EE-A3EF-4F13-892E-9840AFA5F669}"/>
+              </a:ext>
+            </a:extLst>
+          </p:cNvPr>
+          <p:cNvPicPr>
+            <a:picLocks noChangeAspect="1"/>
+          </p:cNvPicPr>
+          <p:nvPr/>
+        </p:nvPicPr>
+        <p:blipFill>
+          <a:blip r:embed="rId3"/>
+          <a:stretch>
+            <a:fillRect/>
+          </a:stretch>
+        </p:blipFill>
+        <p:spPr>
+          <a:xfrm>
+            <a:off x="959716" y="4697268"/>
+            <a:ext cx="4324350" cy="1638300"/>
+          </a:xfrm>
+          <a:prstGeom prst="rect">
+            <a:avLst/>
+          </a:prstGeom>
+        </p:spPr>
+      </p:pic>
+    </p:spTree>
+    <p:extLst>
+      <p:ext uri="{BB962C8B-B14F-4D97-AF65-F5344CB8AC3E}">
+        <p14:creationId xmlns:p14="http://schemas.microsoft.com/office/powerpoint/2010/main" val="180480991"/>
       </p:ext>
     </p:extLst>
   </p:cSld>

--- a/VBA.pptx
+++ b/VBA.pptx
@@ -6,18 +6,22 @@
   </p:sldMasterIdLst>
   <p:sldIdLst>
     <p:sldId id="256" r:id="rId2"/>
-    <p:sldId id="263" r:id="rId3"/>
-    <p:sldId id="257" r:id="rId4"/>
-    <p:sldId id="258" r:id="rId5"/>
-    <p:sldId id="259" r:id="rId6"/>
-    <p:sldId id="262" r:id="rId7"/>
-    <p:sldId id="260" r:id="rId8"/>
-    <p:sldId id="261" r:id="rId9"/>
-    <p:sldId id="268" r:id="rId10"/>
-    <p:sldId id="266" r:id="rId11"/>
-    <p:sldId id="267" r:id="rId12"/>
-    <p:sldId id="264" r:id="rId13"/>
-    <p:sldId id="265" r:id="rId14"/>
+    <p:sldId id="269" r:id="rId3"/>
+    <p:sldId id="263" r:id="rId4"/>
+    <p:sldId id="257" r:id="rId5"/>
+    <p:sldId id="258" r:id="rId6"/>
+    <p:sldId id="259" r:id="rId7"/>
+    <p:sldId id="272" r:id="rId8"/>
+    <p:sldId id="262" r:id="rId9"/>
+    <p:sldId id="260" r:id="rId10"/>
+    <p:sldId id="261" r:id="rId11"/>
+    <p:sldId id="268" r:id="rId12"/>
+    <p:sldId id="266" r:id="rId13"/>
+    <p:sldId id="267" r:id="rId14"/>
+    <p:sldId id="264" r:id="rId15"/>
+    <p:sldId id="265" r:id="rId16"/>
+    <p:sldId id="270" r:id="rId17"/>
+    <p:sldId id="271" r:id="rId18"/>
   </p:sldIdLst>
   <p:sldSz cx="12192000" cy="6858000"/>
   <p:notesSz cx="6858000" cy="9144000"/>
@@ -271,7 +275,7 @@
           <a:p>
             <a:fld id="{AB29DDB7-BA40-4CA0-A4F9-2204F0D18ADB}" type="datetimeFigureOut">
               <a:rPr lang="en-US" smtClean="0"/>
-              <a:t>12/21/2021</a:t>
+              <a:t>12/27/2021</a:t>
             </a:fld>
             <a:endParaRPr lang="en-US"/>
           </a:p>
@@ -469,7 +473,7 @@
           <a:p>
             <a:fld id="{AB29DDB7-BA40-4CA0-A4F9-2204F0D18ADB}" type="datetimeFigureOut">
               <a:rPr lang="en-US" smtClean="0"/>
-              <a:t>12/21/2021</a:t>
+              <a:t>12/27/2021</a:t>
             </a:fld>
             <a:endParaRPr lang="en-US"/>
           </a:p>
@@ -677,7 +681,7 @@
           <a:p>
             <a:fld id="{AB29DDB7-BA40-4CA0-A4F9-2204F0D18ADB}" type="datetimeFigureOut">
               <a:rPr lang="en-US" smtClean="0"/>
-              <a:t>12/21/2021</a:t>
+              <a:t>12/27/2021</a:t>
             </a:fld>
             <a:endParaRPr lang="en-US"/>
           </a:p>
@@ -875,7 +879,7 @@
           <a:p>
             <a:fld id="{AB29DDB7-BA40-4CA0-A4F9-2204F0D18ADB}" type="datetimeFigureOut">
               <a:rPr lang="en-US" smtClean="0"/>
-              <a:t>12/21/2021</a:t>
+              <a:t>12/27/2021</a:t>
             </a:fld>
             <a:endParaRPr lang="en-US"/>
           </a:p>
@@ -1150,7 +1154,7 @@
           <a:p>
             <a:fld id="{AB29DDB7-BA40-4CA0-A4F9-2204F0D18ADB}" type="datetimeFigureOut">
               <a:rPr lang="en-US" smtClean="0"/>
-              <a:t>12/21/2021</a:t>
+              <a:t>12/27/2021</a:t>
             </a:fld>
             <a:endParaRPr lang="en-US"/>
           </a:p>
@@ -1415,7 +1419,7 @@
           <a:p>
             <a:fld id="{AB29DDB7-BA40-4CA0-A4F9-2204F0D18ADB}" type="datetimeFigureOut">
               <a:rPr lang="en-US" smtClean="0"/>
-              <a:t>12/21/2021</a:t>
+              <a:t>12/27/2021</a:t>
             </a:fld>
             <a:endParaRPr lang="en-US"/>
           </a:p>
@@ -1827,7 +1831,7 @@
           <a:p>
             <a:fld id="{AB29DDB7-BA40-4CA0-A4F9-2204F0D18ADB}" type="datetimeFigureOut">
               <a:rPr lang="en-US" smtClean="0"/>
-              <a:t>12/21/2021</a:t>
+              <a:t>12/27/2021</a:t>
             </a:fld>
             <a:endParaRPr lang="en-US"/>
           </a:p>
@@ -1968,7 +1972,7 @@
           <a:p>
             <a:fld id="{AB29DDB7-BA40-4CA0-A4F9-2204F0D18ADB}" type="datetimeFigureOut">
               <a:rPr lang="en-US" smtClean="0"/>
-              <a:t>12/21/2021</a:t>
+              <a:t>12/27/2021</a:t>
             </a:fld>
             <a:endParaRPr lang="en-US"/>
           </a:p>
@@ -2081,7 +2085,7 @@
           <a:p>
             <a:fld id="{AB29DDB7-BA40-4CA0-A4F9-2204F0D18ADB}" type="datetimeFigureOut">
               <a:rPr lang="en-US" smtClean="0"/>
-              <a:t>12/21/2021</a:t>
+              <a:t>12/27/2021</a:t>
             </a:fld>
             <a:endParaRPr lang="en-US"/>
           </a:p>
@@ -2392,7 +2396,7 @@
           <a:p>
             <a:fld id="{AB29DDB7-BA40-4CA0-A4F9-2204F0D18ADB}" type="datetimeFigureOut">
               <a:rPr lang="en-US" smtClean="0"/>
-              <a:t>12/21/2021</a:t>
+              <a:t>12/27/2021</a:t>
             </a:fld>
             <a:endParaRPr lang="en-US"/>
           </a:p>
@@ -2680,7 +2684,7 @@
           <a:p>
             <a:fld id="{AB29DDB7-BA40-4CA0-A4F9-2204F0D18ADB}" type="datetimeFigureOut">
               <a:rPr lang="en-US" smtClean="0"/>
-              <a:t>12/21/2021</a:t>
+              <a:t>12/27/2021</a:t>
             </a:fld>
             <a:endParaRPr lang="en-US"/>
           </a:p>
@@ -2921,7 +2925,7 @@
           <a:p>
             <a:fld id="{AB29DDB7-BA40-4CA0-A4F9-2204F0D18ADB}" type="datetimeFigureOut">
               <a:rPr lang="en-US" smtClean="0"/>
-              <a:t>12/21/2021</a:t>
+              <a:t>12/27/2021</a:t>
             </a:fld>
             <a:endParaRPr lang="en-US"/>
           </a:p>
@@ -3014,54 +3018,6 @@
               <a:t>‹#›</a:t>
             </a:fld>
             <a:endParaRPr lang="en-US"/>
-          </a:p>
-        </p:txBody>
-      </p:sp>
-      <p:sp>
-        <p:nvSpPr>
-          <p:cNvPr id="7" name="MSIPCMContentMarking" descr="{&quot;HashCode&quot;:-1538819703,&quot;Placement&quot;:&quot;Header&quot;,&quot;Top&quot;:0.0,&quot;Left&quot;:0.0,&quot;SlideWidth&quot;:960,&quot;SlideHeight&quot;:540}">
-            <a:extLst>
-              <a:ext uri="{FF2B5EF4-FFF2-40B4-BE49-F238E27FC236}">
-                <a16:creationId xmlns:a16="http://schemas.microsoft.com/office/drawing/2014/main" id="{BDC85D63-A086-4D41-A43B-00188FA6690B}"/>
-              </a:ext>
-            </a:extLst>
-          </p:cNvPr>
-          <p:cNvSpPr txBox="1"/>
-          <p:nvPr userDrawn="1"/>
-        </p:nvSpPr>
-        <p:spPr>
-          <a:xfrm>
-            <a:off x="0" y="0"/>
-            <a:ext cx="1634581" cy="249198"/>
-          </a:xfrm>
-          <a:prstGeom prst="rect">
-            <a:avLst/>
-          </a:prstGeom>
-          <a:noFill/>
-        </p:spPr>
-        <p:txBody>
-          <a:bodyPr vert="horz" wrap="square" lIns="0" tIns="0" rIns="0" bIns="0" rtlCol="0" anchor="ctr" anchorCtr="1">
-            <a:spAutoFit/>
-          </a:bodyPr>
-          <a:lstStyle/>
-          <a:p>
-            <a:pPr algn="l">
-              <a:spcBef>
-                <a:spcPts val="0"/>
-              </a:spcBef>
-              <a:spcAft>
-                <a:spcPts val="0"/>
-              </a:spcAft>
-            </a:pPr>
-            <a:r>
-              <a:rPr lang="en-US" sz="1000">
-                <a:solidFill>
-                  <a:srgbClr val="0000FF"/>
-                </a:solidFill>
-                <a:latin typeface="Arial" panose="020B0604020202020204" pitchFamily="34" charset="0"/>
-              </a:rPr>
-              <a:t>[AMD Official Use Only]</a:t>
-            </a:r>
           </a:p>
         </p:txBody>
       </p:sp>
@@ -3474,7 +3430,7 @@
           <p:cNvPr id="2" name="Title 1">
             <a:extLst>
               <a:ext uri="{FF2B5EF4-FFF2-40B4-BE49-F238E27FC236}">
-                <a16:creationId xmlns:a16="http://schemas.microsoft.com/office/drawing/2014/main" id="{5612866B-E588-44A7-8E96-01D7188801BC}"/>
+                <a16:creationId xmlns:a16="http://schemas.microsoft.com/office/drawing/2014/main" id="{2FE66FF6-1F2A-4ED3-A207-92393B0D677D}"/>
               </a:ext>
             </a:extLst>
           </p:cNvPr>
@@ -3485,75 +3441,33 @@
             <p:ph type="title"/>
           </p:nvPr>
         </p:nvSpPr>
-        <p:spPr>
-          <a:xfrm>
-            <a:off x="838199" y="365125"/>
-            <a:ext cx="10828663" cy="1353506"/>
-          </a:xfrm>
-        </p:spPr>
+        <p:spPr/>
         <p:txBody>
           <a:bodyPr/>
           <a:lstStyle/>
           <a:p>
             <a:r>
               <a:rPr lang="en-US" dirty="0"/>
-              <a:t>Convert a user-defined function to excel add-in</a:t>
-            </a:r>
-          </a:p>
-        </p:txBody>
-      </p:sp>
-      <p:sp>
-        <p:nvSpPr>
-          <p:cNvPr id="3" name="Content Placeholder 2">
-            <a:extLst>
-              <a:ext uri="{FF2B5EF4-FFF2-40B4-BE49-F238E27FC236}">
-                <a16:creationId xmlns:a16="http://schemas.microsoft.com/office/drawing/2014/main" id="{80439FBD-89AE-43A3-8EBF-A4C67D53F722}"/>
-              </a:ext>
-            </a:extLst>
-          </p:cNvPr>
-          <p:cNvSpPr>
-            <a:spLocks noGrp="1"/>
-          </p:cNvSpPr>
-          <p:nvPr>
-            <p:ph idx="1"/>
-          </p:nvPr>
-        </p:nvSpPr>
-        <p:spPr/>
-        <p:txBody>
-          <a:bodyPr/>
-          <a:lstStyle/>
-          <a:p>
-            <a:r>
-              <a:rPr lang="en-US" dirty="0"/>
-              <a:t>Save the self defined function to .</a:t>
-            </a:r>
-            <a:r>
-              <a:rPr lang="en-US" dirty="0" err="1"/>
-              <a:t>xlam</a:t>
-            </a:r>
-            <a:r>
-              <a:rPr lang="en-US" dirty="0"/>
-              <a:t> file format </a:t>
-            </a:r>
-          </a:p>
-          <a:p>
-            <a:endParaRPr lang="en-US" dirty="0"/>
+              <a:t>Example of functions</a:t>
+            </a:r>
           </a:p>
         </p:txBody>
       </p:sp>
       <p:pic>
         <p:nvPicPr>
-          <p:cNvPr id="5" name="Picture 4">
-            <a:extLst>
-              <a:ext uri="{FF2B5EF4-FFF2-40B4-BE49-F238E27FC236}">
-                <a16:creationId xmlns:a16="http://schemas.microsoft.com/office/drawing/2014/main" id="{6EBBD775-42F4-4095-8C4C-B27968EA97D4}"/>
+          <p:cNvPr id="5" name="Content Placeholder 4">
+            <a:extLst>
+              <a:ext uri="{FF2B5EF4-FFF2-40B4-BE49-F238E27FC236}">
+                <a16:creationId xmlns:a16="http://schemas.microsoft.com/office/drawing/2014/main" id="{65B50B0A-AC22-4D8A-8816-2665845CA544}"/>
               </a:ext>
             </a:extLst>
           </p:cNvPr>
           <p:cNvPicPr>
-            <a:picLocks noChangeAspect="1"/>
+            <a:picLocks noGrp="1" noChangeAspect="1"/>
           </p:cNvPicPr>
-          <p:nvPr/>
+          <p:nvPr>
+            <p:ph idx="1"/>
+          </p:nvPr>
         </p:nvPicPr>
         <p:blipFill>
           <a:blip r:embed="rId2"/>
@@ -3563,18 +3477,236 @@
         </p:blipFill>
         <p:spPr>
           <a:xfrm>
-            <a:off x="1013552" y="2794573"/>
-            <a:ext cx="9316598" cy="3382390"/>
+            <a:off x="342442" y="2291516"/>
+            <a:ext cx="7997327" cy="2031788"/>
+          </a:xfrm>
+        </p:spPr>
+      </p:pic>
+      <p:pic>
+        <p:nvPicPr>
+          <p:cNvPr id="7" name="Picture 6">
+            <a:extLst>
+              <a:ext uri="{FF2B5EF4-FFF2-40B4-BE49-F238E27FC236}">
+                <a16:creationId xmlns:a16="http://schemas.microsoft.com/office/drawing/2014/main" id="{0F41E5BC-5475-4466-9217-582EF11C37AB}"/>
+              </a:ext>
+            </a:extLst>
+          </p:cNvPr>
+          <p:cNvPicPr>
+            <a:picLocks noChangeAspect="1"/>
+          </p:cNvPicPr>
+          <p:nvPr/>
+        </p:nvPicPr>
+        <p:blipFill>
+          <a:blip r:embed="rId3"/>
+          <a:stretch>
+            <a:fillRect/>
+          </a:stretch>
+        </p:blipFill>
+        <p:spPr>
+          <a:xfrm>
+            <a:off x="8339769" y="4924132"/>
+            <a:ext cx="3190875" cy="1209675"/>
           </a:xfrm>
           <a:prstGeom prst="rect">
             <a:avLst/>
           </a:prstGeom>
         </p:spPr>
       </p:pic>
+      <p:cxnSp>
+        <p:nvCxnSpPr>
+          <p:cNvPr id="9" name="Straight Arrow Connector 8">
+            <a:extLst>
+              <a:ext uri="{FF2B5EF4-FFF2-40B4-BE49-F238E27FC236}">
+                <a16:creationId xmlns:a16="http://schemas.microsoft.com/office/drawing/2014/main" id="{56C63553-2E95-43DB-AC24-F76E00704674}"/>
+              </a:ext>
+            </a:extLst>
+          </p:cNvPr>
+          <p:cNvCxnSpPr/>
+          <p:nvPr/>
+        </p:nvCxnSpPr>
+        <p:spPr>
+          <a:xfrm>
+            <a:off x="6764357" y="2974554"/>
+            <a:ext cx="1575412" cy="2258458"/>
+          </a:xfrm>
+          <a:prstGeom prst="straightConnector1">
+            <a:avLst/>
+          </a:prstGeom>
+          <a:ln>
+            <a:tailEnd type="triangle"/>
+          </a:ln>
+        </p:spPr>
+        <p:style>
+          <a:lnRef idx="1">
+            <a:schemeClr val="accent1"/>
+          </a:lnRef>
+          <a:fillRef idx="0">
+            <a:schemeClr val="accent1"/>
+          </a:fillRef>
+          <a:effectRef idx="0">
+            <a:schemeClr val="accent1"/>
+          </a:effectRef>
+          <a:fontRef idx="minor">
+            <a:schemeClr val="tx1"/>
+          </a:fontRef>
+        </p:style>
+      </p:cxnSp>
+      <p:cxnSp>
+        <p:nvCxnSpPr>
+          <p:cNvPr id="10" name="Straight Arrow Connector 9">
+            <a:extLst>
+              <a:ext uri="{FF2B5EF4-FFF2-40B4-BE49-F238E27FC236}">
+                <a16:creationId xmlns:a16="http://schemas.microsoft.com/office/drawing/2014/main" id="{C123A49E-FCD4-4D4F-B36F-829284F99DCF}"/>
+              </a:ext>
+            </a:extLst>
+          </p:cNvPr>
+          <p:cNvCxnSpPr>
+            <a:cxnSpLocks/>
+          </p:cNvCxnSpPr>
+          <p:nvPr/>
+        </p:nvCxnSpPr>
+        <p:spPr>
+          <a:xfrm flipH="1">
+            <a:off x="2478795" y="3084723"/>
+            <a:ext cx="914400" cy="2049137"/>
+          </a:xfrm>
+          <a:prstGeom prst="straightConnector1">
+            <a:avLst/>
+          </a:prstGeom>
+          <a:ln>
+            <a:tailEnd type="triangle"/>
+          </a:ln>
+        </p:spPr>
+        <p:style>
+          <a:lnRef idx="1">
+            <a:schemeClr val="accent1"/>
+          </a:lnRef>
+          <a:fillRef idx="0">
+            <a:schemeClr val="accent1"/>
+          </a:fillRef>
+          <a:effectRef idx="0">
+            <a:schemeClr val="accent1"/>
+          </a:effectRef>
+          <a:fontRef idx="minor">
+            <a:schemeClr val="tx1"/>
+          </a:fontRef>
+        </p:style>
+      </p:cxnSp>
+      <p:sp>
+        <p:nvSpPr>
+          <p:cNvPr id="14" name="TextBox 13">
+            <a:extLst>
+              <a:ext uri="{FF2B5EF4-FFF2-40B4-BE49-F238E27FC236}">
+                <a16:creationId xmlns:a16="http://schemas.microsoft.com/office/drawing/2014/main" id="{15A87E19-BD69-47AB-B119-4F4E269171CD}"/>
+              </a:ext>
+            </a:extLst>
+          </p:cNvPr>
+          <p:cNvSpPr txBox="1"/>
+          <p:nvPr/>
+        </p:nvSpPr>
+        <p:spPr>
+          <a:xfrm>
+            <a:off x="1200839" y="5233012"/>
+            <a:ext cx="2192356" cy="923330"/>
+          </a:xfrm>
+          <a:prstGeom prst="rect">
+            <a:avLst/>
+          </a:prstGeom>
+          <a:noFill/>
+        </p:spPr>
+        <p:txBody>
+          <a:bodyPr wrap="square" rtlCol="0">
+            <a:spAutoFit/>
+          </a:bodyPr>
+          <a:lstStyle/>
+          <a:p>
+            <a:r>
+              <a:rPr lang="en-US" dirty="0"/>
+              <a:t>Must be the same name with Functions!</a:t>
+            </a:r>
+          </a:p>
+        </p:txBody>
+      </p:sp>
+      <p:cxnSp>
+        <p:nvCxnSpPr>
+          <p:cNvPr id="15" name="Straight Arrow Connector 14">
+            <a:extLst>
+              <a:ext uri="{FF2B5EF4-FFF2-40B4-BE49-F238E27FC236}">
+                <a16:creationId xmlns:a16="http://schemas.microsoft.com/office/drawing/2014/main" id="{1EE0FE89-E1F0-4C79-8F1E-A2994D5B4BF2}"/>
+              </a:ext>
+            </a:extLst>
+          </p:cNvPr>
+          <p:cNvCxnSpPr>
+            <a:cxnSpLocks/>
+          </p:cNvCxnSpPr>
+          <p:nvPr/>
+        </p:nvCxnSpPr>
+        <p:spPr>
+          <a:xfrm>
+            <a:off x="8130448" y="2875402"/>
+            <a:ext cx="1013552" cy="0"/>
+          </a:xfrm>
+          <a:prstGeom prst="straightConnector1">
+            <a:avLst/>
+          </a:prstGeom>
+          <a:ln>
+            <a:tailEnd type="triangle"/>
+          </a:ln>
+        </p:spPr>
+        <p:style>
+          <a:lnRef idx="1">
+            <a:schemeClr val="accent1"/>
+          </a:lnRef>
+          <a:fillRef idx="0">
+            <a:schemeClr val="accent1"/>
+          </a:fillRef>
+          <a:effectRef idx="0">
+            <a:schemeClr val="accent1"/>
+          </a:effectRef>
+          <a:fontRef idx="minor">
+            <a:schemeClr val="tx1"/>
+          </a:fontRef>
+        </p:style>
+      </p:cxnSp>
+      <p:sp>
+        <p:nvSpPr>
+          <p:cNvPr id="19" name="TextBox 18">
+            <a:extLst>
+              <a:ext uri="{FF2B5EF4-FFF2-40B4-BE49-F238E27FC236}">
+                <a16:creationId xmlns:a16="http://schemas.microsoft.com/office/drawing/2014/main" id="{B299DCBE-479D-46A5-9140-67BA64C2AF2F}"/>
+              </a:ext>
+            </a:extLst>
+          </p:cNvPr>
+          <p:cNvSpPr txBox="1"/>
+          <p:nvPr/>
+        </p:nvSpPr>
+        <p:spPr>
+          <a:xfrm>
+            <a:off x="9161444" y="2716936"/>
+            <a:ext cx="2688114" cy="369332"/>
+          </a:xfrm>
+          <a:prstGeom prst="rect">
+            <a:avLst/>
+          </a:prstGeom>
+          <a:noFill/>
+        </p:spPr>
+        <p:txBody>
+          <a:bodyPr wrap="square" rtlCol="0">
+            <a:spAutoFit/>
+          </a:bodyPr>
+          <a:lstStyle/>
+          <a:p>
+            <a:r>
+              <a:rPr lang="en-US" dirty="0"/>
+              <a:t>Function output is double </a:t>
+            </a:r>
+          </a:p>
+        </p:txBody>
+      </p:sp>
     </p:spTree>
     <p:extLst>
       <p:ext uri="{BB962C8B-B14F-4D97-AF65-F5344CB8AC3E}">
-        <p14:creationId xmlns:p14="http://schemas.microsoft.com/office/powerpoint/2010/main" val="2634307519"/>
+        <p14:creationId xmlns:p14="http://schemas.microsoft.com/office/powerpoint/2010/main" val="1050565748"/>
       </p:ext>
     </p:extLst>
   </p:cSld>
@@ -3606,7 +3738,7 @@
           <p:cNvPr id="2" name="Title 1">
             <a:extLst>
               <a:ext uri="{FF2B5EF4-FFF2-40B4-BE49-F238E27FC236}">
-                <a16:creationId xmlns:a16="http://schemas.microsoft.com/office/drawing/2014/main" id="{F6C2627D-94BC-42E2-BF05-FE4ECB44F75E}"/>
+                <a16:creationId xmlns:a16="http://schemas.microsoft.com/office/drawing/2014/main" id="{631ED659-314C-4BD9-92DF-5C2D0B77CFA7}"/>
               </a:ext>
             </a:extLst>
           </p:cNvPr>
@@ -3617,82 +3749,33 @@
             <p:ph type="title"/>
           </p:nvPr>
         </p:nvSpPr>
-        <p:spPr>
-          <a:xfrm>
-            <a:off x="838200" y="365125"/>
-            <a:ext cx="10515600" cy="626393"/>
-          </a:xfrm>
-        </p:spPr>
-        <p:txBody>
-          <a:bodyPr>
-            <a:normAutofit fontScale="90000"/>
-          </a:bodyPr>
+        <p:spPr/>
+        <p:txBody>
+          <a:bodyPr/>
           <a:lstStyle/>
           <a:p>
             <a:r>
               <a:rPr lang="en-US" dirty="0"/>
-              <a:t>Continue..</a:t>
-            </a:r>
-          </a:p>
-        </p:txBody>
-      </p:sp>
-      <p:sp>
-        <p:nvSpPr>
-          <p:cNvPr id="3" name="Content Placeholder 2">
-            <a:extLst>
-              <a:ext uri="{FF2B5EF4-FFF2-40B4-BE49-F238E27FC236}">
-                <a16:creationId xmlns:a16="http://schemas.microsoft.com/office/drawing/2014/main" id="{E61338EF-7FDE-4F9A-B04D-E8445E177722}"/>
-              </a:ext>
-            </a:extLst>
-          </p:cNvPr>
-          <p:cNvSpPr>
-            <a:spLocks noGrp="1"/>
-          </p:cNvSpPr>
-          <p:nvPr>
-            <p:ph idx="1"/>
-          </p:nvPr>
-        </p:nvSpPr>
-        <p:spPr>
-          <a:xfrm>
-            <a:off x="594911" y="991518"/>
-            <a:ext cx="10758889" cy="5185445"/>
-          </a:xfrm>
-        </p:spPr>
-        <p:txBody>
-          <a:bodyPr/>
-          <a:lstStyle/>
-          <a:p>
-            <a:r>
-              <a:rPr lang="en-US" dirty="0"/>
-              <a:t>If a new workbook wants to use the function, click “file”-&gt; “options”-&gt; “Add-ins” and lick “go” at the bottom and “browse” and find the “</a:t>
-            </a:r>
-            <a:r>
-              <a:rPr lang="en-US" dirty="0" err="1"/>
-              <a:t>xlam</a:t>
-            </a:r>
-            <a:r>
-              <a:rPr lang="en-US" dirty="0"/>
-              <a:t>” file we saved earlier on </a:t>
-            </a:r>
-          </a:p>
-          <a:p>
-            <a:endParaRPr lang="en-US" dirty="0"/>
+              <a:t>Can borrow excel functions as well…</a:t>
+            </a:r>
           </a:p>
         </p:txBody>
       </p:sp>
       <p:pic>
         <p:nvPicPr>
-          <p:cNvPr id="5" name="Picture 4">
-            <a:extLst>
-              <a:ext uri="{FF2B5EF4-FFF2-40B4-BE49-F238E27FC236}">
-                <a16:creationId xmlns:a16="http://schemas.microsoft.com/office/drawing/2014/main" id="{98F1755D-142D-4453-AF81-FDDE81184A39}"/>
+          <p:cNvPr id="5" name="Content Placeholder 4">
+            <a:extLst>
+              <a:ext uri="{FF2B5EF4-FFF2-40B4-BE49-F238E27FC236}">
+                <a16:creationId xmlns:a16="http://schemas.microsoft.com/office/drawing/2014/main" id="{E378F835-08F3-4D0D-8B6D-20486E1492A2}"/>
               </a:ext>
             </a:extLst>
           </p:cNvPr>
           <p:cNvPicPr>
-            <a:picLocks noChangeAspect="1"/>
+            <a:picLocks noGrp="1" noChangeAspect="1"/>
           </p:cNvPicPr>
-          <p:nvPr/>
+          <p:nvPr>
+            <p:ph idx="1"/>
+          </p:nvPr>
         </p:nvPicPr>
         <p:blipFill>
           <a:blip r:embed="rId2"/>
@@ -3702,8 +3785,187 @@
         </p:blipFill>
         <p:spPr>
           <a:xfrm>
-            <a:off x="4438809" y="1990239"/>
-            <a:ext cx="5931735" cy="4502636"/>
+            <a:off x="838200" y="1539579"/>
+            <a:ext cx="7496175" cy="1123950"/>
+          </a:xfrm>
+        </p:spPr>
+      </p:pic>
+      <p:cxnSp>
+        <p:nvCxnSpPr>
+          <p:cNvPr id="7" name="Straight Arrow Connector 6">
+            <a:extLst>
+              <a:ext uri="{FF2B5EF4-FFF2-40B4-BE49-F238E27FC236}">
+                <a16:creationId xmlns:a16="http://schemas.microsoft.com/office/drawing/2014/main" id="{67F1AD3C-05EB-414C-B422-ED98DD12298D}"/>
+              </a:ext>
+            </a:extLst>
+          </p:cNvPr>
+          <p:cNvCxnSpPr>
+            <a:cxnSpLocks/>
+          </p:cNvCxnSpPr>
+          <p:nvPr/>
+        </p:nvCxnSpPr>
+        <p:spPr>
+          <a:xfrm>
+            <a:off x="3254593" y="2347573"/>
+            <a:ext cx="0" cy="746609"/>
+          </a:xfrm>
+          <a:prstGeom prst="straightConnector1">
+            <a:avLst/>
+          </a:prstGeom>
+          <a:ln>
+            <a:tailEnd type="triangle"/>
+          </a:ln>
+        </p:spPr>
+        <p:style>
+          <a:lnRef idx="1">
+            <a:schemeClr val="accent1"/>
+          </a:lnRef>
+          <a:fillRef idx="0">
+            <a:schemeClr val="accent1"/>
+          </a:fillRef>
+          <a:effectRef idx="0">
+            <a:schemeClr val="accent1"/>
+          </a:effectRef>
+          <a:fontRef idx="minor">
+            <a:schemeClr val="tx1"/>
+          </a:fontRef>
+        </p:style>
+      </p:cxnSp>
+      <p:sp>
+        <p:nvSpPr>
+          <p:cNvPr id="8" name="TextBox 7">
+            <a:extLst>
+              <a:ext uri="{FF2B5EF4-FFF2-40B4-BE49-F238E27FC236}">
+                <a16:creationId xmlns:a16="http://schemas.microsoft.com/office/drawing/2014/main" id="{97481E68-A095-4B23-8895-8B5D6A8E5B34}"/>
+              </a:ext>
+            </a:extLst>
+          </p:cNvPr>
+          <p:cNvSpPr txBox="1"/>
+          <p:nvPr/>
+        </p:nvSpPr>
+        <p:spPr>
+          <a:xfrm>
+            <a:off x="2225963" y="3112656"/>
+            <a:ext cx="2807855" cy="923330"/>
+          </a:xfrm>
+          <a:prstGeom prst="rect">
+            <a:avLst/>
+          </a:prstGeom>
+          <a:noFill/>
+        </p:spPr>
+        <p:txBody>
+          <a:bodyPr wrap="square" rtlCol="0">
+            <a:spAutoFit/>
+          </a:bodyPr>
+          <a:lstStyle/>
+          <a:p>
+            <a:r>
+              <a:rPr lang="en-US" dirty="0"/>
+              <a:t>Excel worksheet function find max over a range of number </a:t>
+            </a:r>
+          </a:p>
+        </p:txBody>
+      </p:sp>
+      <p:sp>
+        <p:nvSpPr>
+          <p:cNvPr id="9" name="TextBox 8">
+            <a:extLst>
+              <a:ext uri="{FF2B5EF4-FFF2-40B4-BE49-F238E27FC236}">
+                <a16:creationId xmlns:a16="http://schemas.microsoft.com/office/drawing/2014/main" id="{1E3FE9AA-8FBA-435F-81A0-A1F7D6D660AF}"/>
+              </a:ext>
+            </a:extLst>
+          </p:cNvPr>
+          <p:cNvSpPr txBox="1"/>
+          <p:nvPr/>
+        </p:nvSpPr>
+        <p:spPr>
+          <a:xfrm>
+            <a:off x="5754256" y="3204363"/>
+            <a:ext cx="2807855" cy="923330"/>
+          </a:xfrm>
+          <a:prstGeom prst="rect">
+            <a:avLst/>
+          </a:prstGeom>
+          <a:noFill/>
+        </p:spPr>
+        <p:txBody>
+          <a:bodyPr wrap="square" rtlCol="0">
+            <a:spAutoFit/>
+          </a:bodyPr>
+          <a:lstStyle/>
+          <a:p>
+            <a:r>
+              <a:rPr lang="en-US" dirty="0"/>
+              <a:t>Excel worksheet function find min over a range of number </a:t>
+            </a:r>
+          </a:p>
+        </p:txBody>
+      </p:sp>
+      <p:cxnSp>
+        <p:nvCxnSpPr>
+          <p:cNvPr id="10" name="Straight Arrow Connector 9">
+            <a:extLst>
+              <a:ext uri="{FF2B5EF4-FFF2-40B4-BE49-F238E27FC236}">
+                <a16:creationId xmlns:a16="http://schemas.microsoft.com/office/drawing/2014/main" id="{E0C890A4-3286-47DC-8433-01A54E425622}"/>
+              </a:ext>
+            </a:extLst>
+          </p:cNvPr>
+          <p:cNvCxnSpPr>
+            <a:cxnSpLocks/>
+          </p:cNvCxnSpPr>
+          <p:nvPr/>
+        </p:nvCxnSpPr>
+        <p:spPr>
+          <a:xfrm>
+            <a:off x="6898913" y="2391843"/>
+            <a:ext cx="0" cy="573030"/>
+          </a:xfrm>
+          <a:prstGeom prst="straightConnector1">
+            <a:avLst/>
+          </a:prstGeom>
+          <a:ln>
+            <a:tailEnd type="triangle"/>
+          </a:ln>
+        </p:spPr>
+        <p:style>
+          <a:lnRef idx="1">
+            <a:schemeClr val="accent1"/>
+          </a:lnRef>
+          <a:fillRef idx="0">
+            <a:schemeClr val="accent1"/>
+          </a:fillRef>
+          <a:effectRef idx="0">
+            <a:schemeClr val="accent1"/>
+          </a:effectRef>
+          <a:fontRef idx="minor">
+            <a:schemeClr val="tx1"/>
+          </a:fontRef>
+        </p:style>
+      </p:cxnSp>
+      <p:pic>
+        <p:nvPicPr>
+          <p:cNvPr id="17" name="Picture 16">
+            <a:extLst>
+              <a:ext uri="{FF2B5EF4-FFF2-40B4-BE49-F238E27FC236}">
+                <a16:creationId xmlns:a16="http://schemas.microsoft.com/office/drawing/2014/main" id="{812200EE-A3EF-4F13-892E-9840AFA5F669}"/>
+              </a:ext>
+            </a:extLst>
+          </p:cNvPr>
+          <p:cNvPicPr>
+            <a:picLocks noChangeAspect="1"/>
+          </p:cNvPicPr>
+          <p:nvPr/>
+        </p:nvPicPr>
+        <p:blipFill>
+          <a:blip r:embed="rId3"/>
+          <a:stretch>
+            <a:fillRect/>
+          </a:stretch>
+        </p:blipFill>
+        <p:spPr>
+          <a:xfrm>
+            <a:off x="959716" y="4697268"/>
+            <a:ext cx="4324350" cy="1638300"/>
           </a:xfrm>
           <a:prstGeom prst="rect">
             <a:avLst/>
@@ -3713,7 +3975,7 @@
     </p:spTree>
     <p:extLst>
       <p:ext uri="{BB962C8B-B14F-4D97-AF65-F5344CB8AC3E}">
-        <p14:creationId xmlns:p14="http://schemas.microsoft.com/office/powerpoint/2010/main" val="2502053178"/>
+        <p14:creationId xmlns:p14="http://schemas.microsoft.com/office/powerpoint/2010/main" val="180480991"/>
       </p:ext>
     </p:extLst>
   </p:cSld>
@@ -3745,7 +4007,7 @@
           <p:cNvPr id="2" name="Title 1">
             <a:extLst>
               <a:ext uri="{FF2B5EF4-FFF2-40B4-BE49-F238E27FC236}">
-                <a16:creationId xmlns:a16="http://schemas.microsoft.com/office/drawing/2014/main" id="{A575B06D-D93C-4DB4-B99E-CCF2092D73D6}"/>
+                <a16:creationId xmlns:a16="http://schemas.microsoft.com/office/drawing/2014/main" id="{5612866B-E588-44A7-8E96-01D7188801BC}"/>
               </a:ext>
             </a:extLst>
           </p:cNvPr>
@@ -3756,6 +4018,51 @@
             <p:ph type="title"/>
           </p:nvPr>
         </p:nvSpPr>
+        <p:spPr>
+          <a:xfrm>
+            <a:off x="838199" y="365125"/>
+            <a:ext cx="10828663" cy="1353506"/>
+          </a:xfrm>
+        </p:spPr>
+        <p:txBody>
+          <a:bodyPr/>
+          <a:lstStyle/>
+          <a:p>
+            <a:r>
+              <a:rPr lang="en-US" dirty="0"/>
+              <a:t>Convert a user-defined </a:t>
+            </a:r>
+            <a:r>
+              <a:rPr lang="en-US" b="1" dirty="0">
+                <a:solidFill>
+                  <a:srgbClr val="FF0000"/>
+                </a:solidFill>
+              </a:rPr>
+              <a:t>function</a:t>
+            </a:r>
+            <a:r>
+              <a:rPr lang="en-US" dirty="0"/>
+              <a:t> to excel add-in</a:t>
+            </a:r>
+          </a:p>
+        </p:txBody>
+      </p:sp>
+      <p:sp>
+        <p:nvSpPr>
+          <p:cNvPr id="3" name="Content Placeholder 2">
+            <a:extLst>
+              <a:ext uri="{FF2B5EF4-FFF2-40B4-BE49-F238E27FC236}">
+                <a16:creationId xmlns:a16="http://schemas.microsoft.com/office/drawing/2014/main" id="{80439FBD-89AE-43A3-8EBF-A4C67D53F722}"/>
+              </a:ext>
+            </a:extLst>
+          </p:cNvPr>
+          <p:cNvSpPr>
+            <a:spLocks noGrp="1"/>
+          </p:cNvSpPr>
+          <p:nvPr>
+            <p:ph idx="1"/>
+          </p:nvPr>
+        </p:nvSpPr>
         <p:spPr/>
         <p:txBody>
           <a:bodyPr/>
@@ -3763,26 +4070,35 @@
           <a:p>
             <a:r>
               <a:rPr lang="en-US" dirty="0"/>
-              <a:t>Variable scope </a:t>
-            </a:r>
+              <a:t>Save the self defined function to .</a:t>
+            </a:r>
+            <a:r>
+              <a:rPr lang="en-US" dirty="0" err="1"/>
+              <a:t>xlam</a:t>
+            </a:r>
+            <a:r>
+              <a:rPr lang="en-US" dirty="0"/>
+              <a:t> file format </a:t>
+            </a:r>
+          </a:p>
+          <a:p>
+            <a:endParaRPr lang="en-US" dirty="0"/>
           </a:p>
         </p:txBody>
       </p:sp>
       <p:pic>
         <p:nvPicPr>
-          <p:cNvPr id="5" name="Content Placeholder 4">
-            <a:extLst>
-              <a:ext uri="{FF2B5EF4-FFF2-40B4-BE49-F238E27FC236}">
-                <a16:creationId xmlns:a16="http://schemas.microsoft.com/office/drawing/2014/main" id="{0AE0E20E-D833-4342-B2F4-953012FD7283}"/>
+          <p:cNvPr id="5" name="Picture 4">
+            <a:extLst>
+              <a:ext uri="{FF2B5EF4-FFF2-40B4-BE49-F238E27FC236}">
+                <a16:creationId xmlns:a16="http://schemas.microsoft.com/office/drawing/2014/main" id="{6EBBD775-42F4-4095-8C4C-B27968EA97D4}"/>
               </a:ext>
             </a:extLst>
           </p:cNvPr>
           <p:cNvPicPr>
-            <a:picLocks noGrp="1" noChangeAspect="1"/>
+            <a:picLocks noChangeAspect="1"/>
           </p:cNvPicPr>
-          <p:nvPr>
-            <p:ph idx="1"/>
-          </p:nvPr>
+          <p:nvPr/>
         </p:nvPicPr>
         <p:blipFill>
           <a:blip r:embed="rId2"/>
@@ -3792,257 +4108,18 @@
         </p:blipFill>
         <p:spPr>
           <a:xfrm>
-            <a:off x="3509935" y="2008853"/>
-            <a:ext cx="5120720" cy="3583421"/>
-          </a:xfrm>
-        </p:spPr>
-      </p:pic>
-      <p:cxnSp>
-        <p:nvCxnSpPr>
-          <p:cNvPr id="7" name="Straight Arrow Connector 6">
-            <a:extLst>
-              <a:ext uri="{FF2B5EF4-FFF2-40B4-BE49-F238E27FC236}">
-                <a16:creationId xmlns:a16="http://schemas.microsoft.com/office/drawing/2014/main" id="{4F28ACF9-139A-4254-A8F4-CB9EDCDB3E77}"/>
-              </a:ext>
-            </a:extLst>
-          </p:cNvPr>
-          <p:cNvCxnSpPr>
-            <a:cxnSpLocks/>
-          </p:cNvCxnSpPr>
-          <p:nvPr/>
-        </p:nvCxnSpPr>
-        <p:spPr>
-          <a:xfrm flipH="1">
-            <a:off x="3128790" y="3200399"/>
-            <a:ext cx="1035587" cy="101245"/>
-          </a:xfrm>
-          <a:prstGeom prst="straightConnector1">
-            <a:avLst/>
-          </a:prstGeom>
-          <a:ln>
-            <a:tailEnd type="triangle"/>
-          </a:ln>
-        </p:spPr>
-        <p:style>
-          <a:lnRef idx="1">
-            <a:schemeClr val="accent1"/>
-          </a:lnRef>
-          <a:fillRef idx="0">
-            <a:schemeClr val="accent1"/>
-          </a:fillRef>
-          <a:effectRef idx="0">
-            <a:schemeClr val="accent1"/>
-          </a:effectRef>
-          <a:fontRef idx="minor">
-            <a:schemeClr val="tx1"/>
-          </a:fontRef>
-        </p:style>
-      </p:cxnSp>
-      <p:sp>
-        <p:nvSpPr>
-          <p:cNvPr id="8" name="TextBox 7">
-            <a:extLst>
-              <a:ext uri="{FF2B5EF4-FFF2-40B4-BE49-F238E27FC236}">
-                <a16:creationId xmlns:a16="http://schemas.microsoft.com/office/drawing/2014/main" id="{49EE23A1-68E1-401A-8D94-41A948C73FF0}"/>
-              </a:ext>
-            </a:extLst>
-          </p:cNvPr>
-          <p:cNvSpPr txBox="1"/>
-          <p:nvPr/>
-        </p:nvSpPr>
-        <p:spPr>
-          <a:xfrm>
-            <a:off x="197143" y="2886116"/>
-            <a:ext cx="3227943" cy="1200329"/>
+            <a:off x="1013552" y="2794573"/>
+            <a:ext cx="9316598" cy="3382390"/>
           </a:xfrm>
           <a:prstGeom prst="rect">
             <a:avLst/>
           </a:prstGeom>
-          <a:noFill/>
-        </p:spPr>
-        <p:txBody>
-          <a:bodyPr wrap="square" rtlCol="0">
-            <a:spAutoFit/>
-          </a:bodyPr>
-          <a:lstStyle/>
-          <a:p>
-            <a:r>
-              <a:rPr lang="en-US" dirty="0"/>
-              <a:t>If we declare variable here, the variable k is available for both “sub one” and “Funky” functions. </a:t>
-            </a:r>
-            <a:r>
-              <a:rPr lang="en-US" dirty="0">
-                <a:solidFill>
-                  <a:srgbClr val="FF0000"/>
-                </a:solidFill>
-              </a:rPr>
-              <a:t>Modular level</a:t>
-            </a:r>
-          </a:p>
-        </p:txBody>
-      </p:sp>
-      <p:cxnSp>
-        <p:nvCxnSpPr>
-          <p:cNvPr id="10" name="Straight Arrow Connector 9">
-            <a:extLst>
-              <a:ext uri="{FF2B5EF4-FFF2-40B4-BE49-F238E27FC236}">
-                <a16:creationId xmlns:a16="http://schemas.microsoft.com/office/drawing/2014/main" id="{2D92AAFE-4B2A-4C61-A844-42B786254E86}"/>
-              </a:ext>
-            </a:extLst>
-          </p:cNvPr>
-          <p:cNvCxnSpPr/>
-          <p:nvPr/>
-        </p:nvCxnSpPr>
-        <p:spPr>
-          <a:xfrm flipV="1">
-            <a:off x="7359267" y="2787267"/>
-            <a:ext cx="1156772" cy="374574"/>
-          </a:xfrm>
-          <a:prstGeom prst="straightConnector1">
-            <a:avLst/>
-          </a:prstGeom>
-          <a:ln>
-            <a:tailEnd type="triangle"/>
-          </a:ln>
-        </p:spPr>
-        <p:style>
-          <a:lnRef idx="1">
-            <a:schemeClr val="accent1"/>
-          </a:lnRef>
-          <a:fillRef idx="0">
-            <a:schemeClr val="accent1"/>
-          </a:fillRef>
-          <a:effectRef idx="0">
-            <a:schemeClr val="accent1"/>
-          </a:effectRef>
-          <a:fontRef idx="minor">
-            <a:schemeClr val="tx1"/>
-          </a:fontRef>
-        </p:style>
-      </p:cxnSp>
-      <p:sp>
-        <p:nvSpPr>
-          <p:cNvPr id="11" name="TextBox 10">
-            <a:extLst>
-              <a:ext uri="{FF2B5EF4-FFF2-40B4-BE49-F238E27FC236}">
-                <a16:creationId xmlns:a16="http://schemas.microsoft.com/office/drawing/2014/main" id="{27040C23-1198-448A-AEED-0E478665CD7E}"/>
-              </a:ext>
-            </a:extLst>
-          </p:cNvPr>
-          <p:cNvSpPr txBox="1"/>
-          <p:nvPr/>
-        </p:nvSpPr>
-        <p:spPr>
-          <a:xfrm>
-            <a:off x="8635103" y="2600235"/>
-            <a:ext cx="2423711" cy="1200329"/>
-          </a:xfrm>
-          <a:prstGeom prst="rect">
-            <a:avLst/>
-          </a:prstGeom>
-          <a:noFill/>
-        </p:spPr>
-        <p:txBody>
-          <a:bodyPr wrap="square" rtlCol="0">
-            <a:spAutoFit/>
-          </a:bodyPr>
-          <a:lstStyle/>
-          <a:p>
-            <a:r>
-              <a:rPr lang="en-US" dirty="0"/>
-              <a:t>If we declare variable R here, it available for both modules. </a:t>
-            </a:r>
-            <a:r>
-              <a:rPr lang="en-US" dirty="0">
-                <a:solidFill>
-                  <a:srgbClr val="FF0000"/>
-                </a:solidFill>
-              </a:rPr>
-              <a:t>Workbook level </a:t>
-            </a:r>
-          </a:p>
-        </p:txBody>
-      </p:sp>
-      <p:cxnSp>
-        <p:nvCxnSpPr>
-          <p:cNvPr id="12" name="Straight Arrow Connector 11">
-            <a:extLst>
-              <a:ext uri="{FF2B5EF4-FFF2-40B4-BE49-F238E27FC236}">
-                <a16:creationId xmlns:a16="http://schemas.microsoft.com/office/drawing/2014/main" id="{4DDD2960-797C-46BB-B23C-1D8FCB68D09A}"/>
-              </a:ext>
-            </a:extLst>
-          </p:cNvPr>
-          <p:cNvCxnSpPr>
-            <a:cxnSpLocks/>
-          </p:cNvCxnSpPr>
-          <p:nvPr/>
-        </p:nvCxnSpPr>
-        <p:spPr>
-          <a:xfrm flipH="1">
-            <a:off x="2842352" y="4632994"/>
-            <a:ext cx="1000413" cy="412731"/>
-          </a:xfrm>
-          <a:prstGeom prst="straightConnector1">
-            <a:avLst/>
-          </a:prstGeom>
-          <a:ln>
-            <a:tailEnd type="triangle"/>
-          </a:ln>
-        </p:spPr>
-        <p:style>
-          <a:lnRef idx="1">
-            <a:schemeClr val="accent1"/>
-          </a:lnRef>
-          <a:fillRef idx="0">
-            <a:schemeClr val="accent1"/>
-          </a:fillRef>
-          <a:effectRef idx="0">
-            <a:schemeClr val="accent1"/>
-          </a:effectRef>
-          <a:fontRef idx="minor">
-            <a:schemeClr val="tx1"/>
-          </a:fontRef>
-        </p:style>
-      </p:cxnSp>
-      <p:sp>
-        <p:nvSpPr>
-          <p:cNvPr id="14" name="TextBox 13">
-            <a:extLst>
-              <a:ext uri="{FF2B5EF4-FFF2-40B4-BE49-F238E27FC236}">
-                <a16:creationId xmlns:a16="http://schemas.microsoft.com/office/drawing/2014/main" id="{5801F61B-AEB1-4456-9198-8886B2EBADA2}"/>
-              </a:ext>
-            </a:extLst>
-          </p:cNvPr>
-          <p:cNvSpPr txBox="1"/>
-          <p:nvPr/>
-        </p:nvSpPr>
-        <p:spPr>
-          <a:xfrm>
-            <a:off x="705079" y="4668944"/>
-            <a:ext cx="2423711" cy="923330"/>
-          </a:xfrm>
-          <a:prstGeom prst="rect">
-            <a:avLst/>
-          </a:prstGeom>
-          <a:noFill/>
-        </p:spPr>
-        <p:txBody>
-          <a:bodyPr wrap="square" rtlCol="0">
-            <a:spAutoFit/>
-          </a:bodyPr>
-          <a:lstStyle/>
-          <a:p>
-            <a:r>
-              <a:rPr lang="en-US" dirty="0"/>
-              <a:t>Variable y is only available for “Funky” function</a:t>
-            </a:r>
-          </a:p>
-        </p:txBody>
-      </p:sp>
+        </p:spPr>
+      </p:pic>
     </p:spTree>
     <p:extLst>
       <p:ext uri="{BB962C8B-B14F-4D97-AF65-F5344CB8AC3E}">
-        <p14:creationId xmlns:p14="http://schemas.microsoft.com/office/powerpoint/2010/main" val="431656084"/>
+        <p14:creationId xmlns:p14="http://schemas.microsoft.com/office/powerpoint/2010/main" val="2634307519"/>
       </p:ext>
     </p:extLst>
   </p:cSld>
@@ -4074,6 +4151,474 @@
           <p:cNvPr id="2" name="Title 1">
             <a:extLst>
               <a:ext uri="{FF2B5EF4-FFF2-40B4-BE49-F238E27FC236}">
+                <a16:creationId xmlns:a16="http://schemas.microsoft.com/office/drawing/2014/main" id="{F6C2627D-94BC-42E2-BF05-FE4ECB44F75E}"/>
+              </a:ext>
+            </a:extLst>
+          </p:cNvPr>
+          <p:cNvSpPr>
+            <a:spLocks noGrp="1"/>
+          </p:cNvSpPr>
+          <p:nvPr>
+            <p:ph type="title"/>
+          </p:nvPr>
+        </p:nvSpPr>
+        <p:spPr>
+          <a:xfrm>
+            <a:off x="838200" y="365125"/>
+            <a:ext cx="10515600" cy="626393"/>
+          </a:xfrm>
+        </p:spPr>
+        <p:txBody>
+          <a:bodyPr>
+            <a:normAutofit fontScale="90000"/>
+          </a:bodyPr>
+          <a:lstStyle/>
+          <a:p>
+            <a:r>
+              <a:rPr lang="en-US" dirty="0"/>
+              <a:t>Continue..</a:t>
+            </a:r>
+          </a:p>
+        </p:txBody>
+      </p:sp>
+      <p:sp>
+        <p:nvSpPr>
+          <p:cNvPr id="3" name="Content Placeholder 2">
+            <a:extLst>
+              <a:ext uri="{FF2B5EF4-FFF2-40B4-BE49-F238E27FC236}">
+                <a16:creationId xmlns:a16="http://schemas.microsoft.com/office/drawing/2014/main" id="{E61338EF-7FDE-4F9A-B04D-E8445E177722}"/>
+              </a:ext>
+            </a:extLst>
+          </p:cNvPr>
+          <p:cNvSpPr>
+            <a:spLocks noGrp="1"/>
+          </p:cNvSpPr>
+          <p:nvPr>
+            <p:ph idx="1"/>
+          </p:nvPr>
+        </p:nvSpPr>
+        <p:spPr>
+          <a:xfrm>
+            <a:off x="594911" y="991518"/>
+            <a:ext cx="10758889" cy="5185445"/>
+          </a:xfrm>
+        </p:spPr>
+        <p:txBody>
+          <a:bodyPr/>
+          <a:lstStyle/>
+          <a:p>
+            <a:r>
+              <a:rPr lang="en-US" dirty="0"/>
+              <a:t>If a new workbook wants to use the function, click “file”-&gt; “options”-&gt; “Add-ins” and lick “go” at the bottom and “browse” and find the “</a:t>
+            </a:r>
+            <a:r>
+              <a:rPr lang="en-US" dirty="0" err="1"/>
+              <a:t>xlam</a:t>
+            </a:r>
+            <a:r>
+              <a:rPr lang="en-US" dirty="0"/>
+              <a:t>” file we saved earlier on </a:t>
+            </a:r>
+          </a:p>
+          <a:p>
+            <a:endParaRPr lang="en-US" dirty="0"/>
+          </a:p>
+        </p:txBody>
+      </p:sp>
+      <p:pic>
+        <p:nvPicPr>
+          <p:cNvPr id="5" name="Picture 4">
+            <a:extLst>
+              <a:ext uri="{FF2B5EF4-FFF2-40B4-BE49-F238E27FC236}">
+                <a16:creationId xmlns:a16="http://schemas.microsoft.com/office/drawing/2014/main" id="{98F1755D-142D-4453-AF81-FDDE81184A39}"/>
+              </a:ext>
+            </a:extLst>
+          </p:cNvPr>
+          <p:cNvPicPr>
+            <a:picLocks noChangeAspect="1"/>
+          </p:cNvPicPr>
+          <p:nvPr/>
+        </p:nvPicPr>
+        <p:blipFill>
+          <a:blip r:embed="rId2"/>
+          <a:stretch>
+            <a:fillRect/>
+          </a:stretch>
+        </p:blipFill>
+        <p:spPr>
+          <a:xfrm>
+            <a:off x="4438809" y="1990239"/>
+            <a:ext cx="5931735" cy="4502636"/>
+          </a:xfrm>
+          <a:prstGeom prst="rect">
+            <a:avLst/>
+          </a:prstGeom>
+        </p:spPr>
+      </p:pic>
+    </p:spTree>
+    <p:extLst>
+      <p:ext uri="{BB962C8B-B14F-4D97-AF65-F5344CB8AC3E}">
+        <p14:creationId xmlns:p14="http://schemas.microsoft.com/office/powerpoint/2010/main" val="2502053178"/>
+      </p:ext>
+    </p:extLst>
+  </p:cSld>
+  <p:clrMapOvr>
+    <a:masterClrMapping/>
+  </p:clrMapOvr>
+</p:sld>
+</file>
+
+<file path=ppt/slides/slide14.xml><?xml version="1.0" encoding="utf-8"?>
+<p:sld xmlns:a="http://schemas.openxmlformats.org/drawingml/2006/main" xmlns:r="http://schemas.openxmlformats.org/officeDocument/2006/relationships" xmlns:p="http://schemas.openxmlformats.org/presentationml/2006/main">
+  <p:cSld>
+    <p:spTree>
+      <p:nvGrpSpPr>
+        <p:cNvPr id="1" name=""/>
+        <p:cNvGrpSpPr/>
+        <p:nvPr/>
+      </p:nvGrpSpPr>
+      <p:grpSpPr>
+        <a:xfrm>
+          <a:off x="0" y="0"/>
+          <a:ext cx="0" cy="0"/>
+          <a:chOff x="0" y="0"/>
+          <a:chExt cx="0" cy="0"/>
+        </a:xfrm>
+      </p:grpSpPr>
+      <p:sp>
+        <p:nvSpPr>
+          <p:cNvPr id="2" name="Title 1">
+            <a:extLst>
+              <a:ext uri="{FF2B5EF4-FFF2-40B4-BE49-F238E27FC236}">
+                <a16:creationId xmlns:a16="http://schemas.microsoft.com/office/drawing/2014/main" id="{A575B06D-D93C-4DB4-B99E-CCF2092D73D6}"/>
+              </a:ext>
+            </a:extLst>
+          </p:cNvPr>
+          <p:cNvSpPr>
+            <a:spLocks noGrp="1"/>
+          </p:cNvSpPr>
+          <p:nvPr>
+            <p:ph type="title"/>
+          </p:nvPr>
+        </p:nvSpPr>
+        <p:spPr/>
+        <p:txBody>
+          <a:bodyPr/>
+          <a:lstStyle/>
+          <a:p>
+            <a:r>
+              <a:rPr lang="en-US" dirty="0"/>
+              <a:t>Variable scope </a:t>
+            </a:r>
+          </a:p>
+        </p:txBody>
+      </p:sp>
+      <p:pic>
+        <p:nvPicPr>
+          <p:cNvPr id="5" name="Content Placeholder 4">
+            <a:extLst>
+              <a:ext uri="{FF2B5EF4-FFF2-40B4-BE49-F238E27FC236}">
+                <a16:creationId xmlns:a16="http://schemas.microsoft.com/office/drawing/2014/main" id="{0AE0E20E-D833-4342-B2F4-953012FD7283}"/>
+              </a:ext>
+            </a:extLst>
+          </p:cNvPr>
+          <p:cNvPicPr>
+            <a:picLocks noGrp="1" noChangeAspect="1"/>
+          </p:cNvPicPr>
+          <p:nvPr>
+            <p:ph idx="1"/>
+          </p:nvPr>
+        </p:nvPicPr>
+        <p:blipFill>
+          <a:blip r:embed="rId2"/>
+          <a:stretch>
+            <a:fillRect/>
+          </a:stretch>
+        </p:blipFill>
+        <p:spPr>
+          <a:xfrm>
+            <a:off x="3509935" y="2008853"/>
+            <a:ext cx="5120720" cy="3583421"/>
+          </a:xfrm>
+        </p:spPr>
+      </p:pic>
+      <p:cxnSp>
+        <p:nvCxnSpPr>
+          <p:cNvPr id="7" name="Straight Arrow Connector 6">
+            <a:extLst>
+              <a:ext uri="{FF2B5EF4-FFF2-40B4-BE49-F238E27FC236}">
+                <a16:creationId xmlns:a16="http://schemas.microsoft.com/office/drawing/2014/main" id="{4F28ACF9-139A-4254-A8F4-CB9EDCDB3E77}"/>
+              </a:ext>
+            </a:extLst>
+          </p:cNvPr>
+          <p:cNvCxnSpPr>
+            <a:cxnSpLocks/>
+          </p:cNvCxnSpPr>
+          <p:nvPr/>
+        </p:nvCxnSpPr>
+        <p:spPr>
+          <a:xfrm flipH="1">
+            <a:off x="3128790" y="3200399"/>
+            <a:ext cx="1035587" cy="101245"/>
+          </a:xfrm>
+          <a:prstGeom prst="straightConnector1">
+            <a:avLst/>
+          </a:prstGeom>
+          <a:ln>
+            <a:tailEnd type="triangle"/>
+          </a:ln>
+        </p:spPr>
+        <p:style>
+          <a:lnRef idx="1">
+            <a:schemeClr val="accent1"/>
+          </a:lnRef>
+          <a:fillRef idx="0">
+            <a:schemeClr val="accent1"/>
+          </a:fillRef>
+          <a:effectRef idx="0">
+            <a:schemeClr val="accent1"/>
+          </a:effectRef>
+          <a:fontRef idx="minor">
+            <a:schemeClr val="tx1"/>
+          </a:fontRef>
+        </p:style>
+      </p:cxnSp>
+      <p:sp>
+        <p:nvSpPr>
+          <p:cNvPr id="8" name="TextBox 7">
+            <a:extLst>
+              <a:ext uri="{FF2B5EF4-FFF2-40B4-BE49-F238E27FC236}">
+                <a16:creationId xmlns:a16="http://schemas.microsoft.com/office/drawing/2014/main" id="{49EE23A1-68E1-401A-8D94-41A948C73FF0}"/>
+              </a:ext>
+            </a:extLst>
+          </p:cNvPr>
+          <p:cNvSpPr txBox="1"/>
+          <p:nvPr/>
+        </p:nvSpPr>
+        <p:spPr>
+          <a:xfrm>
+            <a:off x="197143" y="2886116"/>
+            <a:ext cx="3227943" cy="1200329"/>
+          </a:xfrm>
+          <a:prstGeom prst="rect">
+            <a:avLst/>
+          </a:prstGeom>
+          <a:noFill/>
+        </p:spPr>
+        <p:txBody>
+          <a:bodyPr wrap="square" rtlCol="0">
+            <a:spAutoFit/>
+          </a:bodyPr>
+          <a:lstStyle/>
+          <a:p>
+            <a:r>
+              <a:rPr lang="en-US" dirty="0"/>
+              <a:t>If we declare variable here, the variable k is available for both “sub one” and “Funky” functions. </a:t>
+            </a:r>
+            <a:r>
+              <a:rPr lang="en-US" dirty="0">
+                <a:solidFill>
+                  <a:srgbClr val="FF0000"/>
+                </a:solidFill>
+              </a:rPr>
+              <a:t>Modular level</a:t>
+            </a:r>
+          </a:p>
+        </p:txBody>
+      </p:sp>
+      <p:cxnSp>
+        <p:nvCxnSpPr>
+          <p:cNvPr id="10" name="Straight Arrow Connector 9">
+            <a:extLst>
+              <a:ext uri="{FF2B5EF4-FFF2-40B4-BE49-F238E27FC236}">
+                <a16:creationId xmlns:a16="http://schemas.microsoft.com/office/drawing/2014/main" id="{2D92AAFE-4B2A-4C61-A844-42B786254E86}"/>
+              </a:ext>
+            </a:extLst>
+          </p:cNvPr>
+          <p:cNvCxnSpPr/>
+          <p:nvPr/>
+        </p:nvCxnSpPr>
+        <p:spPr>
+          <a:xfrm flipV="1">
+            <a:off x="7359267" y="2787267"/>
+            <a:ext cx="1156772" cy="374574"/>
+          </a:xfrm>
+          <a:prstGeom prst="straightConnector1">
+            <a:avLst/>
+          </a:prstGeom>
+          <a:ln>
+            <a:tailEnd type="triangle"/>
+          </a:ln>
+        </p:spPr>
+        <p:style>
+          <a:lnRef idx="1">
+            <a:schemeClr val="accent1"/>
+          </a:lnRef>
+          <a:fillRef idx="0">
+            <a:schemeClr val="accent1"/>
+          </a:fillRef>
+          <a:effectRef idx="0">
+            <a:schemeClr val="accent1"/>
+          </a:effectRef>
+          <a:fontRef idx="minor">
+            <a:schemeClr val="tx1"/>
+          </a:fontRef>
+        </p:style>
+      </p:cxnSp>
+      <p:sp>
+        <p:nvSpPr>
+          <p:cNvPr id="11" name="TextBox 10">
+            <a:extLst>
+              <a:ext uri="{FF2B5EF4-FFF2-40B4-BE49-F238E27FC236}">
+                <a16:creationId xmlns:a16="http://schemas.microsoft.com/office/drawing/2014/main" id="{27040C23-1198-448A-AEED-0E478665CD7E}"/>
+              </a:ext>
+            </a:extLst>
+          </p:cNvPr>
+          <p:cNvSpPr txBox="1"/>
+          <p:nvPr/>
+        </p:nvSpPr>
+        <p:spPr>
+          <a:xfrm>
+            <a:off x="8635103" y="2600235"/>
+            <a:ext cx="2423711" cy="1200329"/>
+          </a:xfrm>
+          <a:prstGeom prst="rect">
+            <a:avLst/>
+          </a:prstGeom>
+          <a:noFill/>
+        </p:spPr>
+        <p:txBody>
+          <a:bodyPr wrap="square" rtlCol="0">
+            <a:spAutoFit/>
+          </a:bodyPr>
+          <a:lstStyle/>
+          <a:p>
+            <a:r>
+              <a:rPr lang="en-US" dirty="0"/>
+              <a:t>If we declare variable R here, it available for both modules. </a:t>
+            </a:r>
+            <a:r>
+              <a:rPr lang="en-US" dirty="0">
+                <a:solidFill>
+                  <a:srgbClr val="FF0000"/>
+                </a:solidFill>
+              </a:rPr>
+              <a:t>Workbook level </a:t>
+            </a:r>
+          </a:p>
+        </p:txBody>
+      </p:sp>
+      <p:cxnSp>
+        <p:nvCxnSpPr>
+          <p:cNvPr id="12" name="Straight Arrow Connector 11">
+            <a:extLst>
+              <a:ext uri="{FF2B5EF4-FFF2-40B4-BE49-F238E27FC236}">
+                <a16:creationId xmlns:a16="http://schemas.microsoft.com/office/drawing/2014/main" id="{4DDD2960-797C-46BB-B23C-1D8FCB68D09A}"/>
+              </a:ext>
+            </a:extLst>
+          </p:cNvPr>
+          <p:cNvCxnSpPr>
+            <a:cxnSpLocks/>
+          </p:cNvCxnSpPr>
+          <p:nvPr/>
+        </p:nvCxnSpPr>
+        <p:spPr>
+          <a:xfrm flipH="1">
+            <a:off x="2842352" y="4632994"/>
+            <a:ext cx="1000413" cy="412731"/>
+          </a:xfrm>
+          <a:prstGeom prst="straightConnector1">
+            <a:avLst/>
+          </a:prstGeom>
+          <a:ln>
+            <a:tailEnd type="triangle"/>
+          </a:ln>
+        </p:spPr>
+        <p:style>
+          <a:lnRef idx="1">
+            <a:schemeClr val="accent1"/>
+          </a:lnRef>
+          <a:fillRef idx="0">
+            <a:schemeClr val="accent1"/>
+          </a:fillRef>
+          <a:effectRef idx="0">
+            <a:schemeClr val="accent1"/>
+          </a:effectRef>
+          <a:fontRef idx="minor">
+            <a:schemeClr val="tx1"/>
+          </a:fontRef>
+        </p:style>
+      </p:cxnSp>
+      <p:sp>
+        <p:nvSpPr>
+          <p:cNvPr id="14" name="TextBox 13">
+            <a:extLst>
+              <a:ext uri="{FF2B5EF4-FFF2-40B4-BE49-F238E27FC236}">
+                <a16:creationId xmlns:a16="http://schemas.microsoft.com/office/drawing/2014/main" id="{5801F61B-AEB1-4456-9198-8886B2EBADA2}"/>
+              </a:ext>
+            </a:extLst>
+          </p:cNvPr>
+          <p:cNvSpPr txBox="1"/>
+          <p:nvPr/>
+        </p:nvSpPr>
+        <p:spPr>
+          <a:xfrm>
+            <a:off x="705079" y="4668944"/>
+            <a:ext cx="2423711" cy="923330"/>
+          </a:xfrm>
+          <a:prstGeom prst="rect">
+            <a:avLst/>
+          </a:prstGeom>
+          <a:noFill/>
+        </p:spPr>
+        <p:txBody>
+          <a:bodyPr wrap="square" rtlCol="0">
+            <a:spAutoFit/>
+          </a:bodyPr>
+          <a:lstStyle/>
+          <a:p>
+            <a:r>
+              <a:rPr lang="en-US" dirty="0"/>
+              <a:t>Variable y is only available for “Funky” function</a:t>
+            </a:r>
+          </a:p>
+        </p:txBody>
+      </p:sp>
+    </p:spTree>
+    <p:extLst>
+      <p:ext uri="{BB962C8B-B14F-4D97-AF65-F5344CB8AC3E}">
+        <p14:creationId xmlns:p14="http://schemas.microsoft.com/office/powerpoint/2010/main" val="431656084"/>
+      </p:ext>
+    </p:extLst>
+  </p:cSld>
+  <p:clrMapOvr>
+    <a:masterClrMapping/>
+  </p:clrMapOvr>
+</p:sld>
+</file>
+
+<file path=ppt/slides/slide15.xml><?xml version="1.0" encoding="utf-8"?>
+<p:sld xmlns:a="http://schemas.openxmlformats.org/drawingml/2006/main" xmlns:r="http://schemas.openxmlformats.org/officeDocument/2006/relationships" xmlns:p="http://schemas.openxmlformats.org/presentationml/2006/main">
+  <p:cSld>
+    <p:spTree>
+      <p:nvGrpSpPr>
+        <p:cNvPr id="1" name=""/>
+        <p:cNvGrpSpPr/>
+        <p:nvPr/>
+      </p:nvGrpSpPr>
+      <p:grpSpPr>
+        <a:xfrm>
+          <a:off x="0" y="0"/>
+          <a:ext cx="0" cy="0"/>
+          <a:chOff x="0" y="0"/>
+          <a:chExt cx="0" cy="0"/>
+        </a:xfrm>
+      </p:grpSpPr>
+      <p:sp>
+        <p:nvSpPr>
+          <p:cNvPr id="2" name="Title 1">
+            <a:extLst>
+              <a:ext uri="{FF2B5EF4-FFF2-40B4-BE49-F238E27FC236}">
                 <a16:creationId xmlns:a16="http://schemas.microsoft.com/office/drawing/2014/main" id="{0DAA686E-129E-4DF6-9ACD-41595225FE85}"/>
               </a:ext>
             </a:extLst>
@@ -4085,40 +4630,275 @@
             <p:ph type="title"/>
           </p:nvPr>
         </p:nvSpPr>
-        <p:spPr/>
+        <p:spPr>
+          <a:xfrm>
+            <a:off x="925416" y="0"/>
+            <a:ext cx="10318215" cy="980501"/>
+          </a:xfrm>
+        </p:spPr>
         <p:txBody>
           <a:bodyPr/>
           <a:lstStyle/>
           <a:p>
             <a:r>
               <a:rPr lang="en-US" dirty="0"/>
-              <a:t>Customized user function</a:t>
-            </a:r>
-          </a:p>
-        </p:txBody>
-      </p:sp>
-      <p:sp>
-        <p:nvSpPr>
-          <p:cNvPr id="3" name="Content Placeholder 2">
-            <a:extLst>
-              <a:ext uri="{FF2B5EF4-FFF2-40B4-BE49-F238E27FC236}">
-                <a16:creationId xmlns:a16="http://schemas.microsoft.com/office/drawing/2014/main" id="{66067D77-5766-4954-95F1-B22D68BE8F31}"/>
-              </a:ext>
-            </a:extLst>
-          </p:cNvPr>
-          <p:cNvSpPr>
-            <a:spLocks noGrp="1"/>
-          </p:cNvSpPr>
+              <a:t>Objects, properties, method and events</a:t>
+            </a:r>
+          </a:p>
+        </p:txBody>
+      </p:sp>
+      <p:pic>
+        <p:nvPicPr>
+          <p:cNvPr id="5" name="Content Placeholder 4">
+            <a:extLst>
+              <a:ext uri="{FF2B5EF4-FFF2-40B4-BE49-F238E27FC236}">
+                <a16:creationId xmlns:a16="http://schemas.microsoft.com/office/drawing/2014/main" id="{FACB95BB-7DA9-4FCE-B02D-24B8B3311DB8}"/>
+              </a:ext>
+            </a:extLst>
+          </p:cNvPr>
+          <p:cNvPicPr>
+            <a:picLocks noGrp="1" noChangeAspect="1"/>
+          </p:cNvPicPr>
           <p:nvPr>
             <p:ph idx="1"/>
           </p:nvPr>
-        </p:nvSpPr>
-        <p:spPr/>
-        <p:txBody>
-          <a:bodyPr/>
-          <a:lstStyle/>
-          <a:p>
+        </p:nvPicPr>
+        <p:blipFill>
+          <a:blip r:embed="rId2"/>
+          <a:stretch>
+            <a:fillRect/>
+          </a:stretch>
+        </p:blipFill>
+        <p:spPr>
+          <a:xfrm>
+            <a:off x="1435865" y="1138201"/>
+            <a:ext cx="4572000" cy="2168236"/>
+          </a:xfrm>
+        </p:spPr>
+      </p:pic>
+      <p:cxnSp>
+        <p:nvCxnSpPr>
+          <p:cNvPr id="7" name="Straight Arrow Connector 6">
+            <a:extLst>
+              <a:ext uri="{FF2B5EF4-FFF2-40B4-BE49-F238E27FC236}">
+                <a16:creationId xmlns:a16="http://schemas.microsoft.com/office/drawing/2014/main" id="{C23D44E2-8386-47B3-ABD5-1B073DF3756A}"/>
+              </a:ext>
+            </a:extLst>
+          </p:cNvPr>
+          <p:cNvCxnSpPr>
+            <a:cxnSpLocks/>
+          </p:cNvCxnSpPr>
+          <p:nvPr/>
+        </p:nvCxnSpPr>
+        <p:spPr>
+          <a:xfrm>
+            <a:off x="6007865" y="3106824"/>
+            <a:ext cx="2034448" cy="77052"/>
+          </a:xfrm>
+          <a:prstGeom prst="straightConnector1">
+            <a:avLst/>
+          </a:prstGeom>
+          <a:ln>
+            <a:tailEnd type="triangle"/>
+          </a:ln>
+        </p:spPr>
+        <p:style>
+          <a:lnRef idx="1">
+            <a:schemeClr val="accent1"/>
+          </a:lnRef>
+          <a:fillRef idx="0">
+            <a:schemeClr val="accent1"/>
+          </a:fillRef>
+          <a:effectRef idx="0">
+            <a:schemeClr val="accent1"/>
+          </a:effectRef>
+          <a:fontRef idx="minor">
+            <a:schemeClr val="tx1"/>
+          </a:fontRef>
+        </p:style>
+      </p:cxnSp>
+      <p:sp>
+        <p:nvSpPr>
+          <p:cNvPr id="8" name="TextBox 7">
+            <a:extLst>
+              <a:ext uri="{FF2B5EF4-FFF2-40B4-BE49-F238E27FC236}">
+                <a16:creationId xmlns:a16="http://schemas.microsoft.com/office/drawing/2014/main" id="{22447537-7A8A-4B97-9E39-82C4FA5D07C8}"/>
+              </a:ext>
+            </a:extLst>
+          </p:cNvPr>
+          <p:cNvSpPr txBox="1"/>
+          <p:nvPr/>
+        </p:nvSpPr>
+        <p:spPr>
+          <a:xfrm>
+            <a:off x="8130448" y="2583710"/>
+            <a:ext cx="3734718" cy="646331"/>
+          </a:xfrm>
+          <a:prstGeom prst="rect">
+            <a:avLst/>
+          </a:prstGeom>
+          <a:noFill/>
+        </p:spPr>
+        <p:txBody>
+          <a:bodyPr wrap="square" rtlCol="0">
+            <a:spAutoFit/>
+          </a:bodyPr>
+          <a:lstStyle/>
+          <a:p>
+            <a:r>
+              <a:rPr lang="en-US" dirty="0"/>
+              <a:t>Refer workbook ‘project6’ and worksheets “Main”, range B16</a:t>
+            </a:r>
+          </a:p>
+        </p:txBody>
+      </p:sp>
+      <p:pic>
+        <p:nvPicPr>
+          <p:cNvPr id="10" name="Picture 9">
+            <a:extLst>
+              <a:ext uri="{FF2B5EF4-FFF2-40B4-BE49-F238E27FC236}">
+                <a16:creationId xmlns:a16="http://schemas.microsoft.com/office/drawing/2014/main" id="{342E2280-0D4B-4B0D-9542-A64F46E31F66}"/>
+              </a:ext>
+            </a:extLst>
+          </p:cNvPr>
+          <p:cNvPicPr>
+            <a:picLocks noChangeAspect="1"/>
+          </p:cNvPicPr>
+          <p:nvPr/>
+        </p:nvPicPr>
+        <p:blipFill>
+          <a:blip r:embed="rId3"/>
+          <a:stretch>
+            <a:fillRect/>
+          </a:stretch>
+        </p:blipFill>
+        <p:spPr>
+          <a:xfrm>
+            <a:off x="1322499" y="3740094"/>
+            <a:ext cx="4534803" cy="1892280"/>
+          </a:xfrm>
+          <a:prstGeom prst="rect">
+            <a:avLst/>
+          </a:prstGeom>
+        </p:spPr>
+      </p:pic>
+      <p:sp>
+        <p:nvSpPr>
+          <p:cNvPr id="11" name="Right Brace 10">
+            <a:extLst>
+              <a:ext uri="{FF2B5EF4-FFF2-40B4-BE49-F238E27FC236}">
+                <a16:creationId xmlns:a16="http://schemas.microsoft.com/office/drawing/2014/main" id="{848F0F3D-D448-4C77-95DE-E0FAE2E10E78}"/>
+              </a:ext>
+            </a:extLst>
+          </p:cNvPr>
+          <p:cNvSpPr/>
+          <p:nvPr/>
+        </p:nvSpPr>
+        <p:spPr>
+          <a:xfrm>
+            <a:off x="5772839" y="4759736"/>
+            <a:ext cx="315816" cy="785525"/>
+          </a:xfrm>
+          <a:prstGeom prst="rightBrace">
+            <a:avLst/>
+          </a:prstGeom>
+        </p:spPr>
+        <p:style>
+          <a:lnRef idx="1">
+            <a:schemeClr val="accent1"/>
+          </a:lnRef>
+          <a:fillRef idx="0">
+            <a:schemeClr val="accent1"/>
+          </a:fillRef>
+          <a:effectRef idx="0">
+            <a:schemeClr val="accent1"/>
+          </a:effectRef>
+          <a:fontRef idx="minor">
+            <a:schemeClr val="tx1"/>
+          </a:fontRef>
+        </p:style>
+        <p:txBody>
+          <a:bodyPr rtlCol="0" anchor="ctr"/>
+          <a:lstStyle/>
+          <a:p>
+            <a:pPr algn="ctr"/>
             <a:endParaRPr lang="en-US"/>
+          </a:p>
+        </p:txBody>
+      </p:sp>
+      <p:cxnSp>
+        <p:nvCxnSpPr>
+          <p:cNvPr id="12" name="Straight Arrow Connector 11">
+            <a:extLst>
+              <a:ext uri="{FF2B5EF4-FFF2-40B4-BE49-F238E27FC236}">
+                <a16:creationId xmlns:a16="http://schemas.microsoft.com/office/drawing/2014/main" id="{DCD4183F-725B-46BD-ACE1-45D841FD435F}"/>
+              </a:ext>
+            </a:extLst>
+          </p:cNvPr>
+          <p:cNvCxnSpPr>
+            <a:cxnSpLocks/>
+          </p:cNvCxnSpPr>
+          <p:nvPr/>
+        </p:nvCxnSpPr>
+        <p:spPr>
+          <a:xfrm flipV="1">
+            <a:off x="6103347" y="5152498"/>
+            <a:ext cx="782195" cy="1"/>
+          </a:xfrm>
+          <a:prstGeom prst="straightConnector1">
+            <a:avLst/>
+          </a:prstGeom>
+          <a:ln>
+            <a:tailEnd type="triangle"/>
+          </a:ln>
+        </p:spPr>
+        <p:style>
+          <a:lnRef idx="1">
+            <a:schemeClr val="accent1"/>
+          </a:lnRef>
+          <a:fillRef idx="0">
+            <a:schemeClr val="accent1"/>
+          </a:fillRef>
+          <a:effectRef idx="0">
+            <a:schemeClr val="accent1"/>
+          </a:effectRef>
+          <a:fontRef idx="minor">
+            <a:schemeClr val="tx1"/>
+          </a:fontRef>
+        </p:style>
+      </p:cxnSp>
+      <p:sp>
+        <p:nvSpPr>
+          <p:cNvPr id="14" name="TextBox 13">
+            <a:extLst>
+              <a:ext uri="{FF2B5EF4-FFF2-40B4-BE49-F238E27FC236}">
+                <a16:creationId xmlns:a16="http://schemas.microsoft.com/office/drawing/2014/main" id="{27B3798F-6F50-4F14-86EB-E403ED6B1EEA}"/>
+              </a:ext>
+            </a:extLst>
+          </p:cNvPr>
+          <p:cNvSpPr txBox="1"/>
+          <p:nvPr/>
+        </p:nvSpPr>
+        <p:spPr>
+          <a:xfrm>
+            <a:off x="6900234" y="4940867"/>
+            <a:ext cx="4968608" cy="369332"/>
+          </a:xfrm>
+          <a:prstGeom prst="rect">
+            <a:avLst/>
+          </a:prstGeom>
+          <a:noFill/>
+        </p:spPr>
+        <p:txBody>
+          <a:bodyPr wrap="square" rtlCol="0">
+            <a:spAutoFit/>
+          </a:bodyPr>
+          <a:lstStyle/>
+          <a:p>
+            <a:r>
+              <a:rPr lang="en-US" dirty="0"/>
+              <a:t>Access object’s properties, method and events</a:t>
+            </a:r>
           </a:p>
         </p:txBody>
       </p:sp>
@@ -4126,6 +4906,323 @@
     <p:extLst>
       <p:ext uri="{BB962C8B-B14F-4D97-AF65-F5344CB8AC3E}">
         <p14:creationId xmlns:p14="http://schemas.microsoft.com/office/powerpoint/2010/main" val="369540833"/>
+      </p:ext>
+    </p:extLst>
+  </p:cSld>
+  <p:clrMapOvr>
+    <a:masterClrMapping/>
+  </p:clrMapOvr>
+</p:sld>
+</file>
+
+<file path=ppt/slides/slide16.xml><?xml version="1.0" encoding="utf-8"?>
+<p:sld xmlns:a="http://schemas.openxmlformats.org/drawingml/2006/main" xmlns:r="http://schemas.openxmlformats.org/officeDocument/2006/relationships" xmlns:p="http://schemas.openxmlformats.org/presentationml/2006/main">
+  <p:cSld>
+    <p:spTree>
+      <p:nvGrpSpPr>
+        <p:cNvPr id="1" name=""/>
+        <p:cNvGrpSpPr/>
+        <p:nvPr/>
+      </p:nvGrpSpPr>
+      <p:grpSpPr>
+        <a:xfrm>
+          <a:off x="0" y="0"/>
+          <a:ext cx="0" cy="0"/>
+          <a:chOff x="0" y="0"/>
+          <a:chExt cx="0" cy="0"/>
+        </a:xfrm>
+      </p:grpSpPr>
+      <p:sp>
+        <p:nvSpPr>
+          <p:cNvPr id="2" name="Title 1">
+            <a:extLst>
+              <a:ext uri="{FF2B5EF4-FFF2-40B4-BE49-F238E27FC236}">
+                <a16:creationId xmlns:a16="http://schemas.microsoft.com/office/drawing/2014/main" id="{EF5FADE5-2540-44E0-9A25-942D6807B7BA}"/>
+              </a:ext>
+            </a:extLst>
+          </p:cNvPr>
+          <p:cNvSpPr>
+            <a:spLocks noGrp="1"/>
+          </p:cNvSpPr>
+          <p:nvPr>
+            <p:ph type="title"/>
+          </p:nvPr>
+        </p:nvSpPr>
+        <p:spPr/>
+        <p:txBody>
+          <a:bodyPr/>
+          <a:lstStyle/>
+          <a:p>
+            <a:r>
+              <a:rPr lang="en-US" dirty="0"/>
+              <a:t>Continue..</a:t>
+            </a:r>
+          </a:p>
+        </p:txBody>
+      </p:sp>
+      <p:pic>
+        <p:nvPicPr>
+          <p:cNvPr id="5" name="Content Placeholder 4">
+            <a:extLst>
+              <a:ext uri="{FF2B5EF4-FFF2-40B4-BE49-F238E27FC236}">
+                <a16:creationId xmlns:a16="http://schemas.microsoft.com/office/drawing/2014/main" id="{F60C14BE-7356-4EB6-A2FE-4E6AFE834260}"/>
+              </a:ext>
+            </a:extLst>
+          </p:cNvPr>
+          <p:cNvPicPr>
+            <a:picLocks noGrp="1" noChangeAspect="1"/>
+          </p:cNvPicPr>
+          <p:nvPr>
+            <p:ph idx="1"/>
+          </p:nvPr>
+        </p:nvPicPr>
+        <p:blipFill>
+          <a:blip r:embed="rId2"/>
+          <a:stretch>
+            <a:fillRect/>
+          </a:stretch>
+        </p:blipFill>
+        <p:spPr>
+          <a:xfrm>
+            <a:off x="1385428" y="1795462"/>
+            <a:ext cx="7768821" cy="3845174"/>
+          </a:xfrm>
+        </p:spPr>
+      </p:pic>
+      <p:sp>
+        <p:nvSpPr>
+          <p:cNvPr id="6" name="TextBox 5">
+            <a:extLst>
+              <a:ext uri="{FF2B5EF4-FFF2-40B4-BE49-F238E27FC236}">
+                <a16:creationId xmlns:a16="http://schemas.microsoft.com/office/drawing/2014/main" id="{7545F5C5-D03E-41A2-92F6-823F69E77819}"/>
+              </a:ext>
+            </a:extLst>
+          </p:cNvPr>
+          <p:cNvSpPr txBox="1"/>
+          <p:nvPr/>
+        </p:nvSpPr>
+        <p:spPr>
+          <a:xfrm>
+            <a:off x="8582140" y="2858609"/>
+            <a:ext cx="3128790" cy="369332"/>
+          </a:xfrm>
+          <a:prstGeom prst="rect">
+            <a:avLst/>
+          </a:prstGeom>
+          <a:noFill/>
+        </p:spPr>
+        <p:txBody>
+          <a:bodyPr wrap="square" rtlCol="0">
+            <a:spAutoFit/>
+          </a:bodyPr>
+          <a:lstStyle/>
+          <a:p>
+            <a:r>
+              <a:rPr lang="en-US" dirty="0"/>
+              <a:t>Correction “D:F”</a:t>
+            </a:r>
+          </a:p>
+        </p:txBody>
+      </p:sp>
+      <p:cxnSp>
+        <p:nvCxnSpPr>
+          <p:cNvPr id="8" name="Straight Arrow Connector 7">
+            <a:extLst>
+              <a:ext uri="{FF2B5EF4-FFF2-40B4-BE49-F238E27FC236}">
+                <a16:creationId xmlns:a16="http://schemas.microsoft.com/office/drawing/2014/main" id="{95288961-C9D4-42C1-A010-CA74CFA180AC}"/>
+              </a:ext>
+            </a:extLst>
+          </p:cNvPr>
+          <p:cNvCxnSpPr/>
+          <p:nvPr/>
+        </p:nvCxnSpPr>
+        <p:spPr>
+          <a:xfrm flipV="1">
+            <a:off x="7061812" y="3106757"/>
+            <a:ext cx="1520328" cy="121185"/>
+          </a:xfrm>
+          <a:prstGeom prst="straightConnector1">
+            <a:avLst/>
+          </a:prstGeom>
+          <a:ln>
+            <a:tailEnd type="triangle"/>
+          </a:ln>
+        </p:spPr>
+        <p:style>
+          <a:lnRef idx="1">
+            <a:schemeClr val="accent1"/>
+          </a:lnRef>
+          <a:fillRef idx="0">
+            <a:schemeClr val="accent1"/>
+          </a:fillRef>
+          <a:effectRef idx="0">
+            <a:schemeClr val="accent1"/>
+          </a:effectRef>
+          <a:fontRef idx="minor">
+            <a:schemeClr val="tx1"/>
+          </a:fontRef>
+        </p:style>
+      </p:cxnSp>
+      <p:cxnSp>
+        <p:nvCxnSpPr>
+          <p:cNvPr id="9" name="Straight Arrow Connector 8">
+            <a:extLst>
+              <a:ext uri="{FF2B5EF4-FFF2-40B4-BE49-F238E27FC236}">
+                <a16:creationId xmlns:a16="http://schemas.microsoft.com/office/drawing/2014/main" id="{701FD910-3FEC-4A40-992B-5CE9B2A39B5D}"/>
+              </a:ext>
+            </a:extLst>
+          </p:cNvPr>
+          <p:cNvCxnSpPr>
+            <a:cxnSpLocks/>
+          </p:cNvCxnSpPr>
+          <p:nvPr/>
+        </p:nvCxnSpPr>
+        <p:spPr>
+          <a:xfrm>
+            <a:off x="6786390" y="3613666"/>
+            <a:ext cx="1795750" cy="16393"/>
+          </a:xfrm>
+          <a:prstGeom prst="straightConnector1">
+            <a:avLst/>
+          </a:prstGeom>
+          <a:ln>
+            <a:tailEnd type="triangle"/>
+          </a:ln>
+        </p:spPr>
+        <p:style>
+          <a:lnRef idx="1">
+            <a:schemeClr val="accent1"/>
+          </a:lnRef>
+          <a:fillRef idx="0">
+            <a:schemeClr val="accent1"/>
+          </a:fillRef>
+          <a:effectRef idx="0">
+            <a:schemeClr val="accent1"/>
+          </a:effectRef>
+          <a:fontRef idx="minor">
+            <a:schemeClr val="tx1"/>
+          </a:fontRef>
+        </p:style>
+      </p:cxnSp>
+      <p:sp>
+        <p:nvSpPr>
+          <p:cNvPr id="11" name="TextBox 10">
+            <a:extLst>
+              <a:ext uri="{FF2B5EF4-FFF2-40B4-BE49-F238E27FC236}">
+                <a16:creationId xmlns:a16="http://schemas.microsoft.com/office/drawing/2014/main" id="{124050B8-3116-463B-B02C-7A60790721BB}"/>
+              </a:ext>
+            </a:extLst>
+          </p:cNvPr>
+          <p:cNvSpPr txBox="1"/>
+          <p:nvPr/>
+        </p:nvSpPr>
+        <p:spPr>
+          <a:xfrm>
+            <a:off x="8701489" y="3429000"/>
+            <a:ext cx="3128790" cy="369332"/>
+          </a:xfrm>
+          <a:prstGeom prst="rect">
+            <a:avLst/>
+          </a:prstGeom>
+          <a:noFill/>
+        </p:spPr>
+        <p:txBody>
+          <a:bodyPr wrap="square" rtlCol="0">
+            <a:spAutoFit/>
+          </a:bodyPr>
+          <a:lstStyle/>
+          <a:p>
+            <a:r>
+              <a:rPr lang="en-US" dirty="0"/>
+              <a:t>Correction “4:10”</a:t>
+            </a:r>
+          </a:p>
+        </p:txBody>
+      </p:sp>
+    </p:spTree>
+    <p:extLst>
+      <p:ext uri="{BB962C8B-B14F-4D97-AF65-F5344CB8AC3E}">
+        <p14:creationId xmlns:p14="http://schemas.microsoft.com/office/powerpoint/2010/main" val="829272335"/>
+      </p:ext>
+    </p:extLst>
+  </p:cSld>
+  <p:clrMapOvr>
+    <a:masterClrMapping/>
+  </p:clrMapOvr>
+</p:sld>
+</file>
+
+<file path=ppt/slides/slide17.xml><?xml version="1.0" encoding="utf-8"?>
+<p:sld xmlns:a="http://schemas.openxmlformats.org/drawingml/2006/main" xmlns:r="http://schemas.openxmlformats.org/officeDocument/2006/relationships" xmlns:p="http://schemas.openxmlformats.org/presentationml/2006/main">
+  <p:cSld>
+    <p:spTree>
+      <p:nvGrpSpPr>
+        <p:cNvPr id="1" name=""/>
+        <p:cNvGrpSpPr/>
+        <p:nvPr/>
+      </p:nvGrpSpPr>
+      <p:grpSpPr>
+        <a:xfrm>
+          <a:off x="0" y="0"/>
+          <a:ext cx="0" cy="0"/>
+          <a:chOff x="0" y="0"/>
+          <a:chExt cx="0" cy="0"/>
+        </a:xfrm>
+      </p:grpSpPr>
+      <p:sp>
+        <p:nvSpPr>
+          <p:cNvPr id="2" name="Title 1">
+            <a:extLst>
+              <a:ext uri="{FF2B5EF4-FFF2-40B4-BE49-F238E27FC236}">
+                <a16:creationId xmlns:a16="http://schemas.microsoft.com/office/drawing/2014/main" id="{1A471267-865A-4DFC-8405-655097889094}"/>
+              </a:ext>
+            </a:extLst>
+          </p:cNvPr>
+          <p:cNvSpPr>
+            <a:spLocks noGrp="1"/>
+          </p:cNvSpPr>
+          <p:nvPr>
+            <p:ph type="title"/>
+          </p:nvPr>
+        </p:nvSpPr>
+        <p:spPr/>
+        <p:txBody>
+          <a:bodyPr/>
+          <a:lstStyle/>
+          <a:p>
+            <a:endParaRPr lang="en-US" dirty="0"/>
+          </a:p>
+        </p:txBody>
+      </p:sp>
+      <p:sp>
+        <p:nvSpPr>
+          <p:cNvPr id="3" name="Content Placeholder 2">
+            <a:extLst>
+              <a:ext uri="{FF2B5EF4-FFF2-40B4-BE49-F238E27FC236}">
+                <a16:creationId xmlns:a16="http://schemas.microsoft.com/office/drawing/2014/main" id="{88A0269B-F2EE-4148-8EC1-6B3C2469AD5C}"/>
+              </a:ext>
+            </a:extLst>
+          </p:cNvPr>
+          <p:cNvSpPr>
+            <a:spLocks noGrp="1"/>
+          </p:cNvSpPr>
+          <p:nvPr>
+            <p:ph idx="1"/>
+          </p:nvPr>
+        </p:nvSpPr>
+        <p:spPr/>
+        <p:txBody>
+          <a:bodyPr/>
+          <a:lstStyle/>
+          <a:p>
+            <a:endParaRPr lang="en-US"/>
+          </a:p>
+        </p:txBody>
+      </p:sp>
+    </p:spTree>
+    <p:extLst>
+      <p:ext uri="{BB962C8B-B14F-4D97-AF65-F5344CB8AC3E}">
+        <p14:creationId xmlns:p14="http://schemas.microsoft.com/office/powerpoint/2010/main" val="678607098"/>
       </p:ext>
     </p:extLst>
   </p:cSld>
@@ -4157,6 +5254,92 @@
           <p:cNvPr id="2" name="Title 1">
             <a:extLst>
               <a:ext uri="{FF2B5EF4-FFF2-40B4-BE49-F238E27FC236}">
+                <a16:creationId xmlns:a16="http://schemas.microsoft.com/office/drawing/2014/main" id="{E48B3AE7-A749-4143-8B22-61D2A7B87671}"/>
+              </a:ext>
+            </a:extLst>
+          </p:cNvPr>
+          <p:cNvSpPr>
+            <a:spLocks noGrp="1"/>
+          </p:cNvSpPr>
+          <p:nvPr>
+            <p:ph type="title"/>
+          </p:nvPr>
+        </p:nvSpPr>
+        <p:spPr/>
+        <p:txBody>
+          <a:bodyPr/>
+          <a:lstStyle/>
+          <a:p>
+            <a:r>
+              <a:rPr lang="en-US" dirty="0"/>
+              <a:t>To turn on Developer</a:t>
+            </a:r>
+          </a:p>
+        </p:txBody>
+      </p:sp>
+      <p:sp>
+        <p:nvSpPr>
+          <p:cNvPr id="3" name="Content Placeholder 2">
+            <a:extLst>
+              <a:ext uri="{FF2B5EF4-FFF2-40B4-BE49-F238E27FC236}">
+                <a16:creationId xmlns:a16="http://schemas.microsoft.com/office/drawing/2014/main" id="{5051E388-5EAB-4A43-97DE-A3AA19EC2B45}"/>
+              </a:ext>
+            </a:extLst>
+          </p:cNvPr>
+          <p:cNvSpPr>
+            <a:spLocks noGrp="1"/>
+          </p:cNvSpPr>
+          <p:nvPr>
+            <p:ph idx="1"/>
+          </p:nvPr>
+        </p:nvSpPr>
+        <p:spPr/>
+        <p:txBody>
+          <a:bodyPr/>
+          <a:lstStyle/>
+          <a:p>
+            <a:r>
+              <a:rPr lang="en-US" dirty="0"/>
+              <a:t>File-&gt; options-&gt; customize ribbon-&gt; developer</a:t>
+            </a:r>
+          </a:p>
+        </p:txBody>
+      </p:sp>
+    </p:spTree>
+    <p:extLst>
+      <p:ext uri="{BB962C8B-B14F-4D97-AF65-F5344CB8AC3E}">
+        <p14:creationId xmlns:p14="http://schemas.microsoft.com/office/powerpoint/2010/main" val="212172108"/>
+      </p:ext>
+    </p:extLst>
+  </p:cSld>
+  <p:clrMapOvr>
+    <a:masterClrMapping/>
+  </p:clrMapOvr>
+</p:sld>
+</file>
+
+<file path=ppt/slides/slide3.xml><?xml version="1.0" encoding="utf-8"?>
+<p:sld xmlns:a="http://schemas.openxmlformats.org/drawingml/2006/main" xmlns:r="http://schemas.openxmlformats.org/officeDocument/2006/relationships" xmlns:p="http://schemas.openxmlformats.org/presentationml/2006/main">
+  <p:cSld>
+    <p:spTree>
+      <p:nvGrpSpPr>
+        <p:cNvPr id="1" name=""/>
+        <p:cNvGrpSpPr/>
+        <p:nvPr/>
+      </p:nvGrpSpPr>
+      <p:grpSpPr>
+        <a:xfrm>
+          <a:off x="0" y="0"/>
+          <a:ext cx="0" cy="0"/>
+          <a:chOff x="0" y="0"/>
+          <a:chExt cx="0" cy="0"/>
+        </a:xfrm>
+      </p:grpSpPr>
+      <p:sp>
+        <p:nvSpPr>
+          <p:cNvPr id="2" name="Title 1">
+            <a:extLst>
+              <a:ext uri="{FF2B5EF4-FFF2-40B4-BE49-F238E27FC236}">
                 <a16:creationId xmlns:a16="http://schemas.microsoft.com/office/drawing/2014/main" id="{CE313FC7-6871-4E9F-B76F-B7273B714194}"/>
               </a:ext>
             </a:extLst>
@@ -4222,7 +5405,7 @@
 </p:sld>
 </file>
 
-<file path=ppt/slides/slide3.xml><?xml version="1.0" encoding="utf-8"?>
+<file path=ppt/slides/slide4.xml><?xml version="1.0" encoding="utf-8"?>
 <p:sld xmlns:a="http://schemas.openxmlformats.org/drawingml/2006/main" xmlns:r="http://schemas.openxmlformats.org/officeDocument/2006/relationships" xmlns:p="http://schemas.openxmlformats.org/presentationml/2006/main">
   <p:cSld>
     <p:spTree>
@@ -4435,209 +5618,6 @@
 </p:sld>
 </file>
 
-<file path=ppt/slides/slide4.xml><?xml version="1.0" encoding="utf-8"?>
-<p:sld xmlns:a="http://schemas.openxmlformats.org/drawingml/2006/main" xmlns:r="http://schemas.openxmlformats.org/officeDocument/2006/relationships" xmlns:p="http://schemas.openxmlformats.org/presentationml/2006/main">
-  <p:cSld>
-    <p:spTree>
-      <p:nvGrpSpPr>
-        <p:cNvPr id="1" name=""/>
-        <p:cNvGrpSpPr/>
-        <p:nvPr/>
-      </p:nvGrpSpPr>
-      <p:grpSpPr>
-        <a:xfrm>
-          <a:off x="0" y="0"/>
-          <a:ext cx="0" cy="0"/>
-          <a:chOff x="0" y="0"/>
-          <a:chExt cx="0" cy="0"/>
-        </a:xfrm>
-      </p:grpSpPr>
-      <p:sp>
-        <p:nvSpPr>
-          <p:cNvPr id="2" name="Title 1">
-            <a:extLst>
-              <a:ext uri="{FF2B5EF4-FFF2-40B4-BE49-F238E27FC236}">
-                <a16:creationId xmlns:a16="http://schemas.microsoft.com/office/drawing/2014/main" id="{F8625C23-5F1C-45D5-B592-43D85580107D}"/>
-              </a:ext>
-            </a:extLst>
-          </p:cNvPr>
-          <p:cNvSpPr>
-            <a:spLocks noGrp="1"/>
-          </p:cNvSpPr>
-          <p:nvPr>
-            <p:ph type="title"/>
-          </p:nvPr>
-        </p:nvSpPr>
-        <p:spPr>
-          <a:xfrm>
-            <a:off x="838200" y="-35824"/>
-            <a:ext cx="10515600" cy="1325563"/>
-          </a:xfrm>
-        </p:spPr>
-        <p:txBody>
-          <a:bodyPr/>
-          <a:lstStyle/>
-          <a:p>
-            <a:r>
-              <a:rPr lang="en-US" dirty="0"/>
-              <a:t>Subroutines and Functions</a:t>
-            </a:r>
-          </a:p>
-        </p:txBody>
-      </p:sp>
-      <p:pic>
-        <p:nvPicPr>
-          <p:cNvPr id="5" name="Content Placeholder 4">
-            <a:extLst>
-              <a:ext uri="{FF2B5EF4-FFF2-40B4-BE49-F238E27FC236}">
-                <a16:creationId xmlns:a16="http://schemas.microsoft.com/office/drawing/2014/main" id="{761696E3-EB29-4EF5-A0F2-AE0E478D96C9}"/>
-              </a:ext>
-            </a:extLst>
-          </p:cNvPr>
-          <p:cNvPicPr>
-            <a:picLocks noGrp="1" noChangeAspect="1"/>
-          </p:cNvPicPr>
-          <p:nvPr>
-            <p:ph idx="1"/>
-          </p:nvPr>
-        </p:nvPicPr>
-        <p:blipFill>
-          <a:blip r:embed="rId2"/>
-          <a:stretch>
-            <a:fillRect/>
-          </a:stretch>
-        </p:blipFill>
-        <p:spPr>
-          <a:xfrm>
-            <a:off x="319905" y="2310177"/>
-            <a:ext cx="5463534" cy="4068589"/>
-          </a:xfrm>
-        </p:spPr>
-      </p:pic>
-      <p:sp>
-        <p:nvSpPr>
-          <p:cNvPr id="10" name="TextBox 9">
-            <a:extLst>
-              <a:ext uri="{FF2B5EF4-FFF2-40B4-BE49-F238E27FC236}">
-                <a16:creationId xmlns:a16="http://schemas.microsoft.com/office/drawing/2014/main" id="{ADDBD638-721F-4F67-87D2-0E9902DB3B38}"/>
-              </a:ext>
-            </a:extLst>
-          </p:cNvPr>
-          <p:cNvSpPr txBox="1"/>
-          <p:nvPr/>
-        </p:nvSpPr>
-        <p:spPr>
-          <a:xfrm>
-            <a:off x="573795" y="1488598"/>
-            <a:ext cx="2477877" cy="369332"/>
-          </a:xfrm>
-          <a:prstGeom prst="rect">
-            <a:avLst/>
-          </a:prstGeom>
-          <a:noFill/>
-        </p:spPr>
-        <p:txBody>
-          <a:bodyPr wrap="square" rtlCol="0">
-            <a:spAutoFit/>
-          </a:bodyPr>
-          <a:lstStyle/>
-          <a:p>
-            <a:r>
-              <a:rPr lang="en-US" dirty="0"/>
-              <a:t>Example of subroutines:</a:t>
-            </a:r>
-          </a:p>
-        </p:txBody>
-      </p:sp>
-      <p:cxnSp>
-        <p:nvCxnSpPr>
-          <p:cNvPr id="12" name="Straight Arrow Connector 11">
-            <a:extLst>
-              <a:ext uri="{FF2B5EF4-FFF2-40B4-BE49-F238E27FC236}">
-                <a16:creationId xmlns:a16="http://schemas.microsoft.com/office/drawing/2014/main" id="{216F4D97-B54D-41AD-B0D8-0B0D5AB216B2}"/>
-              </a:ext>
-            </a:extLst>
-          </p:cNvPr>
-          <p:cNvCxnSpPr>
-            <a:cxnSpLocks/>
-          </p:cNvCxnSpPr>
-          <p:nvPr/>
-        </p:nvCxnSpPr>
-        <p:spPr>
-          <a:xfrm flipV="1">
-            <a:off x="3933022" y="4395730"/>
-            <a:ext cx="3249976" cy="1112704"/>
-          </a:xfrm>
-          <a:prstGeom prst="straightConnector1">
-            <a:avLst/>
-          </a:prstGeom>
-          <a:ln>
-            <a:tailEnd type="triangle"/>
-          </a:ln>
-        </p:spPr>
-        <p:style>
-          <a:lnRef idx="1">
-            <a:schemeClr val="accent1"/>
-          </a:lnRef>
-          <a:fillRef idx="0">
-            <a:schemeClr val="accent1"/>
-          </a:fillRef>
-          <a:effectRef idx="0">
-            <a:schemeClr val="accent1"/>
-          </a:effectRef>
-          <a:fontRef idx="minor">
-            <a:schemeClr val="tx1"/>
-          </a:fontRef>
-        </p:style>
-      </p:cxnSp>
-      <p:sp>
-        <p:nvSpPr>
-          <p:cNvPr id="13" name="TextBox 12">
-            <a:extLst>
-              <a:ext uri="{FF2B5EF4-FFF2-40B4-BE49-F238E27FC236}">
-                <a16:creationId xmlns:a16="http://schemas.microsoft.com/office/drawing/2014/main" id="{5677ADF1-C04F-4783-9E8F-54BF98B2859E}"/>
-              </a:ext>
-            </a:extLst>
-          </p:cNvPr>
-          <p:cNvSpPr txBox="1"/>
-          <p:nvPr/>
-        </p:nvSpPr>
-        <p:spPr>
-          <a:xfrm>
-            <a:off x="7304182" y="4021157"/>
-            <a:ext cx="3723701" cy="646331"/>
-          </a:xfrm>
-          <a:prstGeom prst="rect">
-            <a:avLst/>
-          </a:prstGeom>
-          <a:noFill/>
-        </p:spPr>
-        <p:txBody>
-          <a:bodyPr wrap="square" rtlCol="0">
-            <a:spAutoFit/>
-          </a:bodyPr>
-          <a:lstStyle/>
-          <a:p>
-            <a:r>
-              <a:rPr lang="en-US" dirty="0"/>
-              <a:t>Most of the cases, user no need to provide any arguments </a:t>
-            </a:r>
-          </a:p>
-        </p:txBody>
-      </p:sp>
-    </p:spTree>
-    <p:extLst>
-      <p:ext uri="{BB962C8B-B14F-4D97-AF65-F5344CB8AC3E}">
-        <p14:creationId xmlns:p14="http://schemas.microsoft.com/office/powerpoint/2010/main" val="3719708989"/>
-      </p:ext>
-    </p:extLst>
-  </p:cSld>
-  <p:clrMapOvr>
-    <a:masterClrMapping/>
-  </p:clrMapOvr>
-</p:sld>
-</file>
-
 <file path=ppt/slides/slide5.xml><?xml version="1.0" encoding="utf-8"?>
 <p:sld xmlns:a="http://schemas.openxmlformats.org/drawingml/2006/main" xmlns:r="http://schemas.openxmlformats.org/officeDocument/2006/relationships" xmlns:p="http://schemas.openxmlformats.org/presentationml/2006/main">
   <p:cSld>
@@ -4660,7 +5640,7 @@
           <p:cNvPr id="2" name="Title 1">
             <a:extLst>
               <a:ext uri="{FF2B5EF4-FFF2-40B4-BE49-F238E27FC236}">
-                <a16:creationId xmlns:a16="http://schemas.microsoft.com/office/drawing/2014/main" id="{4CFB870E-34EC-4CCE-B693-F3F53AF7671C}"/>
+                <a16:creationId xmlns:a16="http://schemas.microsoft.com/office/drawing/2014/main" id="{F8625C23-5F1C-45D5-B592-43D85580107D}"/>
               </a:ext>
             </a:extLst>
           </p:cNvPr>
@@ -4673,7 +5653,7 @@
         </p:nvSpPr>
         <p:spPr>
           <a:xfrm>
-            <a:off x="474643" y="157293"/>
+            <a:off x="838200" y="-35824"/>
             <a:ext cx="10515600" cy="1325563"/>
           </a:xfrm>
         </p:spPr>
@@ -4683,7 +5663,7 @@
           <a:p>
             <a:r>
               <a:rPr lang="en-US" dirty="0"/>
-              <a:t>Example of subroutine</a:t>
+              <a:t>Subroutines and Functions</a:t>
             </a:r>
           </a:p>
         </p:txBody>
@@ -4693,7 +5673,7 @@
           <p:cNvPr id="5" name="Content Placeholder 4">
             <a:extLst>
               <a:ext uri="{FF2B5EF4-FFF2-40B4-BE49-F238E27FC236}">
-                <a16:creationId xmlns:a16="http://schemas.microsoft.com/office/drawing/2014/main" id="{F7F3BBBD-B1CF-41D2-B109-EF60BDC711A7}"/>
+                <a16:creationId xmlns:a16="http://schemas.microsoft.com/office/drawing/2014/main" id="{761696E3-EB29-4EF5-A0F2-AE0E478D96C9}"/>
               </a:ext>
             </a:extLst>
           </p:cNvPr>
@@ -4712,47 +5692,52 @@
         </p:blipFill>
         <p:spPr>
           <a:xfrm>
-            <a:off x="198304" y="1728898"/>
-            <a:ext cx="7076235" cy="3206660"/>
+            <a:off x="319905" y="2310177"/>
+            <a:ext cx="5463534" cy="4068589"/>
           </a:xfrm>
         </p:spPr>
       </p:pic>
-      <p:pic>
-        <p:nvPicPr>
-          <p:cNvPr id="7" name="Picture 6">
-            <a:extLst>
-              <a:ext uri="{FF2B5EF4-FFF2-40B4-BE49-F238E27FC236}">
-                <a16:creationId xmlns:a16="http://schemas.microsoft.com/office/drawing/2014/main" id="{37F321EB-AB4C-4923-92A1-B87809562C91}"/>
-              </a:ext>
-            </a:extLst>
-          </p:cNvPr>
-          <p:cNvPicPr>
-            <a:picLocks noChangeAspect="1"/>
-          </p:cNvPicPr>
+      <p:sp>
+        <p:nvSpPr>
+          <p:cNvPr id="10" name="TextBox 9">
+            <a:extLst>
+              <a:ext uri="{FF2B5EF4-FFF2-40B4-BE49-F238E27FC236}">
+                <a16:creationId xmlns:a16="http://schemas.microsoft.com/office/drawing/2014/main" id="{ADDBD638-721F-4F67-87D2-0E9902DB3B38}"/>
+              </a:ext>
+            </a:extLst>
+          </p:cNvPr>
+          <p:cNvSpPr txBox="1"/>
           <p:nvPr/>
-        </p:nvPicPr>
-        <p:blipFill>
-          <a:blip r:embed="rId3"/>
-          <a:stretch>
-            <a:fillRect/>
-          </a:stretch>
-        </p:blipFill>
-        <p:spPr>
-          <a:xfrm>
-            <a:off x="8020280" y="2492025"/>
-            <a:ext cx="3973416" cy="1913801"/>
+        </p:nvSpPr>
+        <p:spPr>
+          <a:xfrm>
+            <a:off x="573795" y="1488598"/>
+            <a:ext cx="2477877" cy="369332"/>
           </a:xfrm>
           <a:prstGeom prst="rect">
             <a:avLst/>
           </a:prstGeom>
-        </p:spPr>
-      </p:pic>
+          <a:noFill/>
+        </p:spPr>
+        <p:txBody>
+          <a:bodyPr wrap="square" rtlCol="0">
+            <a:spAutoFit/>
+          </a:bodyPr>
+          <a:lstStyle/>
+          <a:p>
+            <a:r>
+              <a:rPr lang="en-US" dirty="0"/>
+              <a:t>Example of subroutines:</a:t>
+            </a:r>
+          </a:p>
+        </p:txBody>
+      </p:sp>
       <p:cxnSp>
         <p:nvCxnSpPr>
-          <p:cNvPr id="9" name="Straight Arrow Connector 8">
-            <a:extLst>
-              <a:ext uri="{FF2B5EF4-FFF2-40B4-BE49-F238E27FC236}">
-                <a16:creationId xmlns:a16="http://schemas.microsoft.com/office/drawing/2014/main" id="{41DDD9D6-8823-4A0F-A6FA-56912D9B1311}"/>
+          <p:cNvPr id="12" name="Straight Arrow Connector 11">
+            <a:extLst>
+              <a:ext uri="{FF2B5EF4-FFF2-40B4-BE49-F238E27FC236}">
+                <a16:creationId xmlns:a16="http://schemas.microsoft.com/office/drawing/2014/main" id="{216F4D97-B54D-41AD-B0D8-0B0D5AB216B2}"/>
               </a:ext>
             </a:extLst>
           </p:cNvPr>
@@ -4763,8 +5748,8 @@
         </p:nvCxnSpPr>
         <p:spPr>
           <a:xfrm flipV="1">
-            <a:off x="6610120" y="3332228"/>
-            <a:ext cx="1233890" cy="96774"/>
+            <a:off x="3933022" y="4395730"/>
+            <a:ext cx="3249976" cy="1112704"/>
           </a:xfrm>
           <a:prstGeom prst="straightConnector1">
             <a:avLst/>
@@ -4788,124 +5773,12 @@
           </a:fontRef>
         </p:style>
       </p:cxnSp>
-      <p:cxnSp>
-        <p:nvCxnSpPr>
-          <p:cNvPr id="10" name="Straight Arrow Connector 9">
-            <a:extLst>
-              <a:ext uri="{FF2B5EF4-FFF2-40B4-BE49-F238E27FC236}">
-                <a16:creationId xmlns:a16="http://schemas.microsoft.com/office/drawing/2014/main" id="{85177B29-9555-41EA-9615-F08E6CFB9B8A}"/>
-              </a:ext>
-            </a:extLst>
-          </p:cNvPr>
-          <p:cNvCxnSpPr>
-            <a:cxnSpLocks/>
-          </p:cNvCxnSpPr>
-          <p:nvPr/>
-        </p:nvCxnSpPr>
-        <p:spPr>
-          <a:xfrm>
-            <a:off x="6345716" y="3928291"/>
-            <a:ext cx="1498294" cy="1007267"/>
-          </a:xfrm>
-          <a:prstGeom prst="straightConnector1">
-            <a:avLst/>
-          </a:prstGeom>
-          <a:ln>
-            <a:tailEnd type="triangle"/>
-          </a:ln>
-        </p:spPr>
-        <p:style>
-          <a:lnRef idx="1">
-            <a:schemeClr val="accent1"/>
-          </a:lnRef>
-          <a:fillRef idx="0">
-            <a:schemeClr val="accent1"/>
-          </a:fillRef>
-          <a:effectRef idx="0">
-            <a:schemeClr val="accent1"/>
-          </a:effectRef>
-          <a:fontRef idx="minor">
-            <a:schemeClr val="tx1"/>
-          </a:fontRef>
-        </p:style>
-      </p:cxnSp>
-      <p:pic>
-        <p:nvPicPr>
-          <p:cNvPr id="15" name="Picture 14">
-            <a:extLst>
-              <a:ext uri="{FF2B5EF4-FFF2-40B4-BE49-F238E27FC236}">
-                <a16:creationId xmlns:a16="http://schemas.microsoft.com/office/drawing/2014/main" id="{FD87AB18-7DE0-4E9D-8F67-8B5E9A7AC413}"/>
-              </a:ext>
-            </a:extLst>
-          </p:cNvPr>
-          <p:cNvPicPr>
-            <a:picLocks noChangeAspect="1"/>
-          </p:cNvPicPr>
-          <p:nvPr/>
-        </p:nvPicPr>
-        <p:blipFill>
-          <a:blip r:embed="rId4"/>
-          <a:stretch>
-            <a:fillRect/>
-          </a:stretch>
-        </p:blipFill>
-        <p:spPr>
-          <a:xfrm>
-            <a:off x="7855223" y="4777133"/>
-            <a:ext cx="1702582" cy="1953654"/>
-          </a:xfrm>
-          <a:prstGeom prst="rect">
-            <a:avLst/>
-          </a:prstGeom>
-        </p:spPr>
-      </p:pic>
-      <p:cxnSp>
-        <p:nvCxnSpPr>
-          <p:cNvPr id="20" name="Straight Arrow Connector 19">
-            <a:extLst>
-              <a:ext uri="{FF2B5EF4-FFF2-40B4-BE49-F238E27FC236}">
-                <a16:creationId xmlns:a16="http://schemas.microsoft.com/office/drawing/2014/main" id="{9CFF96EF-BA79-4791-B1FA-B61602E15B7B}"/>
-              </a:ext>
-            </a:extLst>
-          </p:cNvPr>
-          <p:cNvCxnSpPr>
-            <a:cxnSpLocks/>
-          </p:cNvCxnSpPr>
-          <p:nvPr/>
-        </p:nvCxnSpPr>
-        <p:spPr>
-          <a:xfrm flipV="1">
-            <a:off x="4979624" y="1885371"/>
-            <a:ext cx="2875599" cy="909248"/>
-          </a:xfrm>
-          <a:prstGeom prst="straightConnector1">
-            <a:avLst/>
-          </a:prstGeom>
-          <a:ln>
-            <a:tailEnd type="triangle"/>
-          </a:ln>
-        </p:spPr>
-        <p:style>
-          <a:lnRef idx="1">
-            <a:schemeClr val="accent1"/>
-          </a:lnRef>
-          <a:fillRef idx="0">
-            <a:schemeClr val="accent1"/>
-          </a:fillRef>
-          <a:effectRef idx="0">
-            <a:schemeClr val="accent1"/>
-          </a:effectRef>
-          <a:fontRef idx="minor">
-            <a:schemeClr val="tx1"/>
-          </a:fontRef>
-        </p:style>
-      </p:cxnSp>
-      <p:sp>
-        <p:nvSpPr>
-          <p:cNvPr id="24" name="TextBox 23">
-            <a:extLst>
-              <a:ext uri="{FF2B5EF4-FFF2-40B4-BE49-F238E27FC236}">
-                <a16:creationId xmlns:a16="http://schemas.microsoft.com/office/drawing/2014/main" id="{DDF5A267-F8D3-4C9F-8B0D-D5C48B15935E}"/>
+      <p:sp>
+        <p:nvSpPr>
+          <p:cNvPr id="13" name="TextBox 12">
+            <a:extLst>
+              <a:ext uri="{FF2B5EF4-FFF2-40B4-BE49-F238E27FC236}">
+                <a16:creationId xmlns:a16="http://schemas.microsoft.com/office/drawing/2014/main" id="{5677ADF1-C04F-4783-9E8F-54BF98B2859E}"/>
               </a:ext>
             </a:extLst>
           </p:cNvPr>
@@ -4914,8 +5787,8 @@
         </p:nvSpPr>
         <p:spPr>
           <a:xfrm>
-            <a:off x="8020280" y="1728898"/>
-            <a:ext cx="3051672" cy="369332"/>
+            <a:off x="7304182" y="4021157"/>
+            <a:ext cx="3723701" cy="646331"/>
           </a:xfrm>
           <a:prstGeom prst="rect">
             <a:avLst/>
@@ -4930,7 +5803,7 @@
           <a:p>
             <a:r>
               <a:rPr lang="en-US" dirty="0"/>
-              <a:t>To capture any syntax error</a:t>
+              <a:t>Most of the cases, user no need to provide any arguments </a:t>
             </a:r>
           </a:p>
         </p:txBody>
@@ -4938,7 +5811,7 @@
     </p:spTree>
     <p:extLst>
       <p:ext uri="{BB962C8B-B14F-4D97-AF65-F5344CB8AC3E}">
-        <p14:creationId xmlns:p14="http://schemas.microsoft.com/office/powerpoint/2010/main" val="1140444464"/>
+        <p14:creationId xmlns:p14="http://schemas.microsoft.com/office/powerpoint/2010/main" val="3719708989"/>
       </p:ext>
     </p:extLst>
   </p:cSld>
@@ -4970,7 +5843,7 @@
           <p:cNvPr id="2" name="Title 1">
             <a:extLst>
               <a:ext uri="{FF2B5EF4-FFF2-40B4-BE49-F238E27FC236}">
-                <a16:creationId xmlns:a16="http://schemas.microsoft.com/office/drawing/2014/main" id="{FA507BE4-A717-40BC-8709-E2691EDBFA42}"/>
+                <a16:creationId xmlns:a16="http://schemas.microsoft.com/office/drawing/2014/main" id="{4CFB870E-34EC-4CCE-B693-F3F53AF7671C}"/>
               </a:ext>
             </a:extLst>
           </p:cNvPr>
@@ -4981,31 +5854,38 @@
             <p:ph type="title"/>
           </p:nvPr>
         </p:nvSpPr>
-        <p:spPr/>
+        <p:spPr>
+          <a:xfrm>
+            <a:off x="474643" y="157293"/>
+            <a:ext cx="10515600" cy="1325563"/>
+          </a:xfrm>
+        </p:spPr>
         <p:txBody>
           <a:bodyPr/>
           <a:lstStyle/>
           <a:p>
             <a:r>
               <a:rPr lang="en-US" dirty="0"/>
-              <a:t>How to step each line output </a:t>
+              <a:t>Example of subroutine</a:t>
             </a:r>
           </a:p>
         </p:txBody>
       </p:sp>
       <p:pic>
         <p:nvPicPr>
-          <p:cNvPr id="5" name="Picture 4">
-            <a:extLst>
-              <a:ext uri="{FF2B5EF4-FFF2-40B4-BE49-F238E27FC236}">
-                <a16:creationId xmlns:a16="http://schemas.microsoft.com/office/drawing/2014/main" id="{746A927F-4ED4-4BDD-955A-6F8B3978E332}"/>
+          <p:cNvPr id="5" name="Content Placeholder 4">
+            <a:extLst>
+              <a:ext uri="{FF2B5EF4-FFF2-40B4-BE49-F238E27FC236}">
+                <a16:creationId xmlns:a16="http://schemas.microsoft.com/office/drawing/2014/main" id="{F7F3BBBD-B1CF-41D2-B109-EF60BDC711A7}"/>
               </a:ext>
             </a:extLst>
           </p:cNvPr>
           <p:cNvPicPr>
-            <a:picLocks noChangeAspect="1"/>
+            <a:picLocks noGrp="1" noChangeAspect="1"/>
           </p:cNvPicPr>
-          <p:nvPr/>
+          <p:nvPr>
+            <p:ph idx="1"/>
+          </p:nvPr>
         </p:nvPicPr>
         <p:blipFill>
           <a:blip r:embed="rId2"/>
@@ -5015,8 +5895,35 @@
         </p:blipFill>
         <p:spPr>
           <a:xfrm>
-            <a:off x="1630496" y="1798016"/>
-            <a:ext cx="9880007" cy="2770542"/>
+            <a:off x="198304" y="1728898"/>
+            <a:ext cx="7076235" cy="3206660"/>
+          </a:xfrm>
+        </p:spPr>
+      </p:pic>
+      <p:pic>
+        <p:nvPicPr>
+          <p:cNvPr id="7" name="Picture 6">
+            <a:extLst>
+              <a:ext uri="{FF2B5EF4-FFF2-40B4-BE49-F238E27FC236}">
+                <a16:creationId xmlns:a16="http://schemas.microsoft.com/office/drawing/2014/main" id="{37F321EB-AB4C-4923-92A1-B87809562C91}"/>
+              </a:ext>
+            </a:extLst>
+          </p:cNvPr>
+          <p:cNvPicPr>
+            <a:picLocks noChangeAspect="1"/>
+          </p:cNvPicPr>
+          <p:nvPr/>
+        </p:nvPicPr>
+        <p:blipFill>
+          <a:blip r:embed="rId3"/>
+          <a:stretch>
+            <a:fillRect/>
+          </a:stretch>
+        </p:blipFill>
+        <p:spPr>
+          <a:xfrm>
+            <a:off x="8020280" y="2492025"/>
+            <a:ext cx="3973416" cy="1913801"/>
           </a:xfrm>
           <a:prstGeom prst="rect">
             <a:avLst/>
@@ -5025,20 +5932,22 @@
       </p:pic>
       <p:cxnSp>
         <p:nvCxnSpPr>
-          <p:cNvPr id="10" name="Straight Arrow Connector 9">
-            <a:extLst>
-              <a:ext uri="{FF2B5EF4-FFF2-40B4-BE49-F238E27FC236}">
-                <a16:creationId xmlns:a16="http://schemas.microsoft.com/office/drawing/2014/main" id="{464DF9FA-92F5-417D-9DEE-0FF3B7C3D0A4}"/>
-              </a:ext>
-            </a:extLst>
-          </p:cNvPr>
-          <p:cNvCxnSpPr/>
+          <p:cNvPr id="9" name="Straight Arrow Connector 8">
+            <a:extLst>
+              <a:ext uri="{FF2B5EF4-FFF2-40B4-BE49-F238E27FC236}">
+                <a16:creationId xmlns:a16="http://schemas.microsoft.com/office/drawing/2014/main" id="{41DDD9D6-8823-4A0F-A6FA-56912D9B1311}"/>
+              </a:ext>
+            </a:extLst>
+          </p:cNvPr>
+          <p:cNvCxnSpPr>
+            <a:cxnSpLocks/>
+          </p:cNvCxnSpPr>
           <p:nvPr/>
         </p:nvCxnSpPr>
         <p:spPr>
-          <a:xfrm flipH="1">
-            <a:off x="1299990" y="2313542"/>
-            <a:ext cx="661012" cy="0"/>
+          <a:xfrm flipV="1">
+            <a:off x="6610120" y="3332228"/>
+            <a:ext cx="1233890" cy="96774"/>
           </a:xfrm>
           <a:prstGeom prst="straightConnector1">
             <a:avLst/>
@@ -5062,12 +5971,124 @@
           </a:fontRef>
         </p:style>
       </p:cxnSp>
-      <p:sp>
-        <p:nvSpPr>
-          <p:cNvPr id="11" name="TextBox 10">
-            <a:extLst>
-              <a:ext uri="{FF2B5EF4-FFF2-40B4-BE49-F238E27FC236}">
-                <a16:creationId xmlns:a16="http://schemas.microsoft.com/office/drawing/2014/main" id="{42594CE1-643F-4AC8-905E-FD4171757EBD}"/>
+      <p:cxnSp>
+        <p:nvCxnSpPr>
+          <p:cNvPr id="10" name="Straight Arrow Connector 9">
+            <a:extLst>
+              <a:ext uri="{FF2B5EF4-FFF2-40B4-BE49-F238E27FC236}">
+                <a16:creationId xmlns:a16="http://schemas.microsoft.com/office/drawing/2014/main" id="{85177B29-9555-41EA-9615-F08E6CFB9B8A}"/>
+              </a:ext>
+            </a:extLst>
+          </p:cNvPr>
+          <p:cNvCxnSpPr>
+            <a:cxnSpLocks/>
+          </p:cNvCxnSpPr>
+          <p:nvPr/>
+        </p:nvCxnSpPr>
+        <p:spPr>
+          <a:xfrm>
+            <a:off x="6345716" y="3928291"/>
+            <a:ext cx="1498294" cy="1007267"/>
+          </a:xfrm>
+          <a:prstGeom prst="straightConnector1">
+            <a:avLst/>
+          </a:prstGeom>
+          <a:ln>
+            <a:tailEnd type="triangle"/>
+          </a:ln>
+        </p:spPr>
+        <p:style>
+          <a:lnRef idx="1">
+            <a:schemeClr val="accent1"/>
+          </a:lnRef>
+          <a:fillRef idx="0">
+            <a:schemeClr val="accent1"/>
+          </a:fillRef>
+          <a:effectRef idx="0">
+            <a:schemeClr val="accent1"/>
+          </a:effectRef>
+          <a:fontRef idx="minor">
+            <a:schemeClr val="tx1"/>
+          </a:fontRef>
+        </p:style>
+      </p:cxnSp>
+      <p:pic>
+        <p:nvPicPr>
+          <p:cNvPr id="15" name="Picture 14">
+            <a:extLst>
+              <a:ext uri="{FF2B5EF4-FFF2-40B4-BE49-F238E27FC236}">
+                <a16:creationId xmlns:a16="http://schemas.microsoft.com/office/drawing/2014/main" id="{FD87AB18-7DE0-4E9D-8F67-8B5E9A7AC413}"/>
+              </a:ext>
+            </a:extLst>
+          </p:cNvPr>
+          <p:cNvPicPr>
+            <a:picLocks noChangeAspect="1"/>
+          </p:cNvPicPr>
+          <p:nvPr/>
+        </p:nvPicPr>
+        <p:blipFill>
+          <a:blip r:embed="rId4"/>
+          <a:stretch>
+            <a:fillRect/>
+          </a:stretch>
+        </p:blipFill>
+        <p:spPr>
+          <a:xfrm>
+            <a:off x="7855223" y="4777133"/>
+            <a:ext cx="1702582" cy="1953654"/>
+          </a:xfrm>
+          <a:prstGeom prst="rect">
+            <a:avLst/>
+          </a:prstGeom>
+        </p:spPr>
+      </p:pic>
+      <p:cxnSp>
+        <p:nvCxnSpPr>
+          <p:cNvPr id="20" name="Straight Arrow Connector 19">
+            <a:extLst>
+              <a:ext uri="{FF2B5EF4-FFF2-40B4-BE49-F238E27FC236}">
+                <a16:creationId xmlns:a16="http://schemas.microsoft.com/office/drawing/2014/main" id="{9CFF96EF-BA79-4791-B1FA-B61602E15B7B}"/>
+              </a:ext>
+            </a:extLst>
+          </p:cNvPr>
+          <p:cNvCxnSpPr>
+            <a:cxnSpLocks/>
+          </p:cNvCxnSpPr>
+          <p:nvPr/>
+        </p:nvCxnSpPr>
+        <p:spPr>
+          <a:xfrm flipV="1">
+            <a:off x="4979624" y="1885371"/>
+            <a:ext cx="2875599" cy="909248"/>
+          </a:xfrm>
+          <a:prstGeom prst="straightConnector1">
+            <a:avLst/>
+          </a:prstGeom>
+          <a:ln>
+            <a:tailEnd type="triangle"/>
+          </a:ln>
+        </p:spPr>
+        <p:style>
+          <a:lnRef idx="1">
+            <a:schemeClr val="accent1"/>
+          </a:lnRef>
+          <a:fillRef idx="0">
+            <a:schemeClr val="accent1"/>
+          </a:fillRef>
+          <a:effectRef idx="0">
+            <a:schemeClr val="accent1"/>
+          </a:effectRef>
+          <a:fontRef idx="minor">
+            <a:schemeClr val="tx1"/>
+          </a:fontRef>
+        </p:style>
+      </p:cxnSp>
+      <p:sp>
+        <p:nvSpPr>
+          <p:cNvPr id="24" name="TextBox 23">
+            <a:extLst>
+              <a:ext uri="{FF2B5EF4-FFF2-40B4-BE49-F238E27FC236}">
+                <a16:creationId xmlns:a16="http://schemas.microsoft.com/office/drawing/2014/main" id="{DDF5A267-F8D3-4C9F-8B0D-D5C48B15935E}"/>
               </a:ext>
             </a:extLst>
           </p:cNvPr>
@@ -5076,8 +6097,8 @@
         </p:nvSpPr>
         <p:spPr>
           <a:xfrm>
-            <a:off x="144138" y="2128876"/>
-            <a:ext cx="1388124" cy="369332"/>
+            <a:off x="8020280" y="1728898"/>
+            <a:ext cx="3051672" cy="369332"/>
           </a:xfrm>
           <a:prstGeom prst="rect">
             <a:avLst/>
@@ -5092,7 +6113,7 @@
           <a:p>
             <a:r>
               <a:rPr lang="en-US" dirty="0"/>
-              <a:t>Press “F8”</a:t>
+              <a:t>To capture any syntax error</a:t>
             </a:r>
           </a:p>
         </p:txBody>
@@ -5100,7 +6121,7 @@
     </p:spTree>
     <p:extLst>
       <p:ext uri="{BB962C8B-B14F-4D97-AF65-F5344CB8AC3E}">
-        <p14:creationId xmlns:p14="http://schemas.microsoft.com/office/powerpoint/2010/main" val="976117331"/>
+        <p14:creationId xmlns:p14="http://schemas.microsoft.com/office/powerpoint/2010/main" val="1140444464"/>
       </p:ext>
     </p:extLst>
   </p:cSld>
@@ -5132,7 +6153,7 @@
           <p:cNvPr id="2" name="Title 1">
             <a:extLst>
               <a:ext uri="{FF2B5EF4-FFF2-40B4-BE49-F238E27FC236}">
-                <a16:creationId xmlns:a16="http://schemas.microsoft.com/office/drawing/2014/main" id="{E2A27F44-9941-480D-807A-2E4FA1AE1E55}"/>
+                <a16:creationId xmlns:a16="http://schemas.microsoft.com/office/drawing/2014/main" id="{A22866A1-3D90-4112-A1E4-E5C1691BAD33}"/>
               </a:ext>
             </a:extLst>
           </p:cNvPr>
@@ -5143,14 +6164,21 @@
             <p:ph type="title"/>
           </p:nvPr>
         </p:nvSpPr>
-        <p:spPr/>
-        <p:txBody>
-          <a:bodyPr/>
+        <p:spPr>
+          <a:xfrm>
+            <a:off x="904300" y="365125"/>
+            <a:ext cx="10449499" cy="646331"/>
+          </a:xfrm>
+        </p:spPr>
+        <p:txBody>
+          <a:bodyPr>
+            <a:normAutofit fontScale="90000"/>
+          </a:bodyPr>
           <a:lstStyle/>
           <a:p>
             <a:r>
               <a:rPr lang="en-US" dirty="0"/>
-              <a:t>Functions</a:t>
+              <a:t>Example of subroutine 1</a:t>
             </a:r>
           </a:p>
         </p:txBody>
@@ -5160,7 +6188,7 @@
           <p:cNvPr id="5" name="Content Placeholder 4">
             <a:extLst>
               <a:ext uri="{FF2B5EF4-FFF2-40B4-BE49-F238E27FC236}">
-                <a16:creationId xmlns:a16="http://schemas.microsoft.com/office/drawing/2014/main" id="{A5B34300-75E7-4B44-886B-F78EAF133452}"/>
+                <a16:creationId xmlns:a16="http://schemas.microsoft.com/office/drawing/2014/main" id="{C00605E1-325F-4600-A29B-FB388A3CB11D}"/>
               </a:ext>
             </a:extLst>
           </p:cNvPr>
@@ -5179,8 +6207,8 @@
         </p:blipFill>
         <p:spPr>
           <a:xfrm>
-            <a:off x="838200" y="2151894"/>
-            <a:ext cx="5486400" cy="3324225"/>
+            <a:off x="904300" y="1476224"/>
+            <a:ext cx="6247941" cy="2748745"/>
           </a:xfrm>
         </p:spPr>
       </p:pic>
@@ -5189,17 +6217,19 @@
           <p:cNvPr id="7" name="Straight Arrow Connector 6">
             <a:extLst>
               <a:ext uri="{FF2B5EF4-FFF2-40B4-BE49-F238E27FC236}">
-                <a16:creationId xmlns:a16="http://schemas.microsoft.com/office/drawing/2014/main" id="{494474E0-D9A1-4C9A-BABA-9C688701E906}"/>
-              </a:ext>
-            </a:extLst>
-          </p:cNvPr>
-          <p:cNvCxnSpPr/>
+                <a16:creationId xmlns:a16="http://schemas.microsoft.com/office/drawing/2014/main" id="{04A014E8-50EC-4826-ADE4-BEDF9BF1BF65}"/>
+              </a:ext>
+            </a:extLst>
+          </p:cNvPr>
+          <p:cNvCxnSpPr>
+            <a:cxnSpLocks/>
+          </p:cNvCxnSpPr>
           <p:nvPr/>
         </p:nvCxnSpPr>
         <p:spPr>
-          <a:xfrm flipV="1">
-            <a:off x="3966072" y="3922005"/>
-            <a:ext cx="3944039" cy="528809"/>
+          <a:xfrm>
+            <a:off x="5310130" y="2357610"/>
+            <a:ext cx="2864386" cy="0"/>
           </a:xfrm>
           <a:prstGeom prst="straightConnector1">
             <a:avLst/>
@@ -5228,7 +6258,7 @@
           <p:cNvPr id="8" name="TextBox 7">
             <a:extLst>
               <a:ext uri="{FF2B5EF4-FFF2-40B4-BE49-F238E27FC236}">
-                <a16:creationId xmlns:a16="http://schemas.microsoft.com/office/drawing/2014/main" id="{00D6498D-4941-406F-B25C-4C7C56B63FF4}"/>
+                <a16:creationId xmlns:a16="http://schemas.microsoft.com/office/drawing/2014/main" id="{6511CFF0-AA5C-41CC-9FE5-80D667A24523}"/>
               </a:ext>
             </a:extLst>
           </p:cNvPr>
@@ -5237,8 +6267,8 @@
         </p:nvSpPr>
         <p:spPr>
           <a:xfrm>
-            <a:off x="7943161" y="3734718"/>
-            <a:ext cx="3844887" cy="369332"/>
+            <a:off x="8328751" y="2034444"/>
+            <a:ext cx="2027104" cy="646331"/>
           </a:xfrm>
           <a:prstGeom prst="rect">
             <a:avLst/>
@@ -5253,15 +6283,126 @@
           <a:p>
             <a:r>
               <a:rPr lang="en-US" dirty="0"/>
-              <a:t>Most of functions have arguments</a:t>
-            </a:r>
+              <a:t>To print the result in active cell</a:t>
+            </a:r>
+          </a:p>
+        </p:txBody>
+      </p:sp>
+      <p:pic>
+        <p:nvPicPr>
+          <p:cNvPr id="14" name="Picture 13">
+            <a:extLst>
+              <a:ext uri="{FF2B5EF4-FFF2-40B4-BE49-F238E27FC236}">
+                <a16:creationId xmlns:a16="http://schemas.microsoft.com/office/drawing/2014/main" id="{041B845D-BCB9-4704-984A-0ACEA35D2801}"/>
+              </a:ext>
+            </a:extLst>
+          </p:cNvPr>
+          <p:cNvPicPr>
+            <a:picLocks noChangeAspect="1"/>
+          </p:cNvPicPr>
+          <p:nvPr/>
+        </p:nvPicPr>
+        <p:blipFill>
+          <a:blip r:embed="rId3"/>
+          <a:stretch>
+            <a:fillRect/>
+          </a:stretch>
+        </p:blipFill>
+        <p:spPr>
+          <a:xfrm>
+            <a:off x="1866710" y="4563116"/>
+            <a:ext cx="4104546" cy="2016014"/>
+          </a:xfrm>
+          <a:prstGeom prst="rect">
+            <a:avLst/>
+          </a:prstGeom>
+        </p:spPr>
+      </p:pic>
+      <p:cxnSp>
+        <p:nvCxnSpPr>
+          <p:cNvPr id="15" name="Straight Arrow Connector 14">
+            <a:extLst>
+              <a:ext uri="{FF2B5EF4-FFF2-40B4-BE49-F238E27FC236}">
+                <a16:creationId xmlns:a16="http://schemas.microsoft.com/office/drawing/2014/main" id="{0C612767-4C38-4A14-BCA3-0049DDA4091E}"/>
+              </a:ext>
+            </a:extLst>
+          </p:cNvPr>
+          <p:cNvCxnSpPr>
+            <a:cxnSpLocks/>
+          </p:cNvCxnSpPr>
+          <p:nvPr/>
+        </p:nvCxnSpPr>
+        <p:spPr>
+          <a:xfrm>
+            <a:off x="4426944" y="5547253"/>
+            <a:ext cx="2864386" cy="0"/>
+          </a:xfrm>
+          <a:prstGeom prst="straightConnector1">
+            <a:avLst/>
+          </a:prstGeom>
+          <a:ln>
+            <a:tailEnd type="triangle"/>
+          </a:ln>
+        </p:spPr>
+        <p:style>
+          <a:lnRef idx="1">
+            <a:schemeClr val="accent1"/>
+          </a:lnRef>
+          <a:fillRef idx="0">
+            <a:schemeClr val="accent1"/>
+          </a:fillRef>
+          <a:effectRef idx="0">
+            <a:schemeClr val="accent1"/>
+          </a:effectRef>
+          <a:fontRef idx="minor">
+            <a:schemeClr val="tx1"/>
+          </a:fontRef>
+        </p:style>
+      </p:cxnSp>
+      <p:sp>
+        <p:nvSpPr>
+          <p:cNvPr id="16" name="TextBox 15">
+            <a:extLst>
+              <a:ext uri="{FF2B5EF4-FFF2-40B4-BE49-F238E27FC236}">
+                <a16:creationId xmlns:a16="http://schemas.microsoft.com/office/drawing/2014/main" id="{94A1076B-E7D2-48CC-87BD-E851BCC1858B}"/>
+              </a:ext>
+            </a:extLst>
+          </p:cNvPr>
+          <p:cNvSpPr txBox="1"/>
+          <p:nvPr/>
+        </p:nvSpPr>
+        <p:spPr>
+          <a:xfrm>
+            <a:off x="7315198" y="5348685"/>
+            <a:ext cx="4549967" cy="369332"/>
+          </a:xfrm>
+          <a:prstGeom prst="rect">
+            <a:avLst/>
+          </a:prstGeom>
+          <a:noFill/>
+        </p:spPr>
+        <p:txBody>
+          <a:bodyPr wrap="square" rtlCol="0">
+            <a:spAutoFit/>
+          </a:bodyPr>
+          <a:lstStyle/>
+          <a:p>
+            <a:r>
+              <a:rPr lang="en-US" dirty="0"/>
+              <a:t>Take input from A1 cell instead of </a:t>
+            </a:r>
+            <a:r>
+              <a:rPr lang="en-US" dirty="0" err="1"/>
+              <a:t>inputbox</a:t>
+            </a:r>
+            <a:endParaRPr lang="en-US" dirty="0"/>
           </a:p>
         </p:txBody>
       </p:sp>
     </p:spTree>
     <p:extLst>
       <p:ext uri="{BB962C8B-B14F-4D97-AF65-F5344CB8AC3E}">
-        <p14:creationId xmlns:p14="http://schemas.microsoft.com/office/powerpoint/2010/main" val="3203939096"/>
+        <p14:creationId xmlns:p14="http://schemas.microsoft.com/office/powerpoint/2010/main" val="4011010298"/>
       </p:ext>
     </p:extLst>
   </p:cSld>
@@ -5293,7 +6434,7 @@
           <p:cNvPr id="2" name="Title 1">
             <a:extLst>
               <a:ext uri="{FF2B5EF4-FFF2-40B4-BE49-F238E27FC236}">
-                <a16:creationId xmlns:a16="http://schemas.microsoft.com/office/drawing/2014/main" id="{2FE66FF6-1F2A-4ED3-A207-92393B0D677D}"/>
+                <a16:creationId xmlns:a16="http://schemas.microsoft.com/office/drawing/2014/main" id="{FA507BE4-A717-40BC-8709-E2691EDBFA42}"/>
               </a:ext>
             </a:extLst>
           </p:cNvPr>
@@ -5311,26 +6452,24 @@
           <a:p>
             <a:r>
               <a:rPr lang="en-US" dirty="0"/>
-              <a:t>Example of functions</a:t>
+              <a:t>How to step each line output </a:t>
             </a:r>
           </a:p>
         </p:txBody>
       </p:sp>
       <p:pic>
         <p:nvPicPr>
-          <p:cNvPr id="5" name="Content Placeholder 4">
-            <a:extLst>
-              <a:ext uri="{FF2B5EF4-FFF2-40B4-BE49-F238E27FC236}">
-                <a16:creationId xmlns:a16="http://schemas.microsoft.com/office/drawing/2014/main" id="{65B50B0A-AC22-4D8A-8816-2665845CA544}"/>
+          <p:cNvPr id="5" name="Picture 4">
+            <a:extLst>
+              <a:ext uri="{FF2B5EF4-FFF2-40B4-BE49-F238E27FC236}">
+                <a16:creationId xmlns:a16="http://schemas.microsoft.com/office/drawing/2014/main" id="{746A927F-4ED4-4BDD-955A-6F8B3978E332}"/>
               </a:ext>
             </a:extLst>
           </p:cNvPr>
           <p:cNvPicPr>
-            <a:picLocks noGrp="1" noChangeAspect="1"/>
+            <a:picLocks noChangeAspect="1"/>
           </p:cNvPicPr>
-          <p:nvPr>
-            <p:ph idx="1"/>
-          </p:nvPr>
+          <p:nvPr/>
         </p:nvPicPr>
         <p:blipFill>
           <a:blip r:embed="rId2"/>
@@ -5340,35 +6479,8 @@
         </p:blipFill>
         <p:spPr>
           <a:xfrm>
-            <a:off x="342442" y="2291516"/>
-            <a:ext cx="7997327" cy="2031788"/>
-          </a:xfrm>
-        </p:spPr>
-      </p:pic>
-      <p:pic>
-        <p:nvPicPr>
-          <p:cNvPr id="7" name="Picture 6">
-            <a:extLst>
-              <a:ext uri="{FF2B5EF4-FFF2-40B4-BE49-F238E27FC236}">
-                <a16:creationId xmlns:a16="http://schemas.microsoft.com/office/drawing/2014/main" id="{0F41E5BC-5475-4466-9217-582EF11C37AB}"/>
-              </a:ext>
-            </a:extLst>
-          </p:cNvPr>
-          <p:cNvPicPr>
-            <a:picLocks noChangeAspect="1"/>
-          </p:cNvPicPr>
-          <p:nvPr/>
-        </p:nvPicPr>
-        <p:blipFill>
-          <a:blip r:embed="rId3"/>
-          <a:stretch>
-            <a:fillRect/>
-          </a:stretch>
-        </p:blipFill>
-        <p:spPr>
-          <a:xfrm>
-            <a:off x="8339769" y="4924132"/>
-            <a:ext cx="3190875" cy="1209675"/>
+            <a:off x="1630496" y="1798016"/>
+            <a:ext cx="9880007" cy="2770542"/>
           </a:xfrm>
           <a:prstGeom prst="rect">
             <a:avLst/>
@@ -5377,10 +6489,10 @@
       </p:pic>
       <p:cxnSp>
         <p:nvCxnSpPr>
-          <p:cNvPr id="9" name="Straight Arrow Connector 8">
-            <a:extLst>
-              <a:ext uri="{FF2B5EF4-FFF2-40B4-BE49-F238E27FC236}">
-                <a16:creationId xmlns:a16="http://schemas.microsoft.com/office/drawing/2014/main" id="{56C63553-2E95-43DB-AC24-F76E00704674}"/>
+          <p:cNvPr id="10" name="Straight Arrow Connector 9">
+            <a:extLst>
+              <a:ext uri="{FF2B5EF4-FFF2-40B4-BE49-F238E27FC236}">
+                <a16:creationId xmlns:a16="http://schemas.microsoft.com/office/drawing/2014/main" id="{464DF9FA-92F5-417D-9DEE-0FF3B7C3D0A4}"/>
               </a:ext>
             </a:extLst>
           </p:cNvPr>
@@ -5388,9 +6500,9 @@
           <p:nvPr/>
         </p:nvCxnSpPr>
         <p:spPr>
-          <a:xfrm>
-            <a:off x="6764357" y="2974554"/>
-            <a:ext cx="1575412" cy="2258458"/>
+          <a:xfrm flipH="1">
+            <a:off x="1299990" y="2313542"/>
+            <a:ext cx="661012" cy="0"/>
           </a:xfrm>
           <a:prstGeom prst="straightConnector1">
             <a:avLst/>
@@ -5414,53 +6526,12 @@
           </a:fontRef>
         </p:style>
       </p:cxnSp>
-      <p:cxnSp>
-        <p:nvCxnSpPr>
-          <p:cNvPr id="10" name="Straight Arrow Connector 9">
-            <a:extLst>
-              <a:ext uri="{FF2B5EF4-FFF2-40B4-BE49-F238E27FC236}">
-                <a16:creationId xmlns:a16="http://schemas.microsoft.com/office/drawing/2014/main" id="{C123A49E-FCD4-4D4F-B36F-829284F99DCF}"/>
-              </a:ext>
-            </a:extLst>
-          </p:cNvPr>
-          <p:cNvCxnSpPr>
-            <a:cxnSpLocks/>
-          </p:cNvCxnSpPr>
-          <p:nvPr/>
-        </p:nvCxnSpPr>
-        <p:spPr>
-          <a:xfrm flipH="1">
-            <a:off x="2478795" y="3084723"/>
-            <a:ext cx="914400" cy="2049137"/>
-          </a:xfrm>
-          <a:prstGeom prst="straightConnector1">
-            <a:avLst/>
-          </a:prstGeom>
-          <a:ln>
-            <a:tailEnd type="triangle"/>
-          </a:ln>
-        </p:spPr>
-        <p:style>
-          <a:lnRef idx="1">
-            <a:schemeClr val="accent1"/>
-          </a:lnRef>
-          <a:fillRef idx="0">
-            <a:schemeClr val="accent1"/>
-          </a:fillRef>
-          <a:effectRef idx="0">
-            <a:schemeClr val="accent1"/>
-          </a:effectRef>
-          <a:fontRef idx="minor">
-            <a:schemeClr val="tx1"/>
-          </a:fontRef>
-        </p:style>
-      </p:cxnSp>
-      <p:sp>
-        <p:nvSpPr>
-          <p:cNvPr id="14" name="TextBox 13">
-            <a:extLst>
-              <a:ext uri="{FF2B5EF4-FFF2-40B4-BE49-F238E27FC236}">
-                <a16:creationId xmlns:a16="http://schemas.microsoft.com/office/drawing/2014/main" id="{15A87E19-BD69-47AB-B119-4F4E269171CD}"/>
+      <p:sp>
+        <p:nvSpPr>
+          <p:cNvPr id="11" name="TextBox 10">
+            <a:extLst>
+              <a:ext uri="{FF2B5EF4-FFF2-40B4-BE49-F238E27FC236}">
+                <a16:creationId xmlns:a16="http://schemas.microsoft.com/office/drawing/2014/main" id="{42594CE1-643F-4AC8-905E-FD4171757EBD}"/>
               </a:ext>
             </a:extLst>
           </p:cNvPr>
@@ -5469,8 +6540,8 @@
         </p:nvSpPr>
         <p:spPr>
           <a:xfrm>
-            <a:off x="1200839" y="5233012"/>
-            <a:ext cx="2192356" cy="923330"/>
+            <a:off x="144138" y="2128876"/>
+            <a:ext cx="1388124" cy="369332"/>
           </a:xfrm>
           <a:prstGeom prst="rect">
             <a:avLst/>
@@ -5485,83 +6556,7 @@
           <a:p>
             <a:r>
               <a:rPr lang="en-US" dirty="0"/>
-              <a:t>Must be the same name with Functions!</a:t>
-            </a:r>
-          </a:p>
-        </p:txBody>
-      </p:sp>
-      <p:cxnSp>
-        <p:nvCxnSpPr>
-          <p:cNvPr id="15" name="Straight Arrow Connector 14">
-            <a:extLst>
-              <a:ext uri="{FF2B5EF4-FFF2-40B4-BE49-F238E27FC236}">
-                <a16:creationId xmlns:a16="http://schemas.microsoft.com/office/drawing/2014/main" id="{1EE0FE89-E1F0-4C79-8F1E-A2994D5B4BF2}"/>
-              </a:ext>
-            </a:extLst>
-          </p:cNvPr>
-          <p:cNvCxnSpPr>
-            <a:cxnSpLocks/>
-          </p:cNvCxnSpPr>
-          <p:nvPr/>
-        </p:nvCxnSpPr>
-        <p:spPr>
-          <a:xfrm>
-            <a:off x="8130448" y="2875402"/>
-            <a:ext cx="1013552" cy="0"/>
-          </a:xfrm>
-          <a:prstGeom prst="straightConnector1">
-            <a:avLst/>
-          </a:prstGeom>
-          <a:ln>
-            <a:tailEnd type="triangle"/>
-          </a:ln>
-        </p:spPr>
-        <p:style>
-          <a:lnRef idx="1">
-            <a:schemeClr val="accent1"/>
-          </a:lnRef>
-          <a:fillRef idx="0">
-            <a:schemeClr val="accent1"/>
-          </a:fillRef>
-          <a:effectRef idx="0">
-            <a:schemeClr val="accent1"/>
-          </a:effectRef>
-          <a:fontRef idx="minor">
-            <a:schemeClr val="tx1"/>
-          </a:fontRef>
-        </p:style>
-      </p:cxnSp>
-      <p:sp>
-        <p:nvSpPr>
-          <p:cNvPr id="19" name="TextBox 18">
-            <a:extLst>
-              <a:ext uri="{FF2B5EF4-FFF2-40B4-BE49-F238E27FC236}">
-                <a16:creationId xmlns:a16="http://schemas.microsoft.com/office/drawing/2014/main" id="{B299DCBE-479D-46A5-9140-67BA64C2AF2F}"/>
-              </a:ext>
-            </a:extLst>
-          </p:cNvPr>
-          <p:cNvSpPr txBox="1"/>
-          <p:nvPr/>
-        </p:nvSpPr>
-        <p:spPr>
-          <a:xfrm>
-            <a:off x="9161444" y="2716936"/>
-            <a:ext cx="2688114" cy="369332"/>
-          </a:xfrm>
-          <a:prstGeom prst="rect">
-            <a:avLst/>
-          </a:prstGeom>
-          <a:noFill/>
-        </p:spPr>
-        <p:txBody>
-          <a:bodyPr wrap="square" rtlCol="0">
-            <a:spAutoFit/>
-          </a:bodyPr>
-          <a:lstStyle/>
-          <a:p>
-            <a:r>
-              <a:rPr lang="en-US" dirty="0"/>
-              <a:t>Function output is double </a:t>
+              <a:t>Press “F8”</a:t>
             </a:r>
           </a:p>
         </p:txBody>
@@ -5569,7 +6564,7 @@
     </p:spTree>
     <p:extLst>
       <p:ext uri="{BB962C8B-B14F-4D97-AF65-F5344CB8AC3E}">
-        <p14:creationId xmlns:p14="http://schemas.microsoft.com/office/powerpoint/2010/main" val="1050565748"/>
+        <p14:creationId xmlns:p14="http://schemas.microsoft.com/office/powerpoint/2010/main" val="976117331"/>
       </p:ext>
     </p:extLst>
   </p:cSld>
@@ -5601,7 +6596,7 @@
           <p:cNvPr id="2" name="Title 1">
             <a:extLst>
               <a:ext uri="{FF2B5EF4-FFF2-40B4-BE49-F238E27FC236}">
-                <a16:creationId xmlns:a16="http://schemas.microsoft.com/office/drawing/2014/main" id="{631ED659-314C-4BD9-92DF-5C2D0B77CFA7}"/>
+                <a16:creationId xmlns:a16="http://schemas.microsoft.com/office/drawing/2014/main" id="{E2A27F44-9941-480D-807A-2E4FA1AE1E55}"/>
               </a:ext>
             </a:extLst>
           </p:cNvPr>
@@ -5619,7 +6614,7 @@
           <a:p>
             <a:r>
               <a:rPr lang="en-US" dirty="0"/>
-              <a:t>Can borrow excel functions as well…</a:t>
+              <a:t>Functions</a:t>
             </a:r>
           </a:p>
         </p:txBody>
@@ -5629,7 +6624,7 @@
           <p:cNvPr id="5" name="Content Placeholder 4">
             <a:extLst>
               <a:ext uri="{FF2B5EF4-FFF2-40B4-BE49-F238E27FC236}">
-                <a16:creationId xmlns:a16="http://schemas.microsoft.com/office/drawing/2014/main" id="{E378F835-08F3-4D0D-8B6D-20486E1492A2}"/>
+                <a16:creationId xmlns:a16="http://schemas.microsoft.com/office/drawing/2014/main" id="{A5B34300-75E7-4B44-886B-F78EAF133452}"/>
               </a:ext>
             </a:extLst>
           </p:cNvPr>
@@ -5648,8 +6643,8 @@
         </p:blipFill>
         <p:spPr>
           <a:xfrm>
-            <a:off x="838200" y="1539579"/>
-            <a:ext cx="7496175" cy="1123950"/>
+            <a:off x="838200" y="2151894"/>
+            <a:ext cx="5486400" cy="3324225"/>
           </a:xfrm>
         </p:spPr>
       </p:pic>
@@ -5658,19 +6653,17 @@
           <p:cNvPr id="7" name="Straight Arrow Connector 6">
             <a:extLst>
               <a:ext uri="{FF2B5EF4-FFF2-40B4-BE49-F238E27FC236}">
-                <a16:creationId xmlns:a16="http://schemas.microsoft.com/office/drawing/2014/main" id="{67F1AD3C-05EB-414C-B422-ED98DD12298D}"/>
-              </a:ext>
-            </a:extLst>
-          </p:cNvPr>
-          <p:cNvCxnSpPr>
-            <a:cxnSpLocks/>
-          </p:cNvCxnSpPr>
+                <a16:creationId xmlns:a16="http://schemas.microsoft.com/office/drawing/2014/main" id="{494474E0-D9A1-4C9A-BABA-9C688701E906}"/>
+              </a:ext>
+            </a:extLst>
+          </p:cNvPr>
+          <p:cNvCxnSpPr/>
           <p:nvPr/>
         </p:nvCxnSpPr>
         <p:spPr>
-          <a:xfrm>
-            <a:off x="3254593" y="2347573"/>
-            <a:ext cx="0" cy="746609"/>
+          <a:xfrm flipV="1">
+            <a:off x="3966072" y="3922005"/>
+            <a:ext cx="3944039" cy="528809"/>
           </a:xfrm>
           <a:prstGeom prst="straightConnector1">
             <a:avLst/>
@@ -5699,7 +6692,7 @@
           <p:cNvPr id="8" name="TextBox 7">
             <a:extLst>
               <a:ext uri="{FF2B5EF4-FFF2-40B4-BE49-F238E27FC236}">
-                <a16:creationId xmlns:a16="http://schemas.microsoft.com/office/drawing/2014/main" id="{97481E68-A095-4B23-8895-8B5D6A8E5B34}"/>
+                <a16:creationId xmlns:a16="http://schemas.microsoft.com/office/drawing/2014/main" id="{00D6498D-4941-406F-B25C-4C7C56B63FF4}"/>
               </a:ext>
             </a:extLst>
           </p:cNvPr>
@@ -5708,8 +6701,8 @@
         </p:nvSpPr>
         <p:spPr>
           <a:xfrm>
-            <a:off x="2225963" y="3112656"/>
-            <a:ext cx="2807855" cy="923330"/>
+            <a:off x="7943161" y="3734718"/>
+            <a:ext cx="3844887" cy="369332"/>
           </a:xfrm>
           <a:prstGeom prst="rect">
             <a:avLst/>
@@ -5724,121 +6717,15 @@
           <a:p>
             <a:r>
               <a:rPr lang="en-US" dirty="0"/>
-              <a:t>Excel worksheet function find max over a range of number </a:t>
-            </a:r>
-          </a:p>
-        </p:txBody>
-      </p:sp>
-      <p:sp>
-        <p:nvSpPr>
-          <p:cNvPr id="9" name="TextBox 8">
-            <a:extLst>
-              <a:ext uri="{FF2B5EF4-FFF2-40B4-BE49-F238E27FC236}">
-                <a16:creationId xmlns:a16="http://schemas.microsoft.com/office/drawing/2014/main" id="{1E3FE9AA-8FBA-435F-81A0-A1F7D6D660AF}"/>
-              </a:ext>
-            </a:extLst>
-          </p:cNvPr>
-          <p:cNvSpPr txBox="1"/>
-          <p:nvPr/>
-        </p:nvSpPr>
-        <p:spPr>
-          <a:xfrm>
-            <a:off x="5754256" y="3204363"/>
-            <a:ext cx="2807855" cy="923330"/>
-          </a:xfrm>
-          <a:prstGeom prst="rect">
-            <a:avLst/>
-          </a:prstGeom>
-          <a:noFill/>
-        </p:spPr>
-        <p:txBody>
-          <a:bodyPr wrap="square" rtlCol="0">
-            <a:spAutoFit/>
-          </a:bodyPr>
-          <a:lstStyle/>
-          <a:p>
-            <a:r>
-              <a:rPr lang="en-US" dirty="0"/>
-              <a:t>Excel worksheet function find min over a range of number </a:t>
-            </a:r>
-          </a:p>
-        </p:txBody>
-      </p:sp>
-      <p:cxnSp>
-        <p:nvCxnSpPr>
-          <p:cNvPr id="10" name="Straight Arrow Connector 9">
-            <a:extLst>
-              <a:ext uri="{FF2B5EF4-FFF2-40B4-BE49-F238E27FC236}">
-                <a16:creationId xmlns:a16="http://schemas.microsoft.com/office/drawing/2014/main" id="{E0C890A4-3286-47DC-8433-01A54E425622}"/>
-              </a:ext>
-            </a:extLst>
-          </p:cNvPr>
-          <p:cNvCxnSpPr>
-            <a:cxnSpLocks/>
-          </p:cNvCxnSpPr>
-          <p:nvPr/>
-        </p:nvCxnSpPr>
-        <p:spPr>
-          <a:xfrm>
-            <a:off x="6898913" y="2391843"/>
-            <a:ext cx="0" cy="573030"/>
-          </a:xfrm>
-          <a:prstGeom prst="straightConnector1">
-            <a:avLst/>
-          </a:prstGeom>
-          <a:ln>
-            <a:tailEnd type="triangle"/>
-          </a:ln>
-        </p:spPr>
-        <p:style>
-          <a:lnRef idx="1">
-            <a:schemeClr val="accent1"/>
-          </a:lnRef>
-          <a:fillRef idx="0">
-            <a:schemeClr val="accent1"/>
-          </a:fillRef>
-          <a:effectRef idx="0">
-            <a:schemeClr val="accent1"/>
-          </a:effectRef>
-          <a:fontRef idx="minor">
-            <a:schemeClr val="tx1"/>
-          </a:fontRef>
-        </p:style>
-      </p:cxnSp>
-      <p:pic>
-        <p:nvPicPr>
-          <p:cNvPr id="17" name="Picture 16">
-            <a:extLst>
-              <a:ext uri="{FF2B5EF4-FFF2-40B4-BE49-F238E27FC236}">
-                <a16:creationId xmlns:a16="http://schemas.microsoft.com/office/drawing/2014/main" id="{812200EE-A3EF-4F13-892E-9840AFA5F669}"/>
-              </a:ext>
-            </a:extLst>
-          </p:cNvPr>
-          <p:cNvPicPr>
-            <a:picLocks noChangeAspect="1"/>
-          </p:cNvPicPr>
-          <p:nvPr/>
-        </p:nvPicPr>
-        <p:blipFill>
-          <a:blip r:embed="rId3"/>
-          <a:stretch>
-            <a:fillRect/>
-          </a:stretch>
-        </p:blipFill>
-        <p:spPr>
-          <a:xfrm>
-            <a:off x="959716" y="4697268"/>
-            <a:ext cx="4324350" cy="1638300"/>
-          </a:xfrm>
-          <a:prstGeom prst="rect">
-            <a:avLst/>
-          </a:prstGeom>
-        </p:spPr>
-      </p:pic>
+              <a:t>Most of functions have arguments</a:t>
+            </a:r>
+          </a:p>
+        </p:txBody>
+      </p:sp>
     </p:spTree>
     <p:extLst>
       <p:ext uri="{BB962C8B-B14F-4D97-AF65-F5344CB8AC3E}">
-        <p14:creationId xmlns:p14="http://schemas.microsoft.com/office/powerpoint/2010/main" val="180480991"/>
+        <p14:creationId xmlns:p14="http://schemas.microsoft.com/office/powerpoint/2010/main" val="3203939096"/>
       </p:ext>
     </p:extLst>
   </p:cSld>

--- a/VBA.pptx
+++ b/VBA.pptx
@@ -22,6 +22,9 @@
     <p:sldId id="265" r:id="rId16"/>
     <p:sldId id="270" r:id="rId17"/>
     <p:sldId id="271" r:id="rId18"/>
+    <p:sldId id="273" r:id="rId19"/>
+    <p:sldId id="274" r:id="rId20"/>
+    <p:sldId id="275" r:id="rId21"/>
   </p:sldIdLst>
   <p:sldSz cx="12192000" cy="6858000"/>
   <p:notesSz cx="6858000" cy="9144000"/>
@@ -275,7 +278,7 @@
           <a:p>
             <a:fld id="{AB29DDB7-BA40-4CA0-A4F9-2204F0D18ADB}" type="datetimeFigureOut">
               <a:rPr lang="en-US" smtClean="0"/>
-              <a:t>12/27/2021</a:t>
+              <a:t>1/2/2022</a:t>
             </a:fld>
             <a:endParaRPr lang="en-US"/>
           </a:p>
@@ -473,7 +476,7 @@
           <a:p>
             <a:fld id="{AB29DDB7-BA40-4CA0-A4F9-2204F0D18ADB}" type="datetimeFigureOut">
               <a:rPr lang="en-US" smtClean="0"/>
-              <a:t>12/27/2021</a:t>
+              <a:t>1/2/2022</a:t>
             </a:fld>
             <a:endParaRPr lang="en-US"/>
           </a:p>
@@ -681,7 +684,7 @@
           <a:p>
             <a:fld id="{AB29DDB7-BA40-4CA0-A4F9-2204F0D18ADB}" type="datetimeFigureOut">
               <a:rPr lang="en-US" smtClean="0"/>
-              <a:t>12/27/2021</a:t>
+              <a:t>1/2/2022</a:t>
             </a:fld>
             <a:endParaRPr lang="en-US"/>
           </a:p>
@@ -879,7 +882,7 @@
           <a:p>
             <a:fld id="{AB29DDB7-BA40-4CA0-A4F9-2204F0D18ADB}" type="datetimeFigureOut">
               <a:rPr lang="en-US" smtClean="0"/>
-              <a:t>12/27/2021</a:t>
+              <a:t>1/2/2022</a:t>
             </a:fld>
             <a:endParaRPr lang="en-US"/>
           </a:p>
@@ -1154,7 +1157,7 @@
           <a:p>
             <a:fld id="{AB29DDB7-BA40-4CA0-A4F9-2204F0D18ADB}" type="datetimeFigureOut">
               <a:rPr lang="en-US" smtClean="0"/>
-              <a:t>12/27/2021</a:t>
+              <a:t>1/2/2022</a:t>
             </a:fld>
             <a:endParaRPr lang="en-US"/>
           </a:p>
@@ -1419,7 +1422,7 @@
           <a:p>
             <a:fld id="{AB29DDB7-BA40-4CA0-A4F9-2204F0D18ADB}" type="datetimeFigureOut">
               <a:rPr lang="en-US" smtClean="0"/>
-              <a:t>12/27/2021</a:t>
+              <a:t>1/2/2022</a:t>
             </a:fld>
             <a:endParaRPr lang="en-US"/>
           </a:p>
@@ -1831,7 +1834,7 @@
           <a:p>
             <a:fld id="{AB29DDB7-BA40-4CA0-A4F9-2204F0D18ADB}" type="datetimeFigureOut">
               <a:rPr lang="en-US" smtClean="0"/>
-              <a:t>12/27/2021</a:t>
+              <a:t>1/2/2022</a:t>
             </a:fld>
             <a:endParaRPr lang="en-US"/>
           </a:p>
@@ -1972,7 +1975,7 @@
           <a:p>
             <a:fld id="{AB29DDB7-BA40-4CA0-A4F9-2204F0D18ADB}" type="datetimeFigureOut">
               <a:rPr lang="en-US" smtClean="0"/>
-              <a:t>12/27/2021</a:t>
+              <a:t>1/2/2022</a:t>
             </a:fld>
             <a:endParaRPr lang="en-US"/>
           </a:p>
@@ -2085,7 +2088,7 @@
           <a:p>
             <a:fld id="{AB29DDB7-BA40-4CA0-A4F9-2204F0D18ADB}" type="datetimeFigureOut">
               <a:rPr lang="en-US" smtClean="0"/>
-              <a:t>12/27/2021</a:t>
+              <a:t>1/2/2022</a:t>
             </a:fld>
             <a:endParaRPr lang="en-US"/>
           </a:p>
@@ -2396,7 +2399,7 @@
           <a:p>
             <a:fld id="{AB29DDB7-BA40-4CA0-A4F9-2204F0D18ADB}" type="datetimeFigureOut">
               <a:rPr lang="en-US" smtClean="0"/>
-              <a:t>12/27/2021</a:t>
+              <a:t>1/2/2022</a:t>
             </a:fld>
             <a:endParaRPr lang="en-US"/>
           </a:p>
@@ -2684,7 +2687,7 @@
           <a:p>
             <a:fld id="{AB29DDB7-BA40-4CA0-A4F9-2204F0D18ADB}" type="datetimeFigureOut">
               <a:rPr lang="en-US" smtClean="0"/>
-              <a:t>12/27/2021</a:t>
+              <a:t>1/2/2022</a:t>
             </a:fld>
             <a:endParaRPr lang="en-US"/>
           </a:p>
@@ -2925,7 +2928,7 @@
           <a:p>
             <a:fld id="{AB29DDB7-BA40-4CA0-A4F9-2204F0D18ADB}" type="datetimeFigureOut">
               <a:rPr lang="en-US" smtClean="0"/>
-              <a:t>12/27/2021</a:t>
+              <a:t>1/2/2022</a:t>
             </a:fld>
             <a:endParaRPr lang="en-US"/>
           </a:p>
@@ -4948,9 +4951,16 @@
             <p:ph type="title"/>
           </p:nvPr>
         </p:nvSpPr>
-        <p:spPr/>
-        <p:txBody>
-          <a:bodyPr/>
+        <p:spPr>
+          <a:xfrm>
+            <a:off x="771181" y="365126"/>
+            <a:ext cx="10582619" cy="452898"/>
+          </a:xfrm>
+        </p:spPr>
+        <p:txBody>
+          <a:bodyPr>
+            <a:normAutofit fontScale="90000"/>
+          </a:bodyPr>
           <a:lstStyle/>
           <a:p>
             <a:r>
@@ -4984,8 +4994,8 @@
         </p:blipFill>
         <p:spPr>
           <a:xfrm>
-            <a:off x="1385428" y="1795462"/>
-            <a:ext cx="7768821" cy="3845174"/>
+            <a:off x="1253226" y="1088338"/>
+            <a:ext cx="5984856" cy="2962201"/>
           </a:xfrm>
         </p:spPr>
       </p:pic>
@@ -5003,7 +5013,7 @@
         </p:nvSpPr>
         <p:spPr>
           <a:xfrm>
-            <a:off x="8582140" y="2858609"/>
+            <a:off x="7666765" y="1836662"/>
             <a:ext cx="3128790" cy="369332"/>
           </a:xfrm>
           <a:prstGeom prst="rect">
@@ -5038,7 +5048,7 @@
         </p:nvCxnSpPr>
         <p:spPr>
           <a:xfrm flipV="1">
-            <a:off x="7061812" y="3106757"/>
+            <a:off x="5723263" y="2084809"/>
             <a:ext cx="1520328" cy="121185"/>
           </a:xfrm>
           <a:prstGeom prst="straightConnector1">
@@ -5079,7 +5089,7 @@
         </p:nvCxnSpPr>
         <p:spPr>
           <a:xfrm>
-            <a:off x="6786390" y="3613666"/>
+            <a:off x="5585552" y="2458076"/>
             <a:ext cx="1795750" cy="16393"/>
           </a:xfrm>
           <a:prstGeom prst="straightConnector1">
@@ -5118,7 +5128,7 @@
         </p:nvSpPr>
         <p:spPr>
           <a:xfrm>
-            <a:off x="8701489" y="3429000"/>
+            <a:off x="7666765" y="2273410"/>
             <a:ext cx="3128790" cy="369332"/>
           </a:xfrm>
           <a:prstGeom prst="rect">
@@ -5135,6 +5145,110 @@
             <a:r>
               <a:rPr lang="en-US" dirty="0"/>
               <a:t>Correction “4:10”</a:t>
+            </a:r>
+          </a:p>
+        </p:txBody>
+      </p:sp>
+      <p:pic>
+        <p:nvPicPr>
+          <p:cNvPr id="4" name="Picture 3">
+            <a:extLst>
+              <a:ext uri="{FF2B5EF4-FFF2-40B4-BE49-F238E27FC236}">
+                <a16:creationId xmlns:a16="http://schemas.microsoft.com/office/drawing/2014/main" id="{9E372E2E-E864-4A86-A94E-6C1E11A9A7DF}"/>
+              </a:ext>
+            </a:extLst>
+          </p:cNvPr>
+          <p:cNvPicPr>
+            <a:picLocks noChangeAspect="1"/>
+          </p:cNvPicPr>
+          <p:nvPr/>
+        </p:nvPicPr>
+        <p:blipFill>
+          <a:blip r:embed="rId3"/>
+          <a:stretch>
+            <a:fillRect/>
+          </a:stretch>
+        </p:blipFill>
+        <p:spPr>
+          <a:xfrm>
+            <a:off x="1253226" y="4938116"/>
+            <a:ext cx="5600700" cy="1504950"/>
+          </a:xfrm>
+          <a:prstGeom prst="rect">
+            <a:avLst/>
+          </a:prstGeom>
+        </p:spPr>
+      </p:pic>
+      <p:cxnSp>
+        <p:nvCxnSpPr>
+          <p:cNvPr id="10" name="Straight Arrow Connector 9">
+            <a:extLst>
+              <a:ext uri="{FF2B5EF4-FFF2-40B4-BE49-F238E27FC236}">
+                <a16:creationId xmlns:a16="http://schemas.microsoft.com/office/drawing/2014/main" id="{D24323B5-01E6-4EFD-96E7-32CEAF042E5F}"/>
+              </a:ext>
+            </a:extLst>
+          </p:cNvPr>
+          <p:cNvCxnSpPr/>
+          <p:nvPr/>
+        </p:nvCxnSpPr>
+        <p:spPr>
+          <a:xfrm>
+            <a:off x="6096000" y="5960125"/>
+            <a:ext cx="2133600" cy="0"/>
+          </a:xfrm>
+          <a:prstGeom prst="straightConnector1">
+            <a:avLst/>
+          </a:prstGeom>
+          <a:ln>
+            <a:tailEnd type="triangle"/>
+          </a:ln>
+        </p:spPr>
+        <p:style>
+          <a:lnRef idx="1">
+            <a:schemeClr val="accent1"/>
+          </a:lnRef>
+          <a:fillRef idx="0">
+            <a:schemeClr val="accent1"/>
+          </a:fillRef>
+          <a:effectRef idx="0">
+            <a:schemeClr val="accent1"/>
+          </a:effectRef>
+          <a:fontRef idx="minor">
+            <a:schemeClr val="tx1"/>
+          </a:fontRef>
+        </p:style>
+      </p:cxnSp>
+      <p:sp>
+        <p:nvSpPr>
+          <p:cNvPr id="12" name="TextBox 11">
+            <a:extLst>
+              <a:ext uri="{FF2B5EF4-FFF2-40B4-BE49-F238E27FC236}">
+                <a16:creationId xmlns:a16="http://schemas.microsoft.com/office/drawing/2014/main" id="{B64FC3C6-851F-48E8-B928-5F7D0C5BB404}"/>
+              </a:ext>
+            </a:extLst>
+          </p:cNvPr>
+          <p:cNvSpPr txBox="1"/>
+          <p:nvPr/>
+        </p:nvSpPr>
+        <p:spPr>
+          <a:xfrm>
+            <a:off x="8361802" y="5775459"/>
+            <a:ext cx="2991998" cy="369332"/>
+          </a:xfrm>
+          <a:prstGeom prst="rect">
+            <a:avLst/>
+          </a:prstGeom>
+          <a:noFill/>
+        </p:spPr>
+        <p:txBody>
+          <a:bodyPr wrap="square" rtlCol="0">
+            <a:spAutoFit/>
+          </a:bodyPr>
+          <a:lstStyle/>
+          <a:p>
+            <a:r>
+              <a:rPr lang="en-US" dirty="0"/>
+              <a:t>Print sheet1, B1 cell data </a:t>
             </a:r>
           </a:p>
         </p:txBody>
@@ -5190,39 +5304,496 @@
           <a:bodyPr/>
           <a:lstStyle/>
           <a:p>
-            <a:endParaRPr lang="en-US" dirty="0"/>
-          </a:p>
-        </p:txBody>
-      </p:sp>
-      <p:sp>
-        <p:nvSpPr>
-          <p:cNvPr id="3" name="Content Placeholder 2">
-            <a:extLst>
-              <a:ext uri="{FF2B5EF4-FFF2-40B4-BE49-F238E27FC236}">
-                <a16:creationId xmlns:a16="http://schemas.microsoft.com/office/drawing/2014/main" id="{88A0269B-F2EE-4148-8EC1-6B3C2469AD5C}"/>
-              </a:ext>
-            </a:extLst>
-          </p:cNvPr>
-          <p:cNvSpPr>
-            <a:spLocks noGrp="1"/>
-          </p:cNvSpPr>
+            <a:r>
+              <a:rPr lang="en-US" dirty="0"/>
+              <a:t>Conditional (</a:t>
+            </a:r>
+            <a:r>
+              <a:rPr lang="en-US" dirty="0" err="1"/>
+              <a:t>if,else</a:t>
+            </a:r>
+            <a:r>
+              <a:rPr lang="en-US" dirty="0"/>
+              <a:t>) statement</a:t>
+            </a:r>
+          </a:p>
+        </p:txBody>
+      </p:sp>
+      <p:pic>
+        <p:nvPicPr>
+          <p:cNvPr id="9" name="Content Placeholder 8">
+            <a:extLst>
+              <a:ext uri="{FF2B5EF4-FFF2-40B4-BE49-F238E27FC236}">
+                <a16:creationId xmlns:a16="http://schemas.microsoft.com/office/drawing/2014/main" id="{5FD3D311-EEBB-4B47-B44E-904F8EC83CA3}"/>
+              </a:ext>
+            </a:extLst>
+          </p:cNvPr>
+          <p:cNvPicPr>
+            <a:picLocks noGrp="1" noChangeAspect="1"/>
+          </p:cNvPicPr>
           <p:nvPr>
             <p:ph idx="1"/>
           </p:nvPr>
-        </p:nvSpPr>
-        <p:spPr/>
-        <p:txBody>
-          <a:bodyPr/>
-          <a:lstStyle/>
-          <a:p>
-            <a:endParaRPr lang="en-US"/>
-          </a:p>
-        </p:txBody>
-      </p:sp>
+        </p:nvPicPr>
+        <p:blipFill>
+          <a:blip r:embed="rId2"/>
+          <a:stretch>
+            <a:fillRect/>
+          </a:stretch>
+        </p:blipFill>
+        <p:spPr>
+          <a:xfrm>
+            <a:off x="953877" y="1690688"/>
+            <a:ext cx="5943600" cy="3619500"/>
+          </a:xfrm>
+        </p:spPr>
+      </p:pic>
     </p:spTree>
     <p:extLst>
       <p:ext uri="{BB962C8B-B14F-4D97-AF65-F5344CB8AC3E}">
         <p14:creationId xmlns:p14="http://schemas.microsoft.com/office/powerpoint/2010/main" val="678607098"/>
+      </p:ext>
+    </p:extLst>
+  </p:cSld>
+  <p:clrMapOvr>
+    <a:masterClrMapping/>
+  </p:clrMapOvr>
+</p:sld>
+</file>
+
+<file path=ppt/slides/slide18.xml><?xml version="1.0" encoding="utf-8"?>
+<p:sld xmlns:a="http://schemas.openxmlformats.org/drawingml/2006/main" xmlns:r="http://schemas.openxmlformats.org/officeDocument/2006/relationships" xmlns:p="http://schemas.openxmlformats.org/presentationml/2006/main">
+  <p:cSld>
+    <p:spTree>
+      <p:nvGrpSpPr>
+        <p:cNvPr id="1" name=""/>
+        <p:cNvGrpSpPr/>
+        <p:nvPr/>
+      </p:nvGrpSpPr>
+      <p:grpSpPr>
+        <a:xfrm>
+          <a:off x="0" y="0"/>
+          <a:ext cx="0" cy="0"/>
+          <a:chOff x="0" y="0"/>
+          <a:chExt cx="0" cy="0"/>
+        </a:xfrm>
+      </p:grpSpPr>
+      <p:sp>
+        <p:nvSpPr>
+          <p:cNvPr id="2" name="Title 1">
+            <a:extLst>
+              <a:ext uri="{FF2B5EF4-FFF2-40B4-BE49-F238E27FC236}">
+                <a16:creationId xmlns:a16="http://schemas.microsoft.com/office/drawing/2014/main" id="{EC4B6312-90A0-43C2-BFDB-0A1CF83D428F}"/>
+              </a:ext>
+            </a:extLst>
+          </p:cNvPr>
+          <p:cNvSpPr>
+            <a:spLocks noGrp="1"/>
+          </p:cNvSpPr>
+          <p:nvPr>
+            <p:ph type="title"/>
+          </p:nvPr>
+        </p:nvSpPr>
+        <p:spPr>
+          <a:xfrm>
+            <a:off x="788165" y="89704"/>
+            <a:ext cx="10615670" cy="615376"/>
+          </a:xfrm>
+        </p:spPr>
+        <p:txBody>
+          <a:bodyPr>
+            <a:normAutofit fontScale="90000"/>
+          </a:bodyPr>
+          <a:lstStyle/>
+          <a:p>
+            <a:r>
+              <a:rPr lang="en-US" dirty="0"/>
+              <a:t>Iteration(Do loop)</a:t>
+            </a:r>
+          </a:p>
+        </p:txBody>
+      </p:sp>
+      <p:pic>
+        <p:nvPicPr>
+          <p:cNvPr id="5" name="Content Placeholder 4">
+            <a:extLst>
+              <a:ext uri="{FF2B5EF4-FFF2-40B4-BE49-F238E27FC236}">
+                <a16:creationId xmlns:a16="http://schemas.microsoft.com/office/drawing/2014/main" id="{4D065DFF-02F9-4D4F-8918-95B20D163024}"/>
+              </a:ext>
+            </a:extLst>
+          </p:cNvPr>
+          <p:cNvPicPr>
+            <a:picLocks noGrp="1" noChangeAspect="1"/>
+          </p:cNvPicPr>
+          <p:nvPr>
+            <p:ph idx="1"/>
+          </p:nvPr>
+        </p:nvPicPr>
+        <p:blipFill>
+          <a:blip r:embed="rId2"/>
+          <a:stretch>
+            <a:fillRect/>
+          </a:stretch>
+        </p:blipFill>
+        <p:spPr>
+          <a:xfrm>
+            <a:off x="838200" y="980503"/>
+            <a:ext cx="3843969" cy="2666754"/>
+          </a:xfrm>
+        </p:spPr>
+      </p:pic>
+      <p:pic>
+        <p:nvPicPr>
+          <p:cNvPr id="7" name="Picture 6">
+            <a:extLst>
+              <a:ext uri="{FF2B5EF4-FFF2-40B4-BE49-F238E27FC236}">
+                <a16:creationId xmlns:a16="http://schemas.microsoft.com/office/drawing/2014/main" id="{22288562-3C85-4254-8349-9AC76C9230CF}"/>
+              </a:ext>
+            </a:extLst>
+          </p:cNvPr>
+          <p:cNvPicPr>
+            <a:picLocks noChangeAspect="1"/>
+          </p:cNvPicPr>
+          <p:nvPr/>
+        </p:nvPicPr>
+        <p:blipFill>
+          <a:blip r:embed="rId3"/>
+          <a:stretch>
+            <a:fillRect/>
+          </a:stretch>
+        </p:blipFill>
+        <p:spPr>
+          <a:xfrm>
+            <a:off x="6838234" y="1216847"/>
+            <a:ext cx="3391771" cy="2517871"/>
+          </a:xfrm>
+          <a:prstGeom prst="rect">
+            <a:avLst/>
+          </a:prstGeom>
+        </p:spPr>
+      </p:pic>
+      <p:pic>
+        <p:nvPicPr>
+          <p:cNvPr id="9" name="Picture 8">
+            <a:extLst>
+              <a:ext uri="{FF2B5EF4-FFF2-40B4-BE49-F238E27FC236}">
+                <a16:creationId xmlns:a16="http://schemas.microsoft.com/office/drawing/2014/main" id="{6540F338-D0CC-4452-BB93-CBEED50FDF45}"/>
+              </a:ext>
+            </a:extLst>
+          </p:cNvPr>
+          <p:cNvPicPr>
+            <a:picLocks noChangeAspect="1"/>
+          </p:cNvPicPr>
+          <p:nvPr/>
+        </p:nvPicPr>
+        <p:blipFill>
+          <a:blip r:embed="rId4"/>
+          <a:stretch>
+            <a:fillRect/>
+          </a:stretch>
+        </p:blipFill>
+        <p:spPr>
+          <a:xfrm>
+            <a:off x="3460903" y="3922680"/>
+            <a:ext cx="3771900" cy="2628900"/>
+          </a:xfrm>
+          <a:prstGeom prst="rect">
+            <a:avLst/>
+          </a:prstGeom>
+        </p:spPr>
+      </p:pic>
+    </p:spTree>
+    <p:extLst>
+      <p:ext uri="{BB962C8B-B14F-4D97-AF65-F5344CB8AC3E}">
+        <p14:creationId xmlns:p14="http://schemas.microsoft.com/office/powerpoint/2010/main" val="1511641382"/>
+      </p:ext>
+    </p:extLst>
+  </p:cSld>
+  <p:clrMapOvr>
+    <a:masterClrMapping/>
+  </p:clrMapOvr>
+</p:sld>
+</file>
+
+<file path=ppt/slides/slide19.xml><?xml version="1.0" encoding="utf-8"?>
+<p:sld xmlns:a="http://schemas.openxmlformats.org/drawingml/2006/main" xmlns:r="http://schemas.openxmlformats.org/officeDocument/2006/relationships" xmlns:p="http://schemas.openxmlformats.org/presentationml/2006/main">
+  <p:cSld>
+    <p:spTree>
+      <p:nvGrpSpPr>
+        <p:cNvPr id="1" name=""/>
+        <p:cNvGrpSpPr/>
+        <p:nvPr/>
+      </p:nvGrpSpPr>
+      <p:grpSpPr>
+        <a:xfrm>
+          <a:off x="0" y="0"/>
+          <a:ext cx="0" cy="0"/>
+          <a:chOff x="0" y="0"/>
+          <a:chExt cx="0" cy="0"/>
+        </a:xfrm>
+      </p:grpSpPr>
+      <p:sp>
+        <p:nvSpPr>
+          <p:cNvPr id="2" name="Title 1">
+            <a:extLst>
+              <a:ext uri="{FF2B5EF4-FFF2-40B4-BE49-F238E27FC236}">
+                <a16:creationId xmlns:a16="http://schemas.microsoft.com/office/drawing/2014/main" id="{0C054494-F48F-4F77-AD5F-5A64A81179A6}"/>
+              </a:ext>
+            </a:extLst>
+          </p:cNvPr>
+          <p:cNvSpPr>
+            <a:spLocks noGrp="1"/>
+          </p:cNvSpPr>
+          <p:nvPr>
+            <p:ph type="title"/>
+          </p:nvPr>
+        </p:nvSpPr>
+        <p:spPr>
+          <a:xfrm>
+            <a:off x="495759" y="365126"/>
+            <a:ext cx="10858041" cy="315912"/>
+          </a:xfrm>
+        </p:spPr>
+        <p:txBody>
+          <a:bodyPr>
+            <a:normAutofit fontScale="90000"/>
+          </a:bodyPr>
+          <a:lstStyle/>
+          <a:p>
+            <a:r>
+              <a:rPr lang="en-US" dirty="0"/>
+              <a:t>Custom chart &amp; animation with Macro</a:t>
+            </a:r>
+          </a:p>
+        </p:txBody>
+      </p:sp>
+      <p:pic>
+        <p:nvPicPr>
+          <p:cNvPr id="5" name="Content Placeholder 4">
+            <a:extLst>
+              <a:ext uri="{FF2B5EF4-FFF2-40B4-BE49-F238E27FC236}">
+                <a16:creationId xmlns:a16="http://schemas.microsoft.com/office/drawing/2014/main" id="{1DA73F24-9F1C-47A3-8814-FB07F97F504D}"/>
+              </a:ext>
+            </a:extLst>
+          </p:cNvPr>
+          <p:cNvPicPr>
+            <a:picLocks noGrp="1" noChangeAspect="1"/>
+          </p:cNvPicPr>
+          <p:nvPr>
+            <p:ph idx="1"/>
+          </p:nvPr>
+        </p:nvPicPr>
+        <p:blipFill>
+          <a:blip r:embed="rId2"/>
+          <a:stretch>
+            <a:fillRect/>
+          </a:stretch>
+        </p:blipFill>
+        <p:spPr>
+          <a:xfrm>
+            <a:off x="2132921" y="1177925"/>
+            <a:ext cx="4543425" cy="4933950"/>
+          </a:xfrm>
+        </p:spPr>
+      </p:pic>
+      <p:cxnSp>
+        <p:nvCxnSpPr>
+          <p:cNvPr id="7" name="Straight Arrow Connector 6">
+            <a:extLst>
+              <a:ext uri="{FF2B5EF4-FFF2-40B4-BE49-F238E27FC236}">
+                <a16:creationId xmlns:a16="http://schemas.microsoft.com/office/drawing/2014/main" id="{0FD27A8F-F7E9-4979-B095-0859094AC313}"/>
+              </a:ext>
+            </a:extLst>
+          </p:cNvPr>
+          <p:cNvCxnSpPr/>
+          <p:nvPr/>
+        </p:nvCxnSpPr>
+        <p:spPr>
+          <a:xfrm flipH="1">
+            <a:off x="1531345" y="1872867"/>
+            <a:ext cx="716096" cy="440675"/>
+          </a:xfrm>
+          <a:prstGeom prst="straightConnector1">
+            <a:avLst/>
+          </a:prstGeom>
+          <a:ln>
+            <a:tailEnd type="triangle"/>
+          </a:ln>
+        </p:spPr>
+        <p:style>
+          <a:lnRef idx="1">
+            <a:schemeClr val="accent1"/>
+          </a:lnRef>
+          <a:fillRef idx="0">
+            <a:schemeClr val="accent1"/>
+          </a:fillRef>
+          <a:effectRef idx="0">
+            <a:schemeClr val="accent1"/>
+          </a:effectRef>
+          <a:fontRef idx="minor">
+            <a:schemeClr val="tx1"/>
+          </a:fontRef>
+        </p:style>
+      </p:cxnSp>
+      <p:sp>
+        <p:nvSpPr>
+          <p:cNvPr id="8" name="TextBox 7">
+            <a:extLst>
+              <a:ext uri="{FF2B5EF4-FFF2-40B4-BE49-F238E27FC236}">
+                <a16:creationId xmlns:a16="http://schemas.microsoft.com/office/drawing/2014/main" id="{57213A86-B504-43D5-8D3D-61A90A4C869C}"/>
+              </a:ext>
+            </a:extLst>
+          </p:cNvPr>
+          <p:cNvSpPr txBox="1"/>
+          <p:nvPr/>
+        </p:nvSpPr>
+        <p:spPr>
+          <a:xfrm>
+            <a:off x="418641" y="2379643"/>
+            <a:ext cx="1828800" cy="369332"/>
+          </a:xfrm>
+          <a:prstGeom prst="rect">
+            <a:avLst/>
+          </a:prstGeom>
+          <a:noFill/>
+        </p:spPr>
+        <p:txBody>
+          <a:bodyPr wrap="square" rtlCol="0">
+            <a:spAutoFit/>
+          </a:bodyPr>
+          <a:lstStyle/>
+          <a:p>
+            <a:r>
+              <a:rPr lang="en-US" dirty="0"/>
+              <a:t>Dropdown list</a:t>
+            </a:r>
+          </a:p>
+        </p:txBody>
+      </p:sp>
+      <p:cxnSp>
+        <p:nvCxnSpPr>
+          <p:cNvPr id="10" name="Straight Arrow Connector 9">
+            <a:extLst>
+              <a:ext uri="{FF2B5EF4-FFF2-40B4-BE49-F238E27FC236}">
+                <a16:creationId xmlns:a16="http://schemas.microsoft.com/office/drawing/2014/main" id="{5F07625E-A5C2-4E95-AC16-F4B05A0BF786}"/>
+              </a:ext>
+            </a:extLst>
+          </p:cNvPr>
+          <p:cNvCxnSpPr>
+            <a:cxnSpLocks/>
+          </p:cNvCxnSpPr>
+          <p:nvPr/>
+        </p:nvCxnSpPr>
+        <p:spPr>
+          <a:xfrm>
+            <a:off x="6202496" y="3569465"/>
+            <a:ext cx="1222873" cy="0"/>
+          </a:xfrm>
+          <a:prstGeom prst="straightConnector1">
+            <a:avLst/>
+          </a:prstGeom>
+          <a:ln>
+            <a:tailEnd type="triangle"/>
+          </a:ln>
+        </p:spPr>
+        <p:style>
+          <a:lnRef idx="1">
+            <a:schemeClr val="accent1"/>
+          </a:lnRef>
+          <a:fillRef idx="0">
+            <a:schemeClr val="accent1"/>
+          </a:fillRef>
+          <a:effectRef idx="0">
+            <a:schemeClr val="accent1"/>
+          </a:effectRef>
+          <a:fontRef idx="minor">
+            <a:schemeClr val="tx1"/>
+          </a:fontRef>
+        </p:style>
+      </p:cxnSp>
+      <p:sp>
+        <p:nvSpPr>
+          <p:cNvPr id="11" name="Right Brace 10">
+            <a:extLst>
+              <a:ext uri="{FF2B5EF4-FFF2-40B4-BE49-F238E27FC236}">
+                <a16:creationId xmlns:a16="http://schemas.microsoft.com/office/drawing/2014/main" id="{9A2D8308-2846-474E-8787-04742F3E0B36}"/>
+              </a:ext>
+            </a:extLst>
+          </p:cNvPr>
+          <p:cNvSpPr/>
+          <p:nvPr/>
+        </p:nvSpPr>
+        <p:spPr>
+          <a:xfrm>
+            <a:off x="5838940" y="1972019"/>
+            <a:ext cx="257060" cy="3117774"/>
+          </a:xfrm>
+          <a:prstGeom prst="rightBrace">
+            <a:avLst/>
+          </a:prstGeom>
+        </p:spPr>
+        <p:style>
+          <a:lnRef idx="1">
+            <a:schemeClr val="accent1"/>
+          </a:lnRef>
+          <a:fillRef idx="0">
+            <a:schemeClr val="accent1"/>
+          </a:fillRef>
+          <a:effectRef idx="0">
+            <a:schemeClr val="accent1"/>
+          </a:effectRef>
+          <a:fontRef idx="minor">
+            <a:schemeClr val="tx1"/>
+          </a:fontRef>
+        </p:style>
+        <p:txBody>
+          <a:bodyPr rtlCol="0" anchor="ctr"/>
+          <a:lstStyle/>
+          <a:p>
+            <a:pPr algn="ctr"/>
+            <a:endParaRPr lang="en-US"/>
+          </a:p>
+        </p:txBody>
+      </p:sp>
+      <p:sp>
+        <p:nvSpPr>
+          <p:cNvPr id="13" name="TextBox 12">
+            <a:extLst>
+              <a:ext uri="{FF2B5EF4-FFF2-40B4-BE49-F238E27FC236}">
+                <a16:creationId xmlns:a16="http://schemas.microsoft.com/office/drawing/2014/main" id="{375F92C2-0FD8-43D9-BBA9-75254C858EA4}"/>
+              </a:ext>
+            </a:extLst>
+          </p:cNvPr>
+          <p:cNvSpPr txBox="1"/>
+          <p:nvPr/>
+        </p:nvSpPr>
+        <p:spPr>
+          <a:xfrm>
+            <a:off x="7425369" y="3249976"/>
+            <a:ext cx="4649118" cy="956381"/>
+          </a:xfrm>
+          <a:prstGeom prst="rect">
+            <a:avLst/>
+          </a:prstGeom>
+          <a:noFill/>
+        </p:spPr>
+        <p:txBody>
+          <a:bodyPr wrap="square" rtlCol="0">
+            <a:spAutoFit/>
+          </a:bodyPr>
+          <a:lstStyle/>
+          <a:p>
+            <a:r>
+              <a:rPr lang="en-US" dirty="0"/>
+              <a:t>The reason why female change to negative because we want the female on the negative axis </a:t>
+            </a:r>
+          </a:p>
+        </p:txBody>
+      </p:sp>
+    </p:spTree>
+    <p:extLst>
+      <p:ext uri="{BB962C8B-B14F-4D97-AF65-F5344CB8AC3E}">
+        <p14:creationId xmlns:p14="http://schemas.microsoft.com/office/powerpoint/2010/main" val="2956456590"/>
       </p:ext>
     </p:extLst>
   </p:cSld>
@@ -5309,6 +5880,101 @@
     <p:extLst>
       <p:ext uri="{BB962C8B-B14F-4D97-AF65-F5344CB8AC3E}">
         <p14:creationId xmlns:p14="http://schemas.microsoft.com/office/powerpoint/2010/main" val="212172108"/>
+      </p:ext>
+    </p:extLst>
+  </p:cSld>
+  <p:clrMapOvr>
+    <a:masterClrMapping/>
+  </p:clrMapOvr>
+</p:sld>
+</file>
+
+<file path=ppt/slides/slide20.xml><?xml version="1.0" encoding="utf-8"?>
+<p:sld xmlns:a="http://schemas.openxmlformats.org/drawingml/2006/main" xmlns:r="http://schemas.openxmlformats.org/officeDocument/2006/relationships" xmlns:p="http://schemas.openxmlformats.org/presentationml/2006/main">
+  <p:cSld>
+    <p:spTree>
+      <p:nvGrpSpPr>
+        <p:cNvPr id="1" name=""/>
+        <p:cNvGrpSpPr/>
+        <p:nvPr/>
+      </p:nvGrpSpPr>
+      <p:grpSpPr>
+        <a:xfrm>
+          <a:off x="0" y="0"/>
+          <a:ext cx="0" cy="0"/>
+          <a:chOff x="0" y="0"/>
+          <a:chExt cx="0" cy="0"/>
+        </a:xfrm>
+      </p:grpSpPr>
+      <p:sp>
+        <p:nvSpPr>
+          <p:cNvPr id="2" name="Title 1">
+            <a:extLst>
+              <a:ext uri="{FF2B5EF4-FFF2-40B4-BE49-F238E27FC236}">
+                <a16:creationId xmlns:a16="http://schemas.microsoft.com/office/drawing/2014/main" id="{E5AB3D49-10B4-4AF2-9369-040EC6296681}"/>
+              </a:ext>
+            </a:extLst>
+          </p:cNvPr>
+          <p:cNvSpPr>
+            <a:spLocks noGrp="1"/>
+          </p:cNvSpPr>
+          <p:nvPr>
+            <p:ph type="title"/>
+          </p:nvPr>
+        </p:nvSpPr>
+        <p:spPr>
+          <a:xfrm>
+            <a:off x="716096" y="365126"/>
+            <a:ext cx="10637704" cy="593342"/>
+          </a:xfrm>
+        </p:spPr>
+        <p:txBody>
+          <a:bodyPr>
+            <a:normAutofit fontScale="90000"/>
+          </a:bodyPr>
+          <a:lstStyle/>
+          <a:p>
+            <a:r>
+              <a:rPr lang="en-US" dirty="0"/>
+              <a:t>Continue..</a:t>
+            </a:r>
+          </a:p>
+        </p:txBody>
+      </p:sp>
+      <p:sp>
+        <p:nvSpPr>
+          <p:cNvPr id="3" name="Content Placeholder 2">
+            <a:extLst>
+              <a:ext uri="{FF2B5EF4-FFF2-40B4-BE49-F238E27FC236}">
+                <a16:creationId xmlns:a16="http://schemas.microsoft.com/office/drawing/2014/main" id="{6F4DD899-E2CD-409B-851C-BC9861121D61}"/>
+              </a:ext>
+            </a:extLst>
+          </p:cNvPr>
+          <p:cNvSpPr>
+            <a:spLocks noGrp="1"/>
+          </p:cNvSpPr>
+          <p:nvPr>
+            <p:ph idx="1"/>
+          </p:nvPr>
+        </p:nvSpPr>
+        <p:spPr>
+          <a:xfrm>
+            <a:off x="583894" y="1101687"/>
+            <a:ext cx="10769906" cy="5075276"/>
+          </a:xfrm>
+        </p:spPr>
+        <p:txBody>
+          <a:bodyPr/>
+          <a:lstStyle/>
+          <a:p>
+            <a:endParaRPr lang="en-US" dirty="0"/>
+          </a:p>
+        </p:txBody>
+      </p:sp>
+    </p:spTree>
+    <p:extLst>
+      <p:ext uri="{BB962C8B-B14F-4D97-AF65-F5344CB8AC3E}">
+        <p14:creationId xmlns:p14="http://schemas.microsoft.com/office/powerpoint/2010/main" val="1053896598"/>
       </p:ext>
     </p:extLst>
   </p:cSld>
@@ -6479,7 +7145,7 @@
         </p:blipFill>
         <p:spPr>
           <a:xfrm>
-            <a:off x="1630496" y="1798016"/>
+            <a:off x="1806766" y="1786999"/>
             <a:ext cx="9880007" cy="2770542"/>
           </a:xfrm>
           <a:prstGeom prst="rect">
@@ -6501,7 +7167,7 @@
         </p:nvCxnSpPr>
         <p:spPr>
           <a:xfrm flipH="1">
-            <a:off x="1299990" y="2313542"/>
+            <a:off x="1476260" y="2302525"/>
             <a:ext cx="661012" cy="0"/>
           </a:xfrm>
           <a:prstGeom prst="straightConnector1">
@@ -6541,7 +7207,7 @@
         <p:spPr>
           <a:xfrm>
             <a:off x="144138" y="2128876"/>
-            <a:ext cx="1388124" cy="369332"/>
+            <a:ext cx="1388124" cy="923330"/>
           </a:xfrm>
           <a:prstGeom prst="rect">
             <a:avLst/>
@@ -6556,7 +7222,7 @@
           <a:p>
             <a:r>
               <a:rPr lang="en-US" dirty="0"/>
-              <a:t>Press “F8”</a:t>
+              <a:t>Press “F8”to step each line</a:t>
             </a:r>
           </a:p>
         </p:txBody>

--- a/VBA.pptx
+++ b/VBA.pptx
@@ -278,7 +278,7 @@
           <a:p>
             <a:fld id="{AB29DDB7-BA40-4CA0-A4F9-2204F0D18ADB}" type="datetimeFigureOut">
               <a:rPr lang="en-US" smtClean="0"/>
-              <a:t>1/2/2022</a:t>
+              <a:t>1/5/2022</a:t>
             </a:fld>
             <a:endParaRPr lang="en-US"/>
           </a:p>
@@ -476,7 +476,7 @@
           <a:p>
             <a:fld id="{AB29DDB7-BA40-4CA0-A4F9-2204F0D18ADB}" type="datetimeFigureOut">
               <a:rPr lang="en-US" smtClean="0"/>
-              <a:t>1/2/2022</a:t>
+              <a:t>1/5/2022</a:t>
             </a:fld>
             <a:endParaRPr lang="en-US"/>
           </a:p>
@@ -684,7 +684,7 @@
           <a:p>
             <a:fld id="{AB29DDB7-BA40-4CA0-A4F9-2204F0D18ADB}" type="datetimeFigureOut">
               <a:rPr lang="en-US" smtClean="0"/>
-              <a:t>1/2/2022</a:t>
+              <a:t>1/5/2022</a:t>
             </a:fld>
             <a:endParaRPr lang="en-US"/>
           </a:p>
@@ -882,7 +882,7 @@
           <a:p>
             <a:fld id="{AB29DDB7-BA40-4CA0-A4F9-2204F0D18ADB}" type="datetimeFigureOut">
               <a:rPr lang="en-US" smtClean="0"/>
-              <a:t>1/2/2022</a:t>
+              <a:t>1/5/2022</a:t>
             </a:fld>
             <a:endParaRPr lang="en-US"/>
           </a:p>
@@ -1157,7 +1157,7 @@
           <a:p>
             <a:fld id="{AB29DDB7-BA40-4CA0-A4F9-2204F0D18ADB}" type="datetimeFigureOut">
               <a:rPr lang="en-US" smtClean="0"/>
-              <a:t>1/2/2022</a:t>
+              <a:t>1/5/2022</a:t>
             </a:fld>
             <a:endParaRPr lang="en-US"/>
           </a:p>
@@ -1422,7 +1422,7 @@
           <a:p>
             <a:fld id="{AB29DDB7-BA40-4CA0-A4F9-2204F0D18ADB}" type="datetimeFigureOut">
               <a:rPr lang="en-US" smtClean="0"/>
-              <a:t>1/2/2022</a:t>
+              <a:t>1/5/2022</a:t>
             </a:fld>
             <a:endParaRPr lang="en-US"/>
           </a:p>
@@ -1834,7 +1834,7 @@
           <a:p>
             <a:fld id="{AB29DDB7-BA40-4CA0-A4F9-2204F0D18ADB}" type="datetimeFigureOut">
               <a:rPr lang="en-US" smtClean="0"/>
-              <a:t>1/2/2022</a:t>
+              <a:t>1/5/2022</a:t>
             </a:fld>
             <a:endParaRPr lang="en-US"/>
           </a:p>
@@ -1975,7 +1975,7 @@
           <a:p>
             <a:fld id="{AB29DDB7-BA40-4CA0-A4F9-2204F0D18ADB}" type="datetimeFigureOut">
               <a:rPr lang="en-US" smtClean="0"/>
-              <a:t>1/2/2022</a:t>
+              <a:t>1/5/2022</a:t>
             </a:fld>
             <a:endParaRPr lang="en-US"/>
           </a:p>
@@ -2088,7 +2088,7 @@
           <a:p>
             <a:fld id="{AB29DDB7-BA40-4CA0-A4F9-2204F0D18ADB}" type="datetimeFigureOut">
               <a:rPr lang="en-US" smtClean="0"/>
-              <a:t>1/2/2022</a:t>
+              <a:t>1/5/2022</a:t>
             </a:fld>
             <a:endParaRPr lang="en-US"/>
           </a:p>
@@ -2399,7 +2399,7 @@
           <a:p>
             <a:fld id="{AB29DDB7-BA40-4CA0-A4F9-2204F0D18ADB}" type="datetimeFigureOut">
               <a:rPr lang="en-US" smtClean="0"/>
-              <a:t>1/2/2022</a:t>
+              <a:t>1/5/2022</a:t>
             </a:fld>
             <a:endParaRPr lang="en-US"/>
           </a:p>
@@ -2687,7 +2687,7 @@
           <a:p>
             <a:fld id="{AB29DDB7-BA40-4CA0-A4F9-2204F0D18ADB}" type="datetimeFigureOut">
               <a:rPr lang="en-US" smtClean="0"/>
-              <a:t>1/2/2022</a:t>
+              <a:t>1/5/2022</a:t>
             </a:fld>
             <a:endParaRPr lang="en-US"/>
           </a:p>
@@ -2928,7 +2928,7 @@
           <a:p>
             <a:fld id="{AB29DDB7-BA40-4CA0-A4F9-2204F0D18ADB}" type="datetimeFigureOut">
               <a:rPr lang="en-US" smtClean="0"/>
-              <a:t>1/2/2022</a:t>
+              <a:t>1/5/2022</a:t>
             </a:fld>
             <a:endParaRPr lang="en-US"/>
           </a:p>
@@ -5502,6 +5502,49 @@
           </a:prstGeom>
         </p:spPr>
       </p:pic>
+      <p:sp>
+        <p:nvSpPr>
+          <p:cNvPr id="10" name="TextBox 9">
+            <a:extLst>
+              <a:ext uri="{FF2B5EF4-FFF2-40B4-BE49-F238E27FC236}">
+                <a16:creationId xmlns:a16="http://schemas.microsoft.com/office/drawing/2014/main" id="{74223221-DF4E-469C-87C1-FEF3F26F584E}"/>
+              </a:ext>
+            </a:extLst>
+          </p:cNvPr>
+          <p:cNvSpPr txBox="1"/>
+          <p:nvPr/>
+        </p:nvSpPr>
+        <p:spPr>
+          <a:xfrm>
+            <a:off x="5372302" y="57173"/>
+            <a:ext cx="2931864" cy="923330"/>
+          </a:xfrm>
+          <a:prstGeom prst="rect">
+            <a:avLst/>
+          </a:prstGeom>
+          <a:noFill/>
+        </p:spPr>
+        <p:txBody>
+          <a:bodyPr wrap="square" rtlCol="0">
+            <a:spAutoFit/>
+          </a:bodyPr>
+          <a:lstStyle/>
+          <a:p>
+            <a:r>
+              <a:rPr lang="en-US" dirty="0"/>
+              <a:t>Not a pre-defined number of iterations. </a:t>
+            </a:r>
+            <a:r>
+              <a:rPr lang="en-US" dirty="0" err="1"/>
+              <a:t>Interate</a:t>
+            </a:r>
+            <a:r>
+              <a:rPr lang="en-US" dirty="0"/>
+              <a:t> until some condition is met </a:t>
+            </a:r>
+          </a:p>
+        </p:txBody>
+      </p:sp>
     </p:spTree>
     <p:extLst>
       <p:ext uri="{BB962C8B-B14F-4D97-AF65-F5344CB8AC3E}">
@@ -5537,7 +5580,7 @@
           <p:cNvPr id="2" name="Title 1">
             <a:extLst>
               <a:ext uri="{FF2B5EF4-FFF2-40B4-BE49-F238E27FC236}">
-                <a16:creationId xmlns:a16="http://schemas.microsoft.com/office/drawing/2014/main" id="{0C054494-F48F-4F77-AD5F-5A64A81179A6}"/>
+                <a16:creationId xmlns:a16="http://schemas.microsoft.com/office/drawing/2014/main" id="{AAD105D0-CC78-4FC0-8878-954205C011CF}"/>
               </a:ext>
             </a:extLst>
           </p:cNvPr>
@@ -5550,8 +5593,8 @@
         </p:nvSpPr>
         <p:spPr>
           <a:xfrm>
-            <a:off x="495759" y="365126"/>
-            <a:ext cx="10858041" cy="315912"/>
+            <a:off x="638978" y="20240"/>
+            <a:ext cx="10417366" cy="615376"/>
           </a:xfrm>
         </p:spPr>
         <p:txBody>
@@ -5562,26 +5605,71 @@
           <a:p>
             <a:r>
               <a:rPr lang="en-US" dirty="0"/>
-              <a:t>Custom chart &amp; animation with Macro</a:t>
+              <a:t>Iteration (</a:t>
+            </a:r>
+            <a:r>
+              <a:rPr lang="en-US" dirty="0" err="1"/>
+              <a:t>For..Next</a:t>
+            </a:r>
+            <a:r>
+              <a:rPr lang="en-US" dirty="0"/>
+              <a:t>)</a:t>
+            </a:r>
+          </a:p>
+        </p:txBody>
+      </p:sp>
+      <p:sp>
+        <p:nvSpPr>
+          <p:cNvPr id="4" name="Content Placeholder 3">
+            <a:extLst>
+              <a:ext uri="{FF2B5EF4-FFF2-40B4-BE49-F238E27FC236}">
+                <a16:creationId xmlns:a16="http://schemas.microsoft.com/office/drawing/2014/main" id="{6E7E16C7-38A8-4D15-B6C9-E19AFF7F0300}"/>
+              </a:ext>
+            </a:extLst>
+          </p:cNvPr>
+          <p:cNvSpPr txBox="1">
+            <a:spLocks noGrp="1"/>
+          </p:cNvSpPr>
+          <p:nvPr>
+            <p:ph idx="1"/>
+          </p:nvPr>
+        </p:nvSpPr>
+        <p:spPr>
+          <a:xfrm>
+            <a:off x="638978" y="964093"/>
+            <a:ext cx="10548937" cy="480131"/>
+          </a:xfrm>
+          <a:prstGeom prst="rect">
+            <a:avLst/>
+          </a:prstGeom>
+          <a:noFill/>
+        </p:spPr>
+        <p:txBody>
+          <a:bodyPr wrap="square" rtlCol="0">
+            <a:spAutoFit/>
+          </a:bodyPr>
+          <a:lstStyle/>
+          <a:p>
+            <a:r>
+              <a:rPr lang="en-US" dirty="0"/>
+              <a:t>A pre-defined number of iterations. </a:t>
             </a:r>
           </a:p>
         </p:txBody>
       </p:sp>
       <p:pic>
         <p:nvPicPr>
-          <p:cNvPr id="5" name="Content Placeholder 4">
-            <a:extLst>
-              <a:ext uri="{FF2B5EF4-FFF2-40B4-BE49-F238E27FC236}">
-                <a16:creationId xmlns:a16="http://schemas.microsoft.com/office/drawing/2014/main" id="{1DA73F24-9F1C-47A3-8814-FB07F97F504D}"/>
+          <p:cNvPr id="6" name="Picture 5">
+            <a:extLst>
+              <a:ext uri="{FF2B5EF4-FFF2-40B4-BE49-F238E27FC236}">
+                <a16:creationId xmlns:a16="http://schemas.microsoft.com/office/drawing/2014/main" id="{9EE308EC-47D0-443F-A203-2094B6FE23AB}"/>
               </a:ext>
             </a:extLst>
           </p:cNvPr>
           <p:cNvPicPr>
-            <a:picLocks noGrp="1" noChangeAspect="1"/>
+            <a:picLocks noChangeAspect="1"/>
           </p:cNvPicPr>
-          <p:nvPr>
-            <p:ph idx="1"/>
-          </p:nvPr>
+          <p:nvPr/>
         </p:nvPicPr>
         <p:blipFill>
           <a:blip r:embed="rId2"/>
@@ -5591,17 +5679,50 @@
         </p:blipFill>
         <p:spPr>
           <a:xfrm>
-            <a:off x="2132921" y="1177925"/>
-            <a:ext cx="4543425" cy="4933950"/>
-          </a:xfrm>
+            <a:off x="1211854" y="1601927"/>
+            <a:ext cx="5739790" cy="2311002"/>
+          </a:xfrm>
+          <a:prstGeom prst="rect">
+            <a:avLst/>
+          </a:prstGeom>
+        </p:spPr>
+      </p:pic>
+      <p:pic>
+        <p:nvPicPr>
+          <p:cNvPr id="8" name="Picture 7">
+            <a:extLst>
+              <a:ext uri="{FF2B5EF4-FFF2-40B4-BE49-F238E27FC236}">
+                <a16:creationId xmlns:a16="http://schemas.microsoft.com/office/drawing/2014/main" id="{C9FA1368-F1F0-4C9C-BEE7-9316D5B90D8C}"/>
+              </a:ext>
+            </a:extLst>
+          </p:cNvPr>
+          <p:cNvPicPr>
+            <a:picLocks noChangeAspect="1"/>
+          </p:cNvPicPr>
+          <p:nvPr/>
+        </p:nvPicPr>
+        <p:blipFill>
+          <a:blip r:embed="rId3"/>
+          <a:stretch>
+            <a:fillRect/>
+          </a:stretch>
+        </p:blipFill>
+        <p:spPr>
+          <a:xfrm>
+            <a:off x="6096000" y="4100572"/>
+            <a:ext cx="3362426" cy="2583455"/>
+          </a:xfrm>
+          <a:prstGeom prst="rect">
+            <a:avLst/>
+          </a:prstGeom>
         </p:spPr>
       </p:pic>
       <p:cxnSp>
         <p:nvCxnSpPr>
-          <p:cNvPr id="7" name="Straight Arrow Connector 6">
-            <a:extLst>
-              <a:ext uri="{FF2B5EF4-FFF2-40B4-BE49-F238E27FC236}">
-                <a16:creationId xmlns:a16="http://schemas.microsoft.com/office/drawing/2014/main" id="{0FD27A8F-F7E9-4979-B095-0859094AC313}"/>
+          <p:cNvPr id="10" name="Straight Arrow Connector 9">
+            <a:extLst>
+              <a:ext uri="{FF2B5EF4-FFF2-40B4-BE49-F238E27FC236}">
+                <a16:creationId xmlns:a16="http://schemas.microsoft.com/office/drawing/2014/main" id="{58C88501-D4EA-4C44-8E49-F895A9E18DEC}"/>
               </a:ext>
             </a:extLst>
           </p:cNvPr>
@@ -5609,9 +5730,9 @@
           <p:nvPr/>
         </p:nvCxnSpPr>
         <p:spPr>
-          <a:xfrm flipH="1">
-            <a:off x="1531345" y="1872867"/>
-            <a:ext cx="716096" cy="440675"/>
+          <a:xfrm flipV="1">
+            <a:off x="9458426" y="4605051"/>
+            <a:ext cx="357603" cy="220337"/>
           </a:xfrm>
           <a:prstGeom prst="straightConnector1">
             <a:avLst/>
@@ -5637,10 +5758,10 @@
       </p:cxnSp>
       <p:sp>
         <p:nvSpPr>
-          <p:cNvPr id="8" name="TextBox 7">
-            <a:extLst>
-              <a:ext uri="{FF2B5EF4-FFF2-40B4-BE49-F238E27FC236}">
-                <a16:creationId xmlns:a16="http://schemas.microsoft.com/office/drawing/2014/main" id="{57213A86-B504-43D5-8D3D-61A90A4C869C}"/>
+          <p:cNvPr id="11" name="TextBox 10">
+            <a:extLst>
+              <a:ext uri="{FF2B5EF4-FFF2-40B4-BE49-F238E27FC236}">
+                <a16:creationId xmlns:a16="http://schemas.microsoft.com/office/drawing/2014/main" id="{83D9043D-DC24-4B64-A65F-A1AAC5AFDB89}"/>
               </a:ext>
             </a:extLst>
           </p:cNvPr>
@@ -5649,8 +5770,8 @@
         </p:nvSpPr>
         <p:spPr>
           <a:xfrm>
-            <a:off x="418641" y="2379643"/>
-            <a:ext cx="1828800" cy="369332"/>
+            <a:off x="9827046" y="4100572"/>
+            <a:ext cx="2005070" cy="923330"/>
           </a:xfrm>
           <a:prstGeom prst="rect">
             <a:avLst/>
@@ -5665,29 +5786,62 @@
           <a:p>
             <a:r>
               <a:rPr lang="en-US" dirty="0"/>
-              <a:t>Dropdown list</a:t>
+              <a:t>Count how many 5s are there in the selected cells</a:t>
+            </a:r>
+          </a:p>
+        </p:txBody>
+      </p:sp>
+      <p:sp>
+        <p:nvSpPr>
+          <p:cNvPr id="12" name="TextBox 11">
+            <a:extLst>
+              <a:ext uri="{FF2B5EF4-FFF2-40B4-BE49-F238E27FC236}">
+                <a16:creationId xmlns:a16="http://schemas.microsoft.com/office/drawing/2014/main" id="{4C2616AD-4FAB-49BD-97A4-20F8FBC30DE6}"/>
+              </a:ext>
+            </a:extLst>
+          </p:cNvPr>
+          <p:cNvSpPr txBox="1"/>
+          <p:nvPr/>
+        </p:nvSpPr>
+        <p:spPr>
+          <a:xfrm>
+            <a:off x="1407182" y="4825388"/>
+            <a:ext cx="2005070" cy="1200329"/>
+          </a:xfrm>
+          <a:prstGeom prst="rect">
+            <a:avLst/>
+          </a:prstGeom>
+          <a:noFill/>
+        </p:spPr>
+        <p:txBody>
+          <a:bodyPr wrap="square" rtlCol="0">
+            <a:spAutoFit/>
+          </a:bodyPr>
+          <a:lstStyle/>
+          <a:p>
+            <a:r>
+              <a:rPr lang="en-US" dirty="0"/>
+              <a:t>Count how many numbers can be divided by 3 or 5 (from 1 to 30)</a:t>
             </a:r>
           </a:p>
         </p:txBody>
       </p:sp>
       <p:cxnSp>
         <p:nvCxnSpPr>
-          <p:cNvPr id="10" name="Straight Arrow Connector 9">
-            <a:extLst>
-              <a:ext uri="{FF2B5EF4-FFF2-40B4-BE49-F238E27FC236}">
-                <a16:creationId xmlns:a16="http://schemas.microsoft.com/office/drawing/2014/main" id="{5F07625E-A5C2-4E95-AC16-F4B05A0BF786}"/>
-              </a:ext>
-            </a:extLst>
-          </p:cNvPr>
-          <p:cNvCxnSpPr>
-            <a:cxnSpLocks/>
-          </p:cNvCxnSpPr>
+          <p:cNvPr id="14" name="Straight Arrow Connector 13">
+            <a:extLst>
+              <a:ext uri="{FF2B5EF4-FFF2-40B4-BE49-F238E27FC236}">
+                <a16:creationId xmlns:a16="http://schemas.microsoft.com/office/drawing/2014/main" id="{851355A2-94B3-4096-9DA8-E645F4BE394D}"/>
+              </a:ext>
+            </a:extLst>
+          </p:cNvPr>
+          <p:cNvCxnSpPr/>
           <p:nvPr/>
         </p:nvCxnSpPr>
         <p:spPr>
           <a:xfrm>
-            <a:off x="6202496" y="3569465"/>
-            <a:ext cx="1222873" cy="0"/>
+            <a:off x="1861851" y="3429000"/>
+            <a:ext cx="0" cy="1286219"/>
           </a:xfrm>
           <a:prstGeom prst="straightConnector1">
             <a:avLst/>
@@ -5711,89 +5865,10 @@
           </a:fontRef>
         </p:style>
       </p:cxnSp>
-      <p:sp>
-        <p:nvSpPr>
-          <p:cNvPr id="11" name="Right Brace 10">
-            <a:extLst>
-              <a:ext uri="{FF2B5EF4-FFF2-40B4-BE49-F238E27FC236}">
-                <a16:creationId xmlns:a16="http://schemas.microsoft.com/office/drawing/2014/main" id="{9A2D8308-2846-474E-8787-04742F3E0B36}"/>
-              </a:ext>
-            </a:extLst>
-          </p:cNvPr>
-          <p:cNvSpPr/>
-          <p:nvPr/>
-        </p:nvSpPr>
-        <p:spPr>
-          <a:xfrm>
-            <a:off x="5838940" y="1972019"/>
-            <a:ext cx="257060" cy="3117774"/>
-          </a:xfrm>
-          <a:prstGeom prst="rightBrace">
-            <a:avLst/>
-          </a:prstGeom>
-        </p:spPr>
-        <p:style>
-          <a:lnRef idx="1">
-            <a:schemeClr val="accent1"/>
-          </a:lnRef>
-          <a:fillRef idx="0">
-            <a:schemeClr val="accent1"/>
-          </a:fillRef>
-          <a:effectRef idx="0">
-            <a:schemeClr val="accent1"/>
-          </a:effectRef>
-          <a:fontRef idx="minor">
-            <a:schemeClr val="tx1"/>
-          </a:fontRef>
-        </p:style>
-        <p:txBody>
-          <a:bodyPr rtlCol="0" anchor="ctr"/>
-          <a:lstStyle/>
-          <a:p>
-            <a:pPr algn="ctr"/>
-            <a:endParaRPr lang="en-US"/>
-          </a:p>
-        </p:txBody>
-      </p:sp>
-      <p:sp>
-        <p:nvSpPr>
-          <p:cNvPr id="13" name="TextBox 12">
-            <a:extLst>
-              <a:ext uri="{FF2B5EF4-FFF2-40B4-BE49-F238E27FC236}">
-                <a16:creationId xmlns:a16="http://schemas.microsoft.com/office/drawing/2014/main" id="{375F92C2-0FD8-43D9-BBA9-75254C858EA4}"/>
-              </a:ext>
-            </a:extLst>
-          </p:cNvPr>
-          <p:cNvSpPr txBox="1"/>
-          <p:nvPr/>
-        </p:nvSpPr>
-        <p:spPr>
-          <a:xfrm>
-            <a:off x="7425369" y="3249976"/>
-            <a:ext cx="4649118" cy="956381"/>
-          </a:xfrm>
-          <a:prstGeom prst="rect">
-            <a:avLst/>
-          </a:prstGeom>
-          <a:noFill/>
-        </p:spPr>
-        <p:txBody>
-          <a:bodyPr wrap="square" rtlCol="0">
-            <a:spAutoFit/>
-          </a:bodyPr>
-          <a:lstStyle/>
-          <a:p>
-            <a:r>
-              <a:rPr lang="en-US" dirty="0"/>
-              <a:t>The reason why female change to negative because we want the female on the negative axis </a:t>
-            </a:r>
-          </a:p>
-        </p:txBody>
-      </p:sp>
     </p:spTree>
     <p:extLst>
       <p:ext uri="{BB962C8B-B14F-4D97-AF65-F5344CB8AC3E}">
-        <p14:creationId xmlns:p14="http://schemas.microsoft.com/office/powerpoint/2010/main" val="2956456590"/>
+        <p14:creationId xmlns:p14="http://schemas.microsoft.com/office/powerpoint/2010/main" val="3592352469"/>
       </p:ext>
     </p:extLst>
   </p:cSld>
@@ -5911,7 +5986,7 @@
           <p:cNvPr id="2" name="Title 1">
             <a:extLst>
               <a:ext uri="{FF2B5EF4-FFF2-40B4-BE49-F238E27FC236}">
-                <a16:creationId xmlns:a16="http://schemas.microsoft.com/office/drawing/2014/main" id="{E5AB3D49-10B4-4AF2-9369-040EC6296681}"/>
+                <a16:creationId xmlns:a16="http://schemas.microsoft.com/office/drawing/2014/main" id="{ECEF10CE-5CC9-4AB9-8924-0C11C0194EE5}"/>
               </a:ext>
             </a:extLst>
           </p:cNvPr>
@@ -5922,22 +5997,12 @@
             <p:ph type="title"/>
           </p:nvPr>
         </p:nvSpPr>
-        <p:spPr>
-          <a:xfrm>
-            <a:off x="716096" y="365126"/>
-            <a:ext cx="10637704" cy="593342"/>
-          </a:xfrm>
-        </p:spPr>
-        <p:txBody>
-          <a:bodyPr>
-            <a:normAutofit fontScale="90000"/>
-          </a:bodyPr>
-          <a:lstStyle/>
-          <a:p>
-            <a:r>
-              <a:rPr lang="en-US" dirty="0"/>
-              <a:t>Continue..</a:t>
-            </a:r>
+        <p:spPr/>
+        <p:txBody>
+          <a:bodyPr/>
+          <a:lstStyle/>
+          <a:p>
+            <a:endParaRPr lang="en-US"/>
           </a:p>
         </p:txBody>
       </p:sp>
@@ -5946,7 +6011,7 @@
           <p:cNvPr id="3" name="Content Placeholder 2">
             <a:extLst>
               <a:ext uri="{FF2B5EF4-FFF2-40B4-BE49-F238E27FC236}">
-                <a16:creationId xmlns:a16="http://schemas.microsoft.com/office/drawing/2014/main" id="{6F4DD899-E2CD-409B-851C-BC9861121D61}"/>
+                <a16:creationId xmlns:a16="http://schemas.microsoft.com/office/drawing/2014/main" id="{5B4889EF-E052-44A4-8A04-F4746FAFE3A6}"/>
               </a:ext>
             </a:extLst>
           </p:cNvPr>
@@ -5957,24 +6022,19 @@
             <p:ph idx="1"/>
           </p:nvPr>
         </p:nvSpPr>
-        <p:spPr>
-          <a:xfrm>
-            <a:off x="583894" y="1101687"/>
-            <a:ext cx="10769906" cy="5075276"/>
-          </a:xfrm>
-        </p:spPr>
+        <p:spPr/>
         <p:txBody>
           <a:bodyPr/>
           <a:lstStyle/>
           <a:p>
-            <a:endParaRPr lang="en-US" dirty="0"/>
+            <a:endParaRPr lang="en-US"/>
           </a:p>
         </p:txBody>
       </p:sp>
     </p:spTree>
     <p:extLst>
       <p:ext uri="{BB962C8B-B14F-4D97-AF65-F5344CB8AC3E}">
-        <p14:creationId xmlns:p14="http://schemas.microsoft.com/office/powerpoint/2010/main" val="1053896598"/>
+        <p14:creationId xmlns:p14="http://schemas.microsoft.com/office/powerpoint/2010/main" val="3655345734"/>
       </p:ext>
     </p:extLst>
   </p:cSld>
